--- a/Unit 4.pptx
+++ b/Unit 4.pptx
@@ -5,7 +5,7 @@
     <p:sldMasterId id="2147483648" r:id="rId1"/>
   </p:sldMasterIdLst>
   <p:notesMasterIdLst>
-    <p:notesMasterId r:id="rId31"/>
+    <p:notesMasterId r:id="rId35"/>
   </p:notesMasterIdLst>
   <p:sldIdLst>
     <p:sldId id="256" r:id="rId2"/>
@@ -35,8 +35,12 @@
     <p:sldId id="282" r:id="rId26"/>
     <p:sldId id="283" r:id="rId27"/>
     <p:sldId id="284" r:id="rId28"/>
-    <p:sldId id="285" r:id="rId29"/>
-    <p:sldId id="286" r:id="rId30"/>
+    <p:sldId id="286" r:id="rId29"/>
+    <p:sldId id="287" r:id="rId30"/>
+    <p:sldId id="289" r:id="rId31"/>
+    <p:sldId id="288" r:id="rId32"/>
+    <p:sldId id="290" r:id="rId33"/>
+    <p:sldId id="291" r:id="rId34"/>
   </p:sldIdLst>
   <p:sldSz cx="24384000" cy="13716000"/>
   <p:notesSz cx="6858000" cy="9144000"/>
@@ -5097,21 +5101,7 @@
                 <a:latin typeface="Calibri" panose="020F0502020204030204" pitchFamily="34" charset="0"/>
                 <a:cs typeface="Calibri" panose="020F0502020204030204" pitchFamily="34" charset="0"/>
               </a:rPr>
-              <a:t>Uses XML to transfer data across a network, it is not necessary that the destination component should </a:t>
-            </a:r>
-            <a:r>
-              <a:rPr lang="en-US" sz="4800" b="0" dirty="0" smtClean="0">
-                <a:latin typeface="Calibri" panose="020F0502020204030204" pitchFamily="34" charset="0"/>
-                <a:cs typeface="Calibri" panose="020F0502020204030204" pitchFamily="34" charset="0"/>
-              </a:rPr>
-              <a:t>be </a:t>
-            </a:r>
-            <a:r>
-              <a:rPr lang="en-US" sz="4800" b="0" dirty="0" smtClean="0">
-                <a:latin typeface="Calibri" panose="020F0502020204030204" pitchFamily="34" charset="0"/>
-                <a:cs typeface="Calibri" panose="020F0502020204030204" pitchFamily="34" charset="0"/>
-              </a:rPr>
-              <a:t>.NET application. Any receiving component that can read XML can communicate with ADO.NET</a:t>
+              <a:t>Uses XML to transfer data across a network, it is not necessary that the destination component should be .NET application. Any receiving component that can read XML can communicate with ADO.NET</a:t>
             </a:r>
             <a:endParaRPr kumimoji="0" lang="en-US" sz="4800" b="0" i="0" u="none" strike="noStrike" cap="none" spc="0" normalizeH="0" baseline="0" dirty="0">
               <a:ln>
@@ -11286,14 +11276,14 @@
           <p:nvPr>
             <p:extLst>
               <p:ext uri="{D42A27DB-BD31-4B8C-83A1-F6EECF244321}">
-                <p14:modId xmlns:p14="http://schemas.microsoft.com/office/powerpoint/2010/main" val="1629703721"/>
+                <p14:modId xmlns:p14="http://schemas.microsoft.com/office/powerpoint/2010/main" val="2357206470"/>
               </p:ext>
             </p:extLst>
           </p:nvPr>
         </p:nvGraphicFramePr>
         <p:xfrm>
           <a:off x="304800" y="2349362"/>
-          <a:ext cx="23774399" cy="10551793"/>
+          <a:ext cx="23774399" cy="10559813"/>
         </p:xfrm>
         <a:graphic>
           <a:graphicData uri="http://schemas.openxmlformats.org/drawingml/2006/table">
@@ -11324,7 +11314,7 @@
                   </a:extLst>
                 </a:gridCol>
               </a:tblGrid>
-              <a:tr h="894078">
+              <a:tr h="1146494">
                 <a:tc>
                   <a:txBody>
                     <a:bodyPr/>
@@ -11337,17 +11327,21 @@
                         <a:defRPr sz="1800"/>
                       </a:pPr>
                       <a:r>
-                        <a:rPr sz="4000" dirty="0">
+                        <a:rPr sz="4000" b="0" i="0" u="none" strike="noStrike" cap="none" spc="0" baseline="0" dirty="0">
+                          <a:ln>
+                            <a:noFill/>
+                          </a:ln>
+                          <a:solidFill>
+                            <a:schemeClr val="dk1"/>
+                          </a:solidFill>
+                          <a:uFillTx/>
+                          <a:latin typeface="Calibri" panose="020F0502020204030204" pitchFamily="34" charset="0"/>
+                          <a:ea typeface="+mn-ea"/>
+                          <a:cs typeface="Calibri" panose="020F0502020204030204" pitchFamily="34" charset="0"/>
                           <a:sym typeface="Times"/>
                         </a:rPr>
                         <a:t>1</a:t>
                       </a:r>
-                      <a:endParaRPr sz="4000" dirty="0">
-                        <a:latin typeface="Times"/>
-                        <a:ea typeface="Times"/>
-                        <a:cs typeface="Times"/>
-                        <a:sym typeface="Times"/>
-                      </a:endParaRPr>
                     </a:p>
                   </a:txBody>
                   <a:tcPr marL="8128" marR="8128" marT="8128" marB="0" anchor="ctr" horzOverflow="overflow"/>
@@ -11359,7 +11353,7 @@
                     <a:p>
                       <a:pPr algn="l" fontAlgn="t"/>
                       <a:r>
-                        <a:rPr lang="en-US" sz="3500" b="0" i="0" u="none" strike="noStrike" cap="none" spc="0" baseline="0" dirty="0">
+                        <a:rPr lang="en-US" sz="4000" b="0" i="0" u="none" strike="noStrike" cap="none" spc="0" baseline="0" dirty="0">
                           <a:ln>
                             <a:noFill/>
                           </a:ln>
@@ -11385,21 +11379,33 @@
                     <a:p>
                       <a:pPr algn="ctr" fontAlgn="t"/>
                       <a:r>
-                        <a:rPr lang="en-US" sz="4000" b="0" i="0" u="none" strike="noStrike" dirty="0" smtClean="0">
+                        <a:rPr lang="en-US" sz="4000" b="0" i="0" u="none" strike="noStrike" cap="none" spc="0" baseline="0" dirty="0" smtClean="0">
+                          <a:ln>
+                            <a:noFill/>
+                          </a:ln>
                           <a:solidFill>
-                            <a:srgbClr val="000000"/>
+                            <a:schemeClr val="dk1"/>
                           </a:solidFill>
-                          <a:effectLst/>
+                          <a:uFillTx/>
                           <a:latin typeface="Calibri" panose="020F0502020204030204" pitchFamily="34" charset="0"/>
+                          <a:ea typeface="+mn-ea"/>
+                          <a:cs typeface="Calibri" panose="020F0502020204030204" pitchFamily="34" charset="0"/>
+                          <a:sym typeface="Helvetica Neue Light"/>
                         </a:rPr>
                         <a:t>7</a:t>
                       </a:r>
-                      <a:endParaRPr lang="en-US" sz="4000" b="0" i="0" u="none" strike="noStrike" dirty="0">
+                      <a:endParaRPr lang="en-US" sz="4000" b="0" i="0" u="none" strike="noStrike" cap="none" spc="0" baseline="0" dirty="0">
+                        <a:ln>
+                          <a:noFill/>
+                        </a:ln>
                         <a:solidFill>
-                          <a:srgbClr val="000000"/>
+                          <a:schemeClr val="dk1"/>
                         </a:solidFill>
-                        <a:effectLst/>
+                        <a:uFillTx/>
                         <a:latin typeface="Calibri" panose="020F0502020204030204" pitchFamily="34" charset="0"/>
+                        <a:ea typeface="+mn-ea"/>
+                        <a:cs typeface="Calibri" panose="020F0502020204030204" pitchFamily="34" charset="0"/>
+                        <a:sym typeface="Helvetica Neue Light"/>
                       </a:endParaRPr>
                     </a:p>
                   </a:txBody>
@@ -11411,7 +11417,7 @@
                   </a:ext>
                 </a:extLst>
               </a:tr>
-              <a:tr h="561652">
+              <a:tr h="979244">
                 <a:tc>
                   <a:txBody>
                     <a:bodyPr/>
@@ -11424,15 +11430,32 @@
                         <a:defRPr sz="1800"/>
                       </a:pPr>
                       <a:r>
-                        <a:rPr lang="en-US" sz="4000" dirty="0" smtClean="0">
+                        <a:rPr lang="en-US" sz="4000" b="0" i="0" u="none" strike="noStrike" cap="none" spc="0" baseline="0" dirty="0" smtClean="0">
+                          <a:ln>
+                            <a:noFill/>
+                          </a:ln>
+                          <a:solidFill>
+                            <a:schemeClr val="dk1"/>
+                          </a:solidFill>
+                          <a:uFillTx/>
+                          <a:latin typeface="Calibri" panose="020F0502020204030204" pitchFamily="34" charset="0"/>
+                          <a:ea typeface="+mn-ea"/>
+                          <a:cs typeface="Calibri" panose="020F0502020204030204" pitchFamily="34" charset="0"/>
                           <a:sym typeface="Times"/>
                         </a:rPr>
                         <a:t>2</a:t>
                       </a:r>
-                      <a:endParaRPr sz="4000" dirty="0">
-                        <a:latin typeface="Times"/>
-                        <a:ea typeface="Times"/>
-                        <a:cs typeface="Times"/>
+                      <a:endParaRPr sz="4000" b="0" i="0" u="none" strike="noStrike" cap="none" spc="0" baseline="0" dirty="0">
+                        <a:ln>
+                          <a:noFill/>
+                        </a:ln>
+                        <a:solidFill>
+                          <a:schemeClr val="dk1"/>
+                        </a:solidFill>
+                        <a:uFillTx/>
+                        <a:latin typeface="Calibri" panose="020F0502020204030204" pitchFamily="34" charset="0"/>
+                        <a:ea typeface="+mn-ea"/>
+                        <a:cs typeface="Calibri" panose="020F0502020204030204" pitchFamily="34" charset="0"/>
                         <a:sym typeface="Times"/>
                       </a:endParaRPr>
                     </a:p>
@@ -11446,7 +11469,7 @@
                     <a:p>
                       <a:pPr algn="l" fontAlgn="b"/>
                       <a:r>
-                        <a:rPr lang="en-US" sz="3500" b="0" i="0" u="none" strike="noStrike" cap="none" spc="0" baseline="0" dirty="0">
+                        <a:rPr lang="en-US" sz="4000" b="0" i="0" u="none" strike="noStrike" cap="none" spc="0" baseline="0" dirty="0">
                           <a:ln>
                             <a:noFill/>
                           </a:ln>
@@ -11472,21 +11495,33 @@
                     <a:p>
                       <a:pPr algn="ctr" fontAlgn="t"/>
                       <a:r>
-                        <a:rPr lang="en-US" sz="4000" b="0" i="0" u="none" strike="noStrike" dirty="0" smtClean="0">
+                        <a:rPr lang="en-US" sz="4000" b="0" i="0" u="none" strike="noStrike" cap="none" spc="0" baseline="0" dirty="0" smtClean="0">
+                          <a:ln>
+                            <a:noFill/>
+                          </a:ln>
                           <a:solidFill>
-                            <a:srgbClr val="000000"/>
+                            <a:schemeClr val="dk1"/>
                           </a:solidFill>
-                          <a:effectLst/>
+                          <a:uFillTx/>
                           <a:latin typeface="Calibri" panose="020F0502020204030204" pitchFamily="34" charset="0"/>
+                          <a:ea typeface="+mn-ea"/>
+                          <a:cs typeface="Calibri" panose="020F0502020204030204" pitchFamily="34" charset="0"/>
+                          <a:sym typeface="Helvetica Neue Light"/>
                         </a:rPr>
                         <a:t>7</a:t>
                       </a:r>
-                      <a:endParaRPr lang="en-US" sz="4000" b="0" i="0" u="none" strike="noStrike" dirty="0">
+                      <a:endParaRPr lang="en-US" sz="4000" b="0" i="0" u="none" strike="noStrike" cap="none" spc="0" baseline="0" dirty="0">
+                        <a:ln>
+                          <a:noFill/>
+                        </a:ln>
                         <a:solidFill>
-                          <a:srgbClr val="000000"/>
+                          <a:schemeClr val="dk1"/>
                         </a:solidFill>
-                        <a:effectLst/>
+                        <a:uFillTx/>
                         <a:latin typeface="Calibri" panose="020F0502020204030204" pitchFamily="34" charset="0"/>
+                        <a:ea typeface="+mn-ea"/>
+                        <a:cs typeface="Calibri" panose="020F0502020204030204" pitchFamily="34" charset="0"/>
+                        <a:sym typeface="Helvetica Neue Light"/>
                       </a:endParaRPr>
                     </a:p>
                   </a:txBody>
@@ -11498,7 +11533,7 @@
                   </a:ext>
                 </a:extLst>
               </a:tr>
-              <a:tr h="561652">
+              <a:tr h="979244">
                 <a:tc>
                   <a:txBody>
                     <a:bodyPr/>
@@ -11511,18 +11546,32 @@
                         <a:defRPr sz="1800"/>
                       </a:pPr>
                       <a:r>
-                        <a:rPr lang="en-US" sz="4000" dirty="0" smtClean="0">
-                          <a:latin typeface="+mn-lt"/>
+                        <a:rPr lang="en-US" sz="4000" b="0" i="0" u="none" strike="noStrike" cap="none" spc="0" baseline="0" dirty="0" smtClean="0">
+                          <a:ln>
+                            <a:noFill/>
+                          </a:ln>
+                          <a:solidFill>
+                            <a:schemeClr val="dk1"/>
+                          </a:solidFill>
+                          <a:uFillTx/>
+                          <a:latin typeface="Calibri" panose="020F0502020204030204" pitchFamily="34" charset="0"/>
                           <a:ea typeface="+mn-ea"/>
-                          <a:cs typeface="+mn-cs"/>
+                          <a:cs typeface="Calibri" panose="020F0502020204030204" pitchFamily="34" charset="0"/>
                           <a:sym typeface="Times"/>
                         </a:rPr>
                         <a:t>3</a:t>
                       </a:r>
-                      <a:endParaRPr sz="4000" dirty="0">
-                        <a:latin typeface="Times"/>
-                        <a:ea typeface="Times"/>
-                        <a:cs typeface="Times"/>
+                      <a:endParaRPr sz="4000" b="0" i="0" u="none" strike="noStrike" cap="none" spc="0" baseline="0" dirty="0">
+                        <a:ln>
+                          <a:noFill/>
+                        </a:ln>
+                        <a:solidFill>
+                          <a:schemeClr val="dk1"/>
+                        </a:solidFill>
+                        <a:uFillTx/>
+                        <a:latin typeface="Calibri" panose="020F0502020204030204" pitchFamily="34" charset="0"/>
+                        <a:ea typeface="+mn-ea"/>
+                        <a:cs typeface="Calibri" panose="020F0502020204030204" pitchFamily="34" charset="0"/>
                         <a:sym typeface="Times"/>
                       </a:endParaRPr>
                     </a:p>
@@ -11536,7 +11585,7 @@
                     <a:p>
                       <a:pPr algn="l" fontAlgn="b"/>
                       <a:r>
-                        <a:rPr lang="en-US" sz="3500" b="0" i="0" u="none" strike="noStrike" cap="none" spc="0" baseline="0" dirty="0">
+                        <a:rPr lang="en-US" sz="4000" b="0" i="0" u="none" strike="noStrike" cap="none" spc="0" baseline="0" dirty="0">
                           <a:ln>
                             <a:noFill/>
                           </a:ln>
@@ -11562,21 +11611,33 @@
                     <a:p>
                       <a:pPr algn="ctr" fontAlgn="t"/>
                       <a:r>
-                        <a:rPr lang="en-US" sz="4000" b="0" i="0" u="none" strike="noStrike" dirty="0" smtClean="0">
+                        <a:rPr lang="en-US" sz="4000" b="0" i="0" u="none" strike="noStrike" cap="none" spc="0" baseline="0" dirty="0" smtClean="0">
+                          <a:ln>
+                            <a:noFill/>
+                          </a:ln>
                           <a:solidFill>
-                            <a:srgbClr val="000000"/>
+                            <a:schemeClr val="dk1"/>
                           </a:solidFill>
-                          <a:effectLst/>
+                          <a:uFillTx/>
                           <a:latin typeface="Calibri" panose="020F0502020204030204" pitchFamily="34" charset="0"/>
+                          <a:ea typeface="+mn-ea"/>
+                          <a:cs typeface="Calibri" panose="020F0502020204030204" pitchFamily="34" charset="0"/>
+                          <a:sym typeface="Helvetica Neue Light"/>
                         </a:rPr>
                         <a:t>7</a:t>
                       </a:r>
-                      <a:endParaRPr lang="en-US" sz="4000" b="0" i="0" u="none" strike="noStrike" dirty="0">
+                      <a:endParaRPr lang="en-US" sz="4000" b="0" i="0" u="none" strike="noStrike" cap="none" spc="0" baseline="0" dirty="0">
+                        <a:ln>
+                          <a:noFill/>
+                        </a:ln>
                         <a:solidFill>
-                          <a:srgbClr val="000000"/>
+                          <a:schemeClr val="dk1"/>
                         </a:solidFill>
-                        <a:effectLst/>
+                        <a:uFillTx/>
                         <a:latin typeface="Calibri" panose="020F0502020204030204" pitchFamily="34" charset="0"/>
+                        <a:ea typeface="+mn-ea"/>
+                        <a:cs typeface="Calibri" panose="020F0502020204030204" pitchFamily="34" charset="0"/>
+                        <a:sym typeface="Helvetica Neue Light"/>
                       </a:endParaRPr>
                     </a:p>
                   </a:txBody>
@@ -11588,7 +11649,7 @@
                   </a:ext>
                 </a:extLst>
               </a:tr>
-              <a:tr h="894078">
+              <a:tr h="1380193">
                 <a:tc>
                   <a:txBody>
                     <a:bodyPr/>
@@ -11601,18 +11662,32 @@
                         <a:defRPr sz="1800"/>
                       </a:pPr>
                       <a:r>
-                        <a:rPr lang="en-US" sz="4000" dirty="0" smtClean="0">
-                          <a:latin typeface="+mn-lt"/>
+                        <a:rPr lang="en-US" sz="4000" b="0" i="0" u="none" strike="noStrike" cap="none" spc="0" baseline="0" dirty="0" smtClean="0">
+                          <a:ln>
+                            <a:noFill/>
+                          </a:ln>
+                          <a:solidFill>
+                            <a:schemeClr val="dk1"/>
+                          </a:solidFill>
+                          <a:uFillTx/>
+                          <a:latin typeface="Calibri" panose="020F0502020204030204" pitchFamily="34" charset="0"/>
                           <a:ea typeface="+mn-ea"/>
-                          <a:cs typeface="+mn-cs"/>
+                          <a:cs typeface="Calibri" panose="020F0502020204030204" pitchFamily="34" charset="0"/>
                           <a:sym typeface="Times"/>
                         </a:rPr>
                         <a:t>4</a:t>
                       </a:r>
-                      <a:endParaRPr sz="4000" dirty="0">
-                        <a:latin typeface="Times"/>
-                        <a:ea typeface="Times"/>
-                        <a:cs typeface="Times"/>
+                      <a:endParaRPr sz="4000" b="0" i="0" u="none" strike="noStrike" cap="none" spc="0" baseline="0" dirty="0">
+                        <a:ln>
+                          <a:noFill/>
+                        </a:ln>
+                        <a:solidFill>
+                          <a:schemeClr val="dk1"/>
+                        </a:solidFill>
+                        <a:uFillTx/>
+                        <a:latin typeface="Calibri" panose="020F0502020204030204" pitchFamily="34" charset="0"/>
+                        <a:ea typeface="+mn-ea"/>
+                        <a:cs typeface="Calibri" panose="020F0502020204030204" pitchFamily="34" charset="0"/>
                         <a:sym typeface="Times"/>
                       </a:endParaRPr>
                     </a:p>
@@ -11626,7 +11701,7 @@
                     <a:p>
                       <a:pPr algn="l" fontAlgn="t"/>
                       <a:r>
-                        <a:rPr lang="en-US" sz="3500" b="0" i="0" u="none" strike="noStrike" cap="none" spc="0" baseline="0" dirty="0">
+                        <a:rPr lang="en-US" sz="4000" b="0" i="0" u="none" strike="noStrike" cap="none" spc="0" baseline="0" dirty="0">
                           <a:ln>
                             <a:noFill/>
                           </a:ln>
@@ -11642,7 +11717,7 @@
                         <a:t>Explain usage of following </a:t>
                       </a:r>
                       <a:r>
-                        <a:rPr lang="en-US" sz="3500" b="0" i="0" u="none" strike="noStrike" cap="none" spc="0" baseline="0" dirty="0" err="1">
+                        <a:rPr lang="en-US" sz="4000" b="0" i="0" u="none" strike="noStrike" cap="none" spc="0" baseline="0" dirty="0" err="1">
                           <a:ln>
                             <a:noFill/>
                           </a:ln>
@@ -11658,7 +11733,7 @@
                         <a:t>ADO.Net</a:t>
                       </a:r>
                       <a:r>
-                        <a:rPr lang="en-US" sz="3500" b="0" i="0" u="none" strike="noStrike" cap="none" spc="0" baseline="0" dirty="0">
+                        <a:rPr lang="en-US" sz="4000" b="0" i="0" u="none" strike="noStrike" cap="none" spc="0" baseline="0" dirty="0">
                           <a:ln>
                             <a:noFill/>
                           </a:ln>
@@ -11674,7 +11749,7 @@
                         <a:t> objects with their methods. </a:t>
                       </a:r>
                       <a:br>
-                        <a:rPr lang="en-US" sz="3500" b="0" i="0" u="none" strike="noStrike" cap="none" spc="0" baseline="0" dirty="0">
+                        <a:rPr lang="en-US" sz="4000" b="0" i="0" u="none" strike="noStrike" cap="none" spc="0" baseline="0" dirty="0">
                           <a:ln>
                             <a:noFill/>
                           </a:ln>
@@ -11689,7 +11764,7 @@
                         </a:rPr>
                       </a:br>
                       <a:r>
-                        <a:rPr lang="en-US" sz="3500" b="0" i="0" u="none" strike="noStrike" cap="none" spc="0" baseline="0" dirty="0">
+                        <a:rPr lang="en-US" sz="4000" b="0" i="0" u="none" strike="noStrike" cap="none" spc="0" baseline="0" dirty="0">
                           <a:ln>
                             <a:noFill/>
                           </a:ln>
@@ -11705,7 +11780,7 @@
                         <a:t>1) Connection 2) </a:t>
                       </a:r>
                       <a:r>
-                        <a:rPr lang="en-US" sz="3500" b="0" i="0" u="none" strike="noStrike" cap="none" spc="0" baseline="0" dirty="0" err="1">
+                        <a:rPr lang="en-US" sz="4000" b="0" i="0" u="none" strike="noStrike" cap="none" spc="0" baseline="0" dirty="0" err="1">
                           <a:ln>
                             <a:noFill/>
                           </a:ln>
@@ -11721,7 +11796,7 @@
                         <a:t>DataAdapter</a:t>
                       </a:r>
                       <a:r>
-                        <a:rPr lang="en-US" sz="3500" b="0" i="0" u="none" strike="noStrike" cap="none" spc="0" baseline="0" dirty="0">
+                        <a:rPr lang="en-US" sz="4000" b="0" i="0" u="none" strike="noStrike" cap="none" spc="0" baseline="0" dirty="0">
                           <a:ln>
                             <a:noFill/>
                           </a:ln>
@@ -11734,84 +11809,10 @@
                           <a:cs typeface="Calibri" panose="020F0502020204030204" pitchFamily="34" charset="0"/>
                           <a:sym typeface="Helvetica Neue Light"/>
                         </a:rPr>
-                        <a:t> 3) Dataset</a:t>
+                        <a:t> 3) </a:t>
                       </a:r>
-                    </a:p>
-                  </a:txBody>
-                  <a:tcPr marL="9525" marR="9525" marT="9525" marB="0" anchor="ctr"/>
-                </a:tc>
-                <a:tc>
-                  <a:txBody>
-                    <a:bodyPr/>
-                    <a:lstStyle/>
-                    <a:p>
-                      <a:pPr algn="ctr" fontAlgn="t"/>
                       <a:r>
-                        <a:rPr lang="en-US" sz="4000" b="0" i="0" u="none" strike="noStrike" dirty="0" smtClean="0">
-                          <a:solidFill>
-                            <a:srgbClr val="000000"/>
-                          </a:solidFill>
-                          <a:effectLst/>
-                          <a:latin typeface="Calibri" panose="020F0502020204030204" pitchFamily="34" charset="0"/>
-                        </a:rPr>
-                        <a:t>7</a:t>
-                      </a:r>
-                      <a:endParaRPr lang="en-US" sz="4000" b="0" i="0" u="none" strike="noStrike" dirty="0">
-                        <a:solidFill>
-                          <a:srgbClr val="000000"/>
-                        </a:solidFill>
-                        <a:effectLst/>
-                        <a:latin typeface="Calibri" panose="020F0502020204030204" pitchFamily="34" charset="0"/>
-                      </a:endParaRPr>
-                    </a:p>
-                  </a:txBody>
-                  <a:tcPr marL="9525" marR="9525" marT="9525" marB="0"/>
-                </a:tc>
-                <a:extLst>
-                  <a:ext uri="{0D108BD9-81ED-4DB2-BD59-A6C34878D82A}">
-                    <a16:rowId xmlns:a16="http://schemas.microsoft.com/office/drawing/2014/main" val="10004"/>
-                  </a:ext>
-                </a:extLst>
-              </a:tr>
-              <a:tr h="894078">
-                <a:tc>
-                  <a:txBody>
-                    <a:bodyPr/>
-                    <a:lstStyle/>
-                    <a:p>
-                      <a:pPr defTabSz="457200">
-                        <a:lnSpc>
-                          <a:spcPts val="6700"/>
-                        </a:lnSpc>
-                        <a:defRPr sz="1800"/>
-                      </a:pPr>
-                      <a:r>
-                        <a:rPr lang="en-US" sz="4000" dirty="0" smtClean="0">
-                          <a:latin typeface="+mn-lt"/>
-                          <a:ea typeface="+mn-ea"/>
-                          <a:cs typeface="+mn-cs"/>
-                          <a:sym typeface="Times"/>
-                        </a:rPr>
-                        <a:t>5</a:t>
-                      </a:r>
-                      <a:endParaRPr sz="4000" dirty="0">
-                        <a:latin typeface="Times"/>
-                        <a:ea typeface="Times"/>
-                        <a:cs typeface="Times"/>
-                        <a:sym typeface="Times"/>
-                      </a:endParaRPr>
-                    </a:p>
-                  </a:txBody>
-                  <a:tcPr marL="8128" marR="8128" marT="8128" marB="0" anchor="ctr" horzOverflow="overflow"/>
-                </a:tc>
-                <a:tc>
-                  <a:txBody>
-                    <a:bodyPr/>
-                    <a:lstStyle/>
-                    <a:p>
-                      <a:pPr algn="l" fontAlgn="b"/>
-                      <a:r>
-                        <a:rPr lang="en-US" sz="3500" b="0" i="0" u="none" strike="noStrike" cap="none" spc="0" baseline="0" dirty="0">
+                        <a:rPr lang="en-US" sz="4000" b="0" i="0" u="none" strike="noStrike" cap="none" spc="0" baseline="0" dirty="0" smtClean="0">
                           <a:ln>
                             <a:noFill/>
                           </a:ln>
@@ -11824,105 +11825,10 @@
                           <a:cs typeface="Calibri" panose="020F0502020204030204" pitchFamily="34" charset="0"/>
                           <a:sym typeface="Helvetica Neue Light"/>
                         </a:rPr>
-                        <a:t>Explain usage of following </a:t>
+                        <a:t>Dataset 4) </a:t>
                       </a:r>
                       <a:r>
-                        <a:rPr lang="en-US" sz="3500" b="0" i="0" u="none" strike="noStrike" cap="none" spc="0" baseline="0" dirty="0" err="1">
-                          <a:ln>
-                            <a:noFill/>
-                          </a:ln>
-                          <a:solidFill>
-                            <a:schemeClr val="dk1"/>
-                          </a:solidFill>
-                          <a:uFillTx/>
-                          <a:latin typeface="Calibri" panose="020F0502020204030204" pitchFamily="34" charset="0"/>
-                          <a:ea typeface="+mn-ea"/>
-                          <a:cs typeface="Calibri" panose="020F0502020204030204" pitchFamily="34" charset="0"/>
-                          <a:sym typeface="Helvetica Neue Light"/>
-                        </a:rPr>
-                        <a:t>ADO.Net</a:t>
-                      </a:r>
-                      <a:r>
-                        <a:rPr lang="en-US" sz="3500" b="0" i="0" u="none" strike="noStrike" cap="none" spc="0" baseline="0" dirty="0">
-                          <a:ln>
-                            <a:noFill/>
-                          </a:ln>
-                          <a:solidFill>
-                            <a:schemeClr val="dk1"/>
-                          </a:solidFill>
-                          <a:uFillTx/>
-                          <a:latin typeface="Calibri" panose="020F0502020204030204" pitchFamily="34" charset="0"/>
-                          <a:ea typeface="+mn-ea"/>
-                          <a:cs typeface="Calibri" panose="020F0502020204030204" pitchFamily="34" charset="0"/>
-                          <a:sym typeface="Helvetica Neue Light"/>
-                        </a:rPr>
-                        <a:t> objects with their methods. </a:t>
-                      </a:r>
-                      <a:br>
-                        <a:rPr lang="en-US" sz="3500" b="0" i="0" u="none" strike="noStrike" cap="none" spc="0" baseline="0" dirty="0">
-                          <a:ln>
-                            <a:noFill/>
-                          </a:ln>
-                          <a:solidFill>
-                            <a:schemeClr val="dk1"/>
-                          </a:solidFill>
-                          <a:uFillTx/>
-                          <a:latin typeface="Calibri" panose="020F0502020204030204" pitchFamily="34" charset="0"/>
-                          <a:ea typeface="+mn-ea"/>
-                          <a:cs typeface="Calibri" panose="020F0502020204030204" pitchFamily="34" charset="0"/>
-                          <a:sym typeface="Helvetica Neue Light"/>
-                        </a:rPr>
-                      </a:br>
-                      <a:r>
-                        <a:rPr lang="en-US" sz="3500" b="0" i="0" u="none" strike="noStrike" cap="none" spc="0" baseline="0" dirty="0">
-                          <a:ln>
-                            <a:noFill/>
-                          </a:ln>
-                          <a:solidFill>
-                            <a:schemeClr val="dk1"/>
-                          </a:solidFill>
-                          <a:uFillTx/>
-                          <a:latin typeface="Calibri" panose="020F0502020204030204" pitchFamily="34" charset="0"/>
-                          <a:ea typeface="+mn-ea"/>
-                          <a:cs typeface="Calibri" panose="020F0502020204030204" pitchFamily="34" charset="0"/>
-                          <a:sym typeface="Helvetica Neue Light"/>
-                        </a:rPr>
-                        <a:t>1) </a:t>
-                      </a:r>
-                      <a:r>
-                        <a:rPr lang="en-US" sz="3500" b="0" i="0" u="none" strike="noStrike" cap="none" spc="0" baseline="0" dirty="0" err="1">
-                          <a:ln>
-                            <a:noFill/>
-                          </a:ln>
-                          <a:solidFill>
-                            <a:schemeClr val="dk1"/>
-                          </a:solidFill>
-                          <a:uFillTx/>
-                          <a:latin typeface="Calibri" panose="020F0502020204030204" pitchFamily="34" charset="0"/>
-                          <a:ea typeface="+mn-ea"/>
-                          <a:cs typeface="Calibri" panose="020F0502020204030204" pitchFamily="34" charset="0"/>
-                          <a:sym typeface="Helvetica Neue Light"/>
-                        </a:rPr>
-                        <a:t>SqlDataAdapter</a:t>
-                      </a:r>
-                      <a:r>
-                        <a:rPr lang="en-US" sz="3500" b="0" i="0" u="none" strike="noStrike" cap="none" spc="0" baseline="0" dirty="0">
-                          <a:ln>
-                            <a:noFill/>
-                          </a:ln>
-                          <a:solidFill>
-                            <a:schemeClr val="dk1"/>
-                          </a:solidFill>
-                          <a:uFillTx/>
-                          <a:latin typeface="Calibri" panose="020F0502020204030204" pitchFamily="34" charset="0"/>
-                          <a:ea typeface="+mn-ea"/>
-                          <a:cs typeface="Calibri" panose="020F0502020204030204" pitchFamily="34" charset="0"/>
-                          <a:sym typeface="Helvetica Neue Light"/>
-                        </a:rPr>
-                        <a:t> 2) </a:t>
-                      </a:r>
-                      <a:r>
-                        <a:rPr lang="en-US" sz="3500" b="0" i="0" u="none" strike="noStrike" cap="none" spc="0" baseline="0" dirty="0" err="1">
+                        <a:rPr lang="en-US" sz="4000" b="0" i="0" u="none" strike="noStrike" cap="none" spc="0" baseline="0" dirty="0" err="1" smtClean="0">
                           <a:ln>
                             <a:noFill/>
                           </a:ln>
@@ -11937,8 +11843,31 @@
                         </a:rPr>
                         <a:t>SqlCommand</a:t>
                       </a:r>
+                      <a:endParaRPr lang="en-US" sz="4000" b="0" i="0" u="none" strike="noStrike" cap="none" spc="0" baseline="0" dirty="0">
+                        <a:ln>
+                          <a:noFill/>
+                        </a:ln>
+                        <a:solidFill>
+                          <a:schemeClr val="dk1"/>
+                        </a:solidFill>
+                        <a:uFillTx/>
+                        <a:latin typeface="Calibri" panose="020F0502020204030204" pitchFamily="34" charset="0"/>
+                        <a:ea typeface="+mn-ea"/>
+                        <a:cs typeface="Calibri" panose="020F0502020204030204" pitchFamily="34" charset="0"/>
+                        <a:sym typeface="Helvetica Neue Light"/>
+                      </a:endParaRPr>
+                    </a:p>
+                  </a:txBody>
+                  <a:tcPr marL="9525" marR="9525" marT="9525" marB="0" anchor="ctr"/>
+                </a:tc>
+                <a:tc>
+                  <a:txBody>
+                    <a:bodyPr/>
+                    <a:lstStyle/>
+                    <a:p>
+                      <a:pPr algn="ctr" fontAlgn="t"/>
                       <a:r>
-                        <a:rPr lang="en-US" sz="3500" b="0" i="0" u="none" strike="noStrike" cap="none" spc="0" baseline="0" dirty="0">
+                        <a:rPr lang="en-US" sz="4000" b="0" i="0" u="none" strike="noStrike" cap="none" spc="0" baseline="0" dirty="0" smtClean="0">
                           <a:ln>
                             <a:noFill/>
                           </a:ln>
@@ -11951,34 +11880,20 @@
                           <a:cs typeface="Calibri" panose="020F0502020204030204" pitchFamily="34" charset="0"/>
                           <a:sym typeface="Helvetica Neue Light"/>
                         </a:rPr>
-                        <a:t> object 3) Dataset</a:t>
-                      </a:r>
-                    </a:p>
-                  </a:txBody>
-                  <a:tcPr marL="9525" marR="9525" marT="9525" marB="0" anchor="ctr"/>
-                </a:tc>
-                <a:tc>
-                  <a:txBody>
-                    <a:bodyPr/>
-                    <a:lstStyle/>
-                    <a:p>
-                      <a:pPr algn="ctr" fontAlgn="t"/>
-                      <a:r>
-                        <a:rPr lang="en-US" sz="4000" b="0" i="0" u="none" strike="noStrike" dirty="0" smtClean="0">
-                          <a:solidFill>
-                            <a:srgbClr val="000000"/>
-                          </a:solidFill>
-                          <a:effectLst/>
-                          <a:latin typeface="Calibri" panose="020F0502020204030204" pitchFamily="34" charset="0"/>
-                        </a:rPr>
                         <a:t>7</a:t>
                       </a:r>
-                      <a:endParaRPr lang="en-US" sz="4000" b="0" i="0" u="none" strike="noStrike" dirty="0">
+                      <a:endParaRPr lang="en-US" sz="4000" b="0" i="0" u="none" strike="noStrike" cap="none" spc="0" baseline="0" dirty="0">
+                        <a:ln>
+                          <a:noFill/>
+                        </a:ln>
                         <a:solidFill>
-                          <a:srgbClr val="000000"/>
+                          <a:schemeClr val="dk1"/>
                         </a:solidFill>
-                        <a:effectLst/>
+                        <a:uFillTx/>
                         <a:latin typeface="Calibri" panose="020F0502020204030204" pitchFamily="34" charset="0"/>
+                        <a:ea typeface="+mn-ea"/>
+                        <a:cs typeface="Calibri" panose="020F0502020204030204" pitchFamily="34" charset="0"/>
+                        <a:sym typeface="Helvetica Neue Light"/>
                       </a:endParaRPr>
                     </a:p>
                   </a:txBody>
@@ -11986,11 +11901,11 @@
                 </a:tc>
                 <a:extLst>
                   <a:ext uri="{0D108BD9-81ED-4DB2-BD59-A6C34878D82A}">
-                    <a16:rowId xmlns:a16="http://schemas.microsoft.com/office/drawing/2014/main" val="10005"/>
+                    <a16:rowId xmlns:a16="http://schemas.microsoft.com/office/drawing/2014/main" val="10004"/>
                   </a:ext>
                 </a:extLst>
               </a:tr>
-              <a:tr h="742172">
+              <a:tr h="979244">
                 <a:tc>
                   <a:txBody>
                     <a:bodyPr/>
@@ -12003,18 +11918,32 @@
                         <a:defRPr sz="1800"/>
                       </a:pPr>
                       <a:r>
-                        <a:rPr lang="en-US" sz="4000" dirty="0" smtClean="0">
-                          <a:latin typeface="+mn-lt"/>
+                        <a:rPr lang="en-US" sz="4000" b="0" i="0" u="none" strike="noStrike" cap="none" spc="0" baseline="0" dirty="0" smtClean="0">
+                          <a:ln>
+                            <a:noFill/>
+                          </a:ln>
+                          <a:solidFill>
+                            <a:schemeClr val="dk1"/>
+                          </a:solidFill>
+                          <a:uFillTx/>
+                          <a:latin typeface="Calibri" panose="020F0502020204030204" pitchFamily="34" charset="0"/>
                           <a:ea typeface="+mn-ea"/>
-                          <a:cs typeface="+mn-cs"/>
+                          <a:cs typeface="Calibri" panose="020F0502020204030204" pitchFamily="34" charset="0"/>
                           <a:sym typeface="Times"/>
                         </a:rPr>
-                        <a:t>6</a:t>
+                        <a:t>5</a:t>
                       </a:r>
-                      <a:endParaRPr sz="4000" dirty="0">
-                        <a:latin typeface="Times"/>
-                        <a:ea typeface="Times"/>
-                        <a:cs typeface="Times"/>
+                      <a:endParaRPr sz="4000" b="0" i="0" u="none" strike="noStrike" cap="none" spc="0" baseline="0" dirty="0">
+                        <a:ln>
+                          <a:noFill/>
+                        </a:ln>
+                        <a:solidFill>
+                          <a:schemeClr val="dk1"/>
+                        </a:solidFill>
+                        <a:uFillTx/>
+                        <a:latin typeface="Calibri" panose="020F0502020204030204" pitchFamily="34" charset="0"/>
+                        <a:ea typeface="+mn-ea"/>
+                        <a:cs typeface="Calibri" panose="020F0502020204030204" pitchFamily="34" charset="0"/>
                         <a:sym typeface="Times"/>
                       </a:endParaRPr>
                     </a:p>
@@ -12028,7 +11957,7 @@
                     <a:p>
                       <a:pPr algn="l" fontAlgn="b"/>
                       <a:r>
-                        <a:rPr lang="en-US" sz="3500" b="0" i="0" u="none" strike="noStrike" cap="none" spc="0" baseline="0" dirty="0">
+                        <a:rPr lang="en-US" sz="4000" b="0" i="0" u="none" strike="noStrike" cap="none" spc="0" baseline="0" dirty="0">
                           <a:ln>
                             <a:noFill/>
                           </a:ln>
@@ -12054,21 +11983,33 @@
                     <a:p>
                       <a:pPr algn="ctr" fontAlgn="t"/>
                       <a:r>
-                        <a:rPr lang="en-US" sz="4000" b="0" i="0" u="none" strike="noStrike" dirty="0" smtClean="0">
+                        <a:rPr lang="en-US" sz="4000" b="0" i="0" u="none" strike="noStrike" cap="none" spc="0" baseline="0" dirty="0" smtClean="0">
+                          <a:ln>
+                            <a:noFill/>
+                          </a:ln>
                           <a:solidFill>
-                            <a:srgbClr val="000000"/>
+                            <a:schemeClr val="dk1"/>
                           </a:solidFill>
-                          <a:effectLst/>
+                          <a:uFillTx/>
                           <a:latin typeface="Calibri" panose="020F0502020204030204" pitchFamily="34" charset="0"/>
+                          <a:ea typeface="+mn-ea"/>
+                          <a:cs typeface="Calibri" panose="020F0502020204030204" pitchFamily="34" charset="0"/>
+                          <a:sym typeface="Helvetica Neue Light"/>
                         </a:rPr>
                         <a:t>4</a:t>
                       </a:r>
-                      <a:endParaRPr lang="en-US" sz="4000" b="0" i="0" u="none" strike="noStrike" dirty="0">
+                      <a:endParaRPr lang="en-US" sz="4000" b="0" i="0" u="none" strike="noStrike" cap="none" spc="0" baseline="0" dirty="0">
+                        <a:ln>
+                          <a:noFill/>
+                        </a:ln>
                         <a:solidFill>
-                          <a:srgbClr val="000000"/>
+                          <a:schemeClr val="dk1"/>
                         </a:solidFill>
-                        <a:effectLst/>
+                        <a:uFillTx/>
                         <a:latin typeface="Calibri" panose="020F0502020204030204" pitchFamily="34" charset="0"/>
+                        <a:ea typeface="+mn-ea"/>
+                        <a:cs typeface="Calibri" panose="020F0502020204030204" pitchFamily="34" charset="0"/>
+                        <a:sym typeface="Helvetica Neue Light"/>
                       </a:endParaRPr>
                     </a:p>
                   </a:txBody>
@@ -12080,7 +12021,7 @@
                   </a:ext>
                 </a:extLst>
               </a:tr>
-              <a:tr h="742172">
+              <a:tr h="979244">
                 <a:tc>
                   <a:txBody>
                     <a:bodyPr/>
@@ -12093,18 +12034,32 @@
                         <a:defRPr sz="1800"/>
                       </a:pPr>
                       <a:r>
-                        <a:rPr lang="en-US" sz="4000" dirty="0" smtClean="0">
-                          <a:latin typeface="Times"/>
-                          <a:ea typeface="Times"/>
-                          <a:cs typeface="Times"/>
+                        <a:rPr lang="en-US" sz="4000" b="0" i="0" u="none" strike="noStrike" cap="none" spc="0" baseline="0" dirty="0" smtClean="0">
+                          <a:ln>
+                            <a:noFill/>
+                          </a:ln>
+                          <a:solidFill>
+                            <a:schemeClr val="dk1"/>
+                          </a:solidFill>
+                          <a:uFillTx/>
+                          <a:latin typeface="Calibri" panose="020F0502020204030204" pitchFamily="34" charset="0"/>
+                          <a:ea typeface="+mn-ea"/>
+                          <a:cs typeface="Calibri" panose="020F0502020204030204" pitchFamily="34" charset="0"/>
                           <a:sym typeface="Times"/>
                         </a:rPr>
-                        <a:t>7</a:t>
+                        <a:t>6</a:t>
                       </a:r>
-                      <a:endParaRPr sz="4000" dirty="0">
-                        <a:latin typeface="Times"/>
-                        <a:ea typeface="Times"/>
-                        <a:cs typeface="Times"/>
+                      <a:endParaRPr sz="4000" b="0" i="0" u="none" strike="noStrike" cap="none" spc="0" baseline="0" dirty="0">
+                        <a:ln>
+                          <a:noFill/>
+                        </a:ln>
+                        <a:solidFill>
+                          <a:schemeClr val="dk1"/>
+                        </a:solidFill>
+                        <a:uFillTx/>
+                        <a:latin typeface="Calibri" panose="020F0502020204030204" pitchFamily="34" charset="0"/>
+                        <a:ea typeface="+mn-ea"/>
+                        <a:cs typeface="Calibri" panose="020F0502020204030204" pitchFamily="34" charset="0"/>
                         <a:sym typeface="Times"/>
                       </a:endParaRPr>
                     </a:p>
@@ -12118,97 +12073,7 @@
                     <a:p>
                       <a:pPr algn="l" fontAlgn="b"/>
                       <a:r>
-                        <a:rPr lang="en-US" sz="3500" b="0" i="0" u="none" strike="noStrike" cap="none" spc="0" baseline="0" dirty="0">
-                          <a:ln>
-                            <a:noFill/>
-                          </a:ln>
-                          <a:solidFill>
-                            <a:schemeClr val="dk1"/>
-                          </a:solidFill>
-                          <a:uFillTx/>
-                          <a:latin typeface="Calibri" panose="020F0502020204030204" pitchFamily="34" charset="0"/>
-                          <a:ea typeface="+mn-ea"/>
-                          <a:cs typeface="Calibri" panose="020F0502020204030204" pitchFamily="34" charset="0"/>
-                          <a:sym typeface="Helvetica Neue Light"/>
-                        </a:rPr>
-                        <a:t>Explain the significance of SQL Connection and SQL Command in database connectivity</a:t>
-                      </a:r>
-                    </a:p>
-                  </a:txBody>
-                  <a:tcPr marL="9525" marR="9525" marT="9525" marB="0" anchor="ctr"/>
-                </a:tc>
-                <a:tc>
-                  <a:txBody>
-                    <a:bodyPr/>
-                    <a:lstStyle/>
-                    <a:p>
-                      <a:pPr algn="ctr" fontAlgn="t"/>
-                      <a:r>
-                        <a:rPr lang="en-US" sz="4000" b="0" i="0" u="none" strike="noStrike" dirty="0" smtClean="0">
-                          <a:solidFill>
-                            <a:srgbClr val="000000"/>
-                          </a:solidFill>
-                          <a:effectLst/>
-                          <a:latin typeface="Calibri" panose="020F0502020204030204" pitchFamily="34" charset="0"/>
-                        </a:rPr>
-                        <a:t>4</a:t>
-                      </a:r>
-                      <a:endParaRPr lang="en-US" sz="4000" b="0" i="0" u="none" strike="noStrike" dirty="0">
-                        <a:solidFill>
-                          <a:srgbClr val="000000"/>
-                        </a:solidFill>
-                        <a:effectLst/>
-                        <a:latin typeface="Calibri" panose="020F0502020204030204" pitchFamily="34" charset="0"/>
-                      </a:endParaRPr>
-                    </a:p>
-                  </a:txBody>
-                  <a:tcPr marL="9525" marR="9525" marT="9525" marB="0"/>
-                </a:tc>
-                <a:extLst>
-                  <a:ext uri="{0D108BD9-81ED-4DB2-BD59-A6C34878D82A}">
-                    <a16:rowId xmlns:a16="http://schemas.microsoft.com/office/drawing/2014/main" val="2540588592"/>
-                  </a:ext>
-                </a:extLst>
-              </a:tr>
-              <a:tr h="742172">
-                <a:tc>
-                  <a:txBody>
-                    <a:bodyPr/>
-                    <a:lstStyle/>
-                    <a:p>
-                      <a:pPr defTabSz="457200">
-                        <a:lnSpc>
-                          <a:spcPts val="6700"/>
-                        </a:lnSpc>
-                        <a:defRPr sz="1800"/>
-                      </a:pPr>
-                      <a:r>
-                        <a:rPr lang="en-US" sz="4000" dirty="0" smtClean="0">
-                          <a:latin typeface="Times"/>
-                          <a:ea typeface="Times"/>
-                          <a:cs typeface="Times"/>
-                          <a:sym typeface="Times"/>
-                        </a:rPr>
-                        <a:t>8</a:t>
-                      </a:r>
-                      <a:endParaRPr sz="4000" dirty="0">
-                        <a:latin typeface="Times"/>
-                        <a:ea typeface="Times"/>
-                        <a:cs typeface="Times"/>
-                        <a:sym typeface="Times"/>
-                      </a:endParaRPr>
-                    </a:p>
-                  </a:txBody>
-                  <a:tcPr marL="8128" marR="8128" marT="8128" marB="0" anchor="ctr" horzOverflow="overflow"/>
-                </a:tc>
-                <a:tc>
-                  <a:txBody>
-                    <a:bodyPr/>
-                    <a:lstStyle/>
-                    <a:p>
-                      <a:pPr algn="l" fontAlgn="b"/>
-                      <a:r>
-                        <a:rPr lang="en-US" sz="3500" b="0" i="0" u="none" strike="noStrike" cap="none" spc="0" baseline="0" dirty="0">
+                        <a:rPr lang="en-US" sz="4000" b="0" i="0" u="none" strike="noStrike" cap="none" spc="0" baseline="0" dirty="0">
                           <a:ln>
                             <a:noFill/>
                           </a:ln>
@@ -12234,21 +12099,33 @@
                     <a:p>
                       <a:pPr algn="ctr" fontAlgn="t"/>
                       <a:r>
-                        <a:rPr lang="en-US" sz="4000" b="0" i="0" u="none" strike="noStrike" dirty="0" smtClean="0">
+                        <a:rPr lang="en-US" sz="4000" b="0" i="0" u="none" strike="noStrike" cap="none" spc="0" baseline="0" dirty="0" smtClean="0">
+                          <a:ln>
+                            <a:noFill/>
+                          </a:ln>
                           <a:solidFill>
-                            <a:srgbClr val="000000"/>
+                            <a:schemeClr val="dk1"/>
                           </a:solidFill>
-                          <a:effectLst/>
+                          <a:uFillTx/>
                           <a:latin typeface="Calibri" panose="020F0502020204030204" pitchFamily="34" charset="0"/>
+                          <a:ea typeface="+mn-ea"/>
+                          <a:cs typeface="Calibri" panose="020F0502020204030204" pitchFamily="34" charset="0"/>
+                          <a:sym typeface="Helvetica Neue Light"/>
                         </a:rPr>
                         <a:t>7</a:t>
                       </a:r>
-                      <a:endParaRPr lang="en-US" sz="4000" b="0" i="0" u="none" strike="noStrike" dirty="0">
+                      <a:endParaRPr lang="en-US" sz="4000" b="0" i="0" u="none" strike="noStrike" cap="none" spc="0" baseline="0" dirty="0">
+                        <a:ln>
+                          <a:noFill/>
+                        </a:ln>
                         <a:solidFill>
-                          <a:srgbClr val="000000"/>
+                          <a:schemeClr val="dk1"/>
                         </a:solidFill>
-                        <a:effectLst/>
+                        <a:uFillTx/>
                         <a:latin typeface="Calibri" panose="020F0502020204030204" pitchFamily="34" charset="0"/>
+                        <a:ea typeface="+mn-ea"/>
+                        <a:cs typeface="Calibri" panose="020F0502020204030204" pitchFamily="34" charset="0"/>
+                        <a:sym typeface="Helvetica Neue Light"/>
                       </a:endParaRPr>
                     </a:p>
                   </a:txBody>
@@ -12260,7 +12137,7 @@
                   </a:ext>
                 </a:extLst>
               </a:tr>
-              <a:tr h="3111945">
+              <a:tr h="4116150">
                 <a:tc>
                   <a:txBody>
                     <a:bodyPr/>
@@ -12273,18 +12150,32 @@
                         <a:defRPr sz="1800"/>
                       </a:pPr>
                       <a:r>
-                        <a:rPr lang="en-US" sz="4000" dirty="0" smtClean="0">
-                          <a:latin typeface="Times"/>
-                          <a:ea typeface="Times"/>
-                          <a:cs typeface="Times"/>
+                        <a:rPr lang="en-US" sz="4000" b="0" i="0" u="none" strike="noStrike" cap="none" spc="0" baseline="0" dirty="0" smtClean="0">
+                          <a:ln>
+                            <a:noFill/>
+                          </a:ln>
+                          <a:solidFill>
+                            <a:schemeClr val="dk1"/>
+                          </a:solidFill>
+                          <a:uFillTx/>
+                          <a:latin typeface="Calibri" panose="020F0502020204030204" pitchFamily="34" charset="0"/>
+                          <a:ea typeface="+mn-ea"/>
+                          <a:cs typeface="Calibri" panose="020F0502020204030204" pitchFamily="34" charset="0"/>
                           <a:sym typeface="Times"/>
                         </a:rPr>
-                        <a:t>9</a:t>
+                        <a:t>7</a:t>
                       </a:r>
-                      <a:endParaRPr sz="4000" dirty="0">
-                        <a:latin typeface="Times"/>
-                        <a:ea typeface="Times"/>
-                        <a:cs typeface="Times"/>
+                      <a:endParaRPr sz="4000" b="0" i="0" u="none" strike="noStrike" cap="none" spc="0" baseline="0" dirty="0">
+                        <a:ln>
+                          <a:noFill/>
+                        </a:ln>
+                        <a:solidFill>
+                          <a:schemeClr val="dk1"/>
+                        </a:solidFill>
+                        <a:uFillTx/>
+                        <a:latin typeface="Calibri" panose="020F0502020204030204" pitchFamily="34" charset="0"/>
+                        <a:ea typeface="+mn-ea"/>
+                        <a:cs typeface="Calibri" panose="020F0502020204030204" pitchFamily="34" charset="0"/>
                         <a:sym typeface="Times"/>
                       </a:endParaRPr>
                     </a:p>
@@ -12298,7 +12189,7 @@
                     <a:p>
                       <a:pPr algn="l" fontAlgn="t"/>
                       <a:r>
-                        <a:rPr lang="en-US" sz="3500" b="0" i="0" u="none" strike="noStrike" cap="none" spc="0" baseline="0" dirty="0">
+                        <a:rPr lang="en-US" sz="4000" b="0" i="0" u="none" strike="noStrike" cap="none" spc="0" baseline="0" dirty="0">
                           <a:ln>
                             <a:noFill/>
                           </a:ln>
@@ -12314,7 +12205,7 @@
                         <a:t>Write a ADO.NET program in code behind language VB or C# which shows records from </a:t>
                       </a:r>
                       <a:r>
-                        <a:rPr lang="en-US" sz="3500" b="0" i="0" u="none" strike="noStrike" cap="none" spc="0" baseline="0" dirty="0" err="1">
+                        <a:rPr lang="en-US" sz="4000" b="0" i="0" u="none" strike="noStrike" cap="none" spc="0" baseline="0" dirty="0" err="1">
                           <a:ln>
                             <a:noFill/>
                           </a:ln>
@@ -12330,7 +12221,7 @@
                         <a:t>student_details</a:t>
                       </a:r>
                       <a:r>
-                        <a:rPr lang="en-US" sz="3500" b="0" i="0" u="none" strike="noStrike" cap="none" spc="0" baseline="0" dirty="0">
+                        <a:rPr lang="en-US" sz="4000" b="0" i="0" u="none" strike="noStrike" cap="none" spc="0" baseline="0" dirty="0">
                           <a:ln>
                             <a:noFill/>
                           </a:ln>
@@ -12346,7 +12237,7 @@
                         <a:t>(</a:t>
                       </a:r>
                       <a:r>
-                        <a:rPr lang="en-US" sz="3500" b="0" i="0" u="none" strike="noStrike" cap="none" spc="0" baseline="0" dirty="0" err="1">
+                        <a:rPr lang="en-US" sz="4000" b="0" i="0" u="none" strike="noStrike" cap="none" spc="0" baseline="0" dirty="0" err="1">
                           <a:ln>
                             <a:noFill/>
                           </a:ln>
@@ -12362,7 +12253,7 @@
                         <a:t>S_No,S_Name,S_Address</a:t>
                       </a:r>
                       <a:r>
-                        <a:rPr lang="en-US" sz="3500" b="0" i="0" u="none" strike="noStrike" cap="none" spc="0" baseline="0" dirty="0">
+                        <a:rPr lang="en-US" sz="4000" b="0" i="0" u="none" strike="noStrike" cap="none" spc="0" baseline="0" dirty="0">
                           <a:ln>
                             <a:noFill/>
                           </a:ln>
@@ -12378,7 +12269,7 @@
                         <a:t>) on console application</a:t>
                       </a:r>
                       <a:r>
-                        <a:rPr lang="en-US" sz="3500" b="0" i="0" u="none" strike="noStrike" cap="none" spc="0" baseline="0" dirty="0" smtClean="0">
+                        <a:rPr lang="en-US" sz="4000" b="0" i="0" u="none" strike="noStrike" cap="none" spc="0" baseline="0" dirty="0" smtClean="0">
                           <a:ln>
                             <a:noFill/>
                           </a:ln>
@@ -12394,7 +12285,7 @@
                         <a:t>.</a:t>
                       </a:r>
                       <a:r>
-                        <a:rPr lang="en-US" sz="3500" b="0" i="0" u="none" strike="noStrike" cap="none" spc="0" baseline="0" dirty="0">
+                        <a:rPr lang="en-US" sz="4000" b="0" i="0" u="none" strike="noStrike" cap="none" spc="0" baseline="0" dirty="0">
                           <a:ln>
                             <a:noFill/>
                           </a:ln>
@@ -12410,7 +12301,7 @@
                         <a:t/>
                       </a:r>
                       <a:br>
-                        <a:rPr lang="en-US" sz="3500" b="0" i="0" u="none" strike="noStrike" cap="none" spc="0" baseline="0" dirty="0">
+                        <a:rPr lang="en-US" sz="4000" b="0" i="0" u="none" strike="noStrike" cap="none" spc="0" baseline="0" dirty="0">
                           <a:ln>
                             <a:noFill/>
                           </a:ln>
@@ -12425,7 +12316,7 @@
                         </a:rPr>
                       </a:br>
                       <a:r>
-                        <a:rPr lang="en-US" sz="3500" b="1" i="0" u="none" strike="noStrike" cap="none" spc="0" baseline="0" dirty="0">
+                        <a:rPr lang="en-US" sz="4000" b="0" i="0" u="none" strike="noStrike" cap="none" spc="0" baseline="0" dirty="0">
                           <a:ln>
                             <a:noFill/>
                           </a:ln>
@@ -12441,7 +12332,7 @@
                         <a:t>S_NO  </a:t>
                       </a:r>
                       <a:r>
-                        <a:rPr lang="en-US" sz="3500" b="1" i="0" u="none" strike="noStrike" cap="none" spc="0" baseline="0" dirty="0" err="1">
+                        <a:rPr lang="en-US" sz="4000" b="0" i="0" u="none" strike="noStrike" cap="none" spc="0" baseline="0" dirty="0" err="1">
                           <a:ln>
                             <a:noFill/>
                           </a:ln>
@@ -12457,7 +12348,7 @@
                         <a:t>S_Name</a:t>
                       </a:r>
                       <a:r>
-                        <a:rPr lang="en-US" sz="3500" b="1" i="0" u="none" strike="noStrike" cap="none" spc="0" baseline="0" dirty="0">
+                        <a:rPr lang="en-US" sz="4000" b="0" i="0" u="none" strike="noStrike" cap="none" spc="0" baseline="0" dirty="0">
                           <a:ln>
                             <a:noFill/>
                           </a:ln>
@@ -12473,7 +12364,7 @@
                         <a:t>    </a:t>
                       </a:r>
                       <a:r>
-                        <a:rPr lang="en-US" sz="3500" b="1" i="0" u="none" strike="noStrike" cap="none" spc="0" baseline="0" dirty="0" err="1">
+                        <a:rPr lang="en-US" sz="4000" b="0" i="0" u="none" strike="noStrike" cap="none" spc="0" baseline="0" dirty="0" err="1">
                           <a:ln>
                             <a:noFill/>
                           </a:ln>
@@ -12489,7 +12380,7 @@
                         <a:t>s_Address</a:t>
                       </a:r>
                       <a:r>
-                        <a:rPr lang="en-US" sz="3500" b="0" i="0" u="none" strike="noStrike" cap="none" spc="0" baseline="0" dirty="0">
+                        <a:rPr lang="en-US" sz="4000" b="0" i="0" u="none" strike="noStrike" cap="none" spc="0" baseline="0" dirty="0">
                           <a:ln>
                             <a:noFill/>
                           </a:ln>
@@ -12505,7 +12396,7 @@
                         <a:t/>
                       </a:r>
                       <a:br>
-                        <a:rPr lang="en-US" sz="3500" b="0" i="0" u="none" strike="noStrike" cap="none" spc="0" baseline="0" dirty="0">
+                        <a:rPr lang="en-US" sz="4000" b="0" i="0" u="none" strike="noStrike" cap="none" spc="0" baseline="0" dirty="0">
                           <a:ln>
                             <a:noFill/>
                           </a:ln>
@@ -12520,7 +12411,7 @@
                         </a:rPr>
                       </a:br>
                       <a:r>
-                        <a:rPr lang="en-US" sz="3500" b="0" i="0" u="none" strike="noStrike" cap="none" spc="0" baseline="0" dirty="0">
+                        <a:rPr lang="en-US" sz="4000" b="0" i="0" u="none" strike="noStrike" cap="none" spc="0" baseline="0" dirty="0">
                           <a:ln>
                             <a:noFill/>
                           </a:ln>
@@ -12536,7 +12427,7 @@
                         <a:t>1           </a:t>
                       </a:r>
                       <a:r>
-                        <a:rPr lang="en-US" sz="3500" b="0" i="0" u="none" strike="noStrike" cap="none" spc="0" baseline="0" dirty="0" err="1">
+                        <a:rPr lang="en-US" sz="4000" b="0" i="0" u="none" strike="noStrike" cap="none" spc="0" baseline="0" dirty="0" err="1">
                           <a:ln>
                             <a:noFill/>
                           </a:ln>
@@ -12552,7 +12443,7 @@
                         <a:t>Aryaveer</a:t>
                       </a:r>
                       <a:r>
-                        <a:rPr lang="en-US" sz="3500" b="0" i="0" u="none" strike="noStrike" cap="none" spc="0" baseline="0" dirty="0">
+                        <a:rPr lang="en-US" sz="4000" b="0" i="0" u="none" strike="noStrike" cap="none" spc="0" baseline="0" dirty="0">
                           <a:ln>
                             <a:noFill/>
                           </a:ln>
@@ -12568,7 +12459,7 @@
                         <a:t>  Ahmedabad</a:t>
                       </a:r>
                       <a:br>
-                        <a:rPr lang="en-US" sz="3500" b="0" i="0" u="none" strike="noStrike" cap="none" spc="0" baseline="0" dirty="0">
+                        <a:rPr lang="en-US" sz="4000" b="0" i="0" u="none" strike="noStrike" cap="none" spc="0" baseline="0" dirty="0">
                           <a:ln>
                             <a:noFill/>
                           </a:ln>
@@ -12583,7 +12474,7 @@
                         </a:rPr>
                       </a:br>
                       <a:r>
-                        <a:rPr lang="en-US" sz="3500" b="0" i="0" u="none" strike="noStrike" cap="none" spc="0" baseline="0" dirty="0">
+                        <a:rPr lang="en-US" sz="4000" b="0" i="0" u="none" strike="noStrike" cap="none" spc="0" baseline="0" dirty="0">
                           <a:ln>
                             <a:noFill/>
                           </a:ln>
@@ -12599,7 +12490,7 @@
                         <a:t>2           </a:t>
                       </a:r>
                       <a:r>
-                        <a:rPr lang="en-US" sz="3500" b="0" i="0" u="none" strike="noStrike" cap="none" spc="0" baseline="0" dirty="0" err="1">
+                        <a:rPr lang="en-US" sz="4000" b="0" i="0" u="none" strike="noStrike" cap="none" spc="0" baseline="0" dirty="0" err="1">
                           <a:ln>
                             <a:noFill/>
                           </a:ln>
@@ -12615,7 +12506,7 @@
                         <a:t>Jeetraj</a:t>
                       </a:r>
                       <a:r>
-                        <a:rPr lang="en-US" sz="3500" b="0" i="0" u="none" strike="noStrike" cap="none" spc="0" baseline="0" dirty="0">
+                        <a:rPr lang="en-US" sz="4000" b="0" i="0" u="none" strike="noStrike" cap="none" spc="0" baseline="0" dirty="0">
                           <a:ln>
                             <a:noFill/>
                           </a:ln>
@@ -12631,7 +12522,7 @@
                         <a:t>       Baroda</a:t>
                       </a:r>
                       <a:br>
-                        <a:rPr lang="en-US" sz="3500" b="0" i="0" u="none" strike="noStrike" cap="none" spc="0" baseline="0" dirty="0">
+                        <a:rPr lang="en-US" sz="4000" b="0" i="0" u="none" strike="noStrike" cap="none" spc="0" baseline="0" dirty="0">
                           <a:ln>
                             <a:noFill/>
                           </a:ln>
@@ -12646,7 +12537,7 @@
                         </a:rPr>
                       </a:br>
                       <a:r>
-                        <a:rPr lang="en-US" sz="3500" b="0" i="0" u="none" strike="noStrike" cap="none" spc="0" baseline="0" dirty="0">
+                        <a:rPr lang="en-US" sz="4000" b="0" i="0" u="none" strike="noStrike" cap="none" spc="0" baseline="0" dirty="0">
                           <a:ln>
                             <a:noFill/>
                           </a:ln>
@@ -12662,7 +12553,7 @@
                         <a:t>3           </a:t>
                       </a:r>
                       <a:r>
-                        <a:rPr lang="en-US" sz="3500" b="0" i="0" u="none" strike="noStrike" cap="none" spc="0" baseline="0" dirty="0" err="1">
+                        <a:rPr lang="en-US" sz="4000" b="0" i="0" u="none" strike="noStrike" cap="none" spc="0" baseline="0" dirty="0" err="1">
                           <a:ln>
                             <a:noFill/>
                           </a:ln>
@@ -12678,7 +12569,7 @@
                         <a:t>Dhruvin</a:t>
                       </a:r>
                       <a:r>
-                        <a:rPr lang="en-US" sz="3500" b="0" i="0" u="none" strike="noStrike" cap="none" spc="0" baseline="0" dirty="0">
+                        <a:rPr lang="en-US" sz="4000" b="0" i="0" u="none" strike="noStrike" cap="none" spc="0" baseline="0" dirty="0">
                           <a:ln>
                             <a:noFill/>
                           </a:ln>
@@ -12704,21 +12595,33 @@
                     <a:p>
                       <a:pPr algn="ctr" fontAlgn="t"/>
                       <a:r>
-                        <a:rPr lang="en-US" sz="4000" b="0" i="0" u="none" strike="noStrike" dirty="0" smtClean="0">
+                        <a:rPr lang="en-US" sz="4000" b="0" i="0" u="none" strike="noStrike" cap="none" spc="0" baseline="0" dirty="0" smtClean="0">
+                          <a:ln>
+                            <a:noFill/>
+                          </a:ln>
                           <a:solidFill>
-                            <a:srgbClr val="000000"/>
+                            <a:schemeClr val="dk1"/>
                           </a:solidFill>
-                          <a:effectLst/>
+                          <a:uFillTx/>
                           <a:latin typeface="Calibri" panose="020F0502020204030204" pitchFamily="34" charset="0"/>
+                          <a:ea typeface="+mn-ea"/>
+                          <a:cs typeface="Calibri" panose="020F0502020204030204" pitchFamily="34" charset="0"/>
+                          <a:sym typeface="Helvetica Neue Light"/>
                         </a:rPr>
                         <a:t>7</a:t>
                       </a:r>
-                      <a:endParaRPr lang="en-US" sz="4000" b="0" i="0" u="none" strike="noStrike" dirty="0">
+                      <a:endParaRPr lang="en-US" sz="4000" b="0" i="0" u="none" strike="noStrike" cap="none" spc="0" baseline="0" dirty="0">
+                        <a:ln>
+                          <a:noFill/>
+                        </a:ln>
                         <a:solidFill>
-                          <a:srgbClr val="000000"/>
+                          <a:schemeClr val="dk1"/>
                         </a:solidFill>
-                        <a:effectLst/>
+                        <a:uFillTx/>
                         <a:latin typeface="Calibri" panose="020F0502020204030204" pitchFamily="34" charset="0"/>
+                        <a:ea typeface="+mn-ea"/>
+                        <a:cs typeface="Calibri" panose="020F0502020204030204" pitchFamily="34" charset="0"/>
+                        <a:sym typeface="Helvetica Neue Light"/>
                       </a:endParaRPr>
                     </a:p>
                   </a:txBody>
@@ -18465,10 +18368,6 @@
               </a:rPr>
               <a:t> object.</a:t>
             </a:r>
-            <a:endParaRPr lang="en-US" sz="4400" b="0" dirty="0">
-              <a:latin typeface="Calibri" panose="020F0502020204030204" pitchFamily="34" charset="0"/>
-              <a:cs typeface="Calibri" panose="020F0502020204030204" pitchFamily="34" charset="0"/>
-            </a:endParaRPr>
           </a:p>
         </p:txBody>
       </p:sp>
@@ -20496,7 +20395,7 @@
                 <a:cs typeface="Calibri" panose="020F0502020204030204" pitchFamily="34" charset="0"/>
                 <a:sym typeface="Helvetica Neue"/>
               </a:rPr>
-              <a:t>Command Example</a:t>
+              <a:t>Data Reader</a:t>
             </a:r>
             <a:endParaRPr kumimoji="0" lang="en-US" sz="4500" b="1" i="0" u="none" strike="noStrike" cap="none" spc="0" normalizeH="0" baseline="0" dirty="0">
               <a:ln>
@@ -20547,14 +20446,14 @@
       </p:sp>
       <p:sp>
         <p:nvSpPr>
-          <p:cNvPr id="7" name="Rectangle 6"/>
+          <p:cNvPr id="10" name="Rectangle 9"/>
           <p:cNvSpPr/>
           <p:nvPr/>
         </p:nvSpPr>
         <p:spPr>
           <a:xfrm>
-            <a:off x="3510677" y="4301298"/>
-            <a:ext cx="20873323" cy="9510296"/>
+            <a:off x="4231250" y="4886884"/>
+            <a:ext cx="20152750" cy="2123658"/>
           </a:xfrm>
           <a:prstGeom prst="rect">
             <a:avLst/>
@@ -20566,543 +20465,334 @@
           </a:bodyPr>
           <a:lstStyle/>
           <a:p>
-            <a:pPr algn="l"/>
-            <a:r>
-              <a:rPr lang="en-US" sz="3600" b="0" dirty="0" err="1" smtClean="0">
-                <a:latin typeface="Consolas" panose="020B0609020204030204" pitchFamily="49" charset="0"/>
-              </a:rPr>
-              <a:t>SqlConnection</a:t>
-            </a:r>
-            <a:r>
-              <a:rPr lang="en-US" sz="3600" b="0" dirty="0" smtClean="0">
-                <a:latin typeface="Consolas" panose="020B0609020204030204" pitchFamily="49" charset="0"/>
-              </a:rPr>
-              <a:t> </a:t>
-            </a:r>
-            <a:r>
-              <a:rPr lang="en-US" sz="3600" b="0" dirty="0">
-                <a:latin typeface="Consolas" panose="020B0609020204030204" pitchFamily="49" charset="0"/>
-              </a:rPr>
-              <a:t>conn = </a:t>
-            </a:r>
-            <a:r>
-              <a:rPr lang="en-US" sz="3600" b="0" dirty="0">
-                <a:solidFill>
-                  <a:srgbClr val="0000FF"/>
-                </a:solidFill>
-                <a:latin typeface="Consolas" panose="020B0609020204030204" pitchFamily="49" charset="0"/>
-              </a:rPr>
-              <a:t>new</a:t>
-            </a:r>
-            <a:r>
-              <a:rPr lang="en-US" sz="3600" b="0" dirty="0">
-                <a:latin typeface="Consolas" panose="020B0609020204030204" pitchFamily="49" charset="0"/>
-              </a:rPr>
-              <a:t> </a:t>
-            </a:r>
-            <a:r>
-              <a:rPr lang="en-US" sz="3600" b="0" dirty="0" err="1">
-                <a:latin typeface="Consolas" panose="020B0609020204030204" pitchFamily="49" charset="0"/>
-              </a:rPr>
-              <a:t>SqlConnection</a:t>
-            </a:r>
-            <a:r>
-              <a:rPr lang="en-US" sz="3600" b="0" dirty="0">
-                <a:latin typeface="Consolas" panose="020B0609020204030204" pitchFamily="49" charset="0"/>
-              </a:rPr>
-              <a:t>();  </a:t>
-            </a:r>
-          </a:p>
-          <a:p>
-            <a:pPr algn="l"/>
-            <a:r>
-              <a:rPr lang="en-US" sz="3600" b="0" dirty="0" err="1" smtClean="0">
-                <a:latin typeface="Consolas" panose="020B0609020204030204" pitchFamily="49" charset="0"/>
-              </a:rPr>
-              <a:t>conn.ConnectionString</a:t>
-            </a:r>
-            <a:r>
-              <a:rPr lang="en-US" sz="3600" b="0" dirty="0" smtClean="0">
-                <a:latin typeface="Consolas" panose="020B0609020204030204" pitchFamily="49" charset="0"/>
-              </a:rPr>
-              <a:t> </a:t>
-            </a:r>
-            <a:r>
-              <a:rPr lang="en-US" sz="3600" b="0" dirty="0">
-                <a:latin typeface="Consolas" panose="020B0609020204030204" pitchFamily="49" charset="0"/>
-              </a:rPr>
-              <a:t>= </a:t>
-            </a:r>
-            <a:r>
-              <a:rPr lang="en-US" sz="3600" b="0" dirty="0">
-                <a:solidFill>
-                  <a:srgbClr val="A31515"/>
-                </a:solidFill>
-                <a:latin typeface="Consolas" panose="020B0609020204030204" pitchFamily="49" charset="0"/>
-              </a:rPr>
-              <a:t>"Data Source=</a:t>
-            </a:r>
-            <a:r>
-              <a:rPr lang="en-US" sz="3600" b="0" dirty="0" err="1">
-                <a:solidFill>
-                  <a:srgbClr val="A31515"/>
-                </a:solidFill>
-                <a:latin typeface="Consolas" panose="020B0609020204030204" pitchFamily="49" charset="0"/>
-              </a:rPr>
-              <a:t>crp</a:t>
-            </a:r>
-            <a:r>
-              <a:rPr lang="en-US" sz="3600" b="0" dirty="0">
-                <a:solidFill>
-                  <a:srgbClr val="A31515"/>
-                </a:solidFill>
-                <a:latin typeface="Consolas" panose="020B0609020204030204" pitchFamily="49" charset="0"/>
-              </a:rPr>
-              <a:t>-pc\\</a:t>
-            </a:r>
-            <a:r>
-              <a:rPr lang="en-US" sz="3600" b="0" dirty="0" err="1">
-                <a:solidFill>
-                  <a:srgbClr val="A31515"/>
-                </a:solidFill>
-                <a:latin typeface="Consolas" panose="020B0609020204030204" pitchFamily="49" charset="0"/>
-              </a:rPr>
-              <a:t>mydatabase;Initial</a:t>
-            </a:r>
-            <a:r>
-              <a:rPr lang="en-US" sz="3600" b="0" dirty="0">
-                <a:solidFill>
-                  <a:srgbClr val="A31515"/>
-                </a:solidFill>
-                <a:latin typeface="Consolas" panose="020B0609020204030204" pitchFamily="49" charset="0"/>
-              </a:rPr>
-              <a:t> Catalog</a:t>
-            </a:r>
-            <a:r>
-              <a:rPr lang="en-US" sz="3600" b="0" dirty="0" smtClean="0">
-                <a:solidFill>
-                  <a:srgbClr val="A31515"/>
-                </a:solidFill>
-                <a:latin typeface="Consolas" panose="020B0609020204030204" pitchFamily="49" charset="0"/>
-              </a:rPr>
-              <a:t>= temp1; Integrated </a:t>
-            </a:r>
-            <a:r>
-              <a:rPr lang="en-US" sz="3600" b="0" dirty="0">
-                <a:solidFill>
-                  <a:srgbClr val="A31515"/>
-                </a:solidFill>
-                <a:latin typeface="Consolas" panose="020B0609020204030204" pitchFamily="49" charset="0"/>
-              </a:rPr>
-              <a:t>Security=</a:t>
-            </a:r>
-            <a:r>
-              <a:rPr lang="en-US" sz="3600" b="0" dirty="0" err="1">
-                <a:solidFill>
-                  <a:srgbClr val="A31515"/>
-                </a:solidFill>
-                <a:latin typeface="Consolas" panose="020B0609020204030204" pitchFamily="49" charset="0"/>
-              </a:rPr>
-              <a:t>True;Pooling</a:t>
-            </a:r>
-            <a:r>
-              <a:rPr lang="en-US" sz="3600" b="0" dirty="0">
-                <a:solidFill>
-                  <a:srgbClr val="A31515"/>
-                </a:solidFill>
-                <a:latin typeface="Consolas" panose="020B0609020204030204" pitchFamily="49" charset="0"/>
-              </a:rPr>
-              <a:t>=False"</a:t>
-            </a:r>
-            <a:r>
-              <a:rPr lang="en-US" sz="3600" b="0" dirty="0">
-                <a:latin typeface="Consolas" panose="020B0609020204030204" pitchFamily="49" charset="0"/>
-              </a:rPr>
-              <a:t>;</a:t>
-            </a:r>
-          </a:p>
-          <a:p>
-            <a:pPr algn="l"/>
-            <a:r>
-              <a:rPr lang="en-US" sz="3600" b="0" dirty="0" err="1" smtClean="0">
-                <a:latin typeface="Consolas" panose="020B0609020204030204" pitchFamily="49" charset="0"/>
-              </a:rPr>
-              <a:t>conn.Open</a:t>
-            </a:r>
-            <a:r>
-              <a:rPr lang="en-US" sz="3600" b="0" dirty="0">
-                <a:latin typeface="Consolas" panose="020B0609020204030204" pitchFamily="49" charset="0"/>
-              </a:rPr>
-              <a:t>();</a:t>
-            </a:r>
-          </a:p>
-          <a:p>
-            <a:pPr algn="l"/>
-            <a:r>
-              <a:rPr lang="en-US" sz="3600" b="0" dirty="0" err="1" smtClean="0">
-                <a:latin typeface="Consolas" panose="020B0609020204030204" pitchFamily="49" charset="0"/>
-              </a:rPr>
-              <a:t>SqlCommand</a:t>
-            </a:r>
-            <a:r>
-              <a:rPr lang="en-US" sz="3600" b="0" dirty="0" smtClean="0">
-                <a:latin typeface="Consolas" panose="020B0609020204030204" pitchFamily="49" charset="0"/>
-              </a:rPr>
-              <a:t> </a:t>
-            </a:r>
-            <a:r>
-              <a:rPr lang="en-US" sz="3600" b="0" dirty="0" err="1">
-                <a:latin typeface="Consolas" panose="020B0609020204030204" pitchFamily="49" charset="0"/>
-              </a:rPr>
-              <a:t>cmd</a:t>
-            </a:r>
-            <a:r>
-              <a:rPr lang="en-US" sz="3600" b="0" dirty="0">
-                <a:latin typeface="Consolas" panose="020B0609020204030204" pitchFamily="49" charset="0"/>
-              </a:rPr>
-              <a:t> = </a:t>
-            </a:r>
-            <a:r>
-              <a:rPr lang="en-US" sz="3600" b="0" dirty="0">
-                <a:solidFill>
-                  <a:srgbClr val="0000FF"/>
-                </a:solidFill>
-                <a:latin typeface="Consolas" panose="020B0609020204030204" pitchFamily="49" charset="0"/>
-              </a:rPr>
-              <a:t>new</a:t>
-            </a:r>
-            <a:r>
-              <a:rPr lang="en-US" sz="3600" b="0" dirty="0">
-                <a:latin typeface="Consolas" panose="020B0609020204030204" pitchFamily="49" charset="0"/>
-              </a:rPr>
-              <a:t> </a:t>
-            </a:r>
-            <a:r>
-              <a:rPr lang="en-US" sz="3600" b="0" dirty="0" err="1">
-                <a:latin typeface="Consolas" panose="020B0609020204030204" pitchFamily="49" charset="0"/>
-              </a:rPr>
-              <a:t>SqlCommand</a:t>
-            </a:r>
-            <a:r>
-              <a:rPr lang="en-US" sz="3600" b="0" dirty="0">
-                <a:latin typeface="Consolas" panose="020B0609020204030204" pitchFamily="49" charset="0"/>
-              </a:rPr>
-              <a:t>();</a:t>
-            </a:r>
-          </a:p>
-          <a:p>
-            <a:pPr algn="l"/>
-            <a:r>
-              <a:rPr lang="en-US" sz="3600" b="0" dirty="0" err="1" smtClean="0">
-                <a:latin typeface="Consolas" panose="020B0609020204030204" pitchFamily="49" charset="0"/>
-              </a:rPr>
-              <a:t>cmd.CommandText</a:t>
-            </a:r>
-            <a:r>
-              <a:rPr lang="en-US" sz="3600" b="0" dirty="0" smtClean="0">
-                <a:latin typeface="Consolas" panose="020B0609020204030204" pitchFamily="49" charset="0"/>
-              </a:rPr>
-              <a:t> </a:t>
-            </a:r>
-            <a:r>
-              <a:rPr lang="en-US" sz="3600" b="0" dirty="0">
-                <a:latin typeface="Consolas" panose="020B0609020204030204" pitchFamily="49" charset="0"/>
-              </a:rPr>
-              <a:t>= </a:t>
-            </a:r>
-            <a:r>
-              <a:rPr lang="en-US" sz="3600" b="0" dirty="0">
-                <a:solidFill>
-                  <a:srgbClr val="A31515"/>
-                </a:solidFill>
-                <a:latin typeface="Consolas" panose="020B0609020204030204" pitchFamily="49" charset="0"/>
-              </a:rPr>
-              <a:t>"select * from </a:t>
-            </a:r>
-            <a:r>
-              <a:rPr lang="en-US" sz="3600" b="0" dirty="0" err="1">
-                <a:solidFill>
-                  <a:srgbClr val="A31515"/>
-                </a:solidFill>
-                <a:latin typeface="Consolas" panose="020B0609020204030204" pitchFamily="49" charset="0"/>
-              </a:rPr>
-              <a:t>tblBranch</a:t>
-            </a:r>
-            <a:r>
-              <a:rPr lang="en-US" sz="3600" b="0" dirty="0">
-                <a:solidFill>
-                  <a:srgbClr val="A31515"/>
-                </a:solidFill>
-                <a:latin typeface="Consolas" panose="020B0609020204030204" pitchFamily="49" charset="0"/>
-              </a:rPr>
-              <a:t>"</a:t>
-            </a:r>
-            <a:r>
-              <a:rPr lang="en-US" sz="3600" b="0" dirty="0">
-                <a:latin typeface="Consolas" panose="020B0609020204030204" pitchFamily="49" charset="0"/>
-              </a:rPr>
-              <a:t>;</a:t>
-            </a:r>
-          </a:p>
-          <a:p>
-            <a:pPr algn="l"/>
-            <a:r>
-              <a:rPr lang="en-US" sz="3600" b="0" dirty="0" err="1" smtClean="0">
-                <a:latin typeface="Consolas" panose="020B0609020204030204" pitchFamily="49" charset="0"/>
-              </a:rPr>
-              <a:t>cmd.CommandType</a:t>
-            </a:r>
-            <a:r>
-              <a:rPr lang="en-US" sz="3600" b="0" dirty="0" smtClean="0">
-                <a:latin typeface="Consolas" panose="020B0609020204030204" pitchFamily="49" charset="0"/>
-              </a:rPr>
-              <a:t> </a:t>
-            </a:r>
-            <a:r>
-              <a:rPr lang="en-US" sz="3600" b="0" dirty="0">
-                <a:latin typeface="Consolas" panose="020B0609020204030204" pitchFamily="49" charset="0"/>
-              </a:rPr>
-              <a:t>= </a:t>
-            </a:r>
-            <a:r>
-              <a:rPr lang="en-US" sz="3600" b="0" dirty="0" err="1">
-                <a:latin typeface="Consolas" panose="020B0609020204030204" pitchFamily="49" charset="0"/>
-              </a:rPr>
-              <a:t>CommandType.Text</a:t>
-            </a:r>
-            <a:r>
-              <a:rPr lang="en-US" sz="3600" b="0" dirty="0">
-                <a:latin typeface="Consolas" panose="020B0609020204030204" pitchFamily="49" charset="0"/>
-              </a:rPr>
-              <a:t>;</a:t>
-            </a:r>
-          </a:p>
-          <a:p>
-            <a:pPr algn="l"/>
-            <a:r>
-              <a:rPr lang="en-US" sz="3600" b="0" dirty="0" err="1" smtClean="0">
-                <a:latin typeface="Consolas" panose="020B0609020204030204" pitchFamily="49" charset="0"/>
-              </a:rPr>
-              <a:t>cmd.Connection</a:t>
-            </a:r>
-            <a:r>
-              <a:rPr lang="en-US" sz="3600" b="0" dirty="0" smtClean="0">
-                <a:latin typeface="Consolas" panose="020B0609020204030204" pitchFamily="49" charset="0"/>
-              </a:rPr>
-              <a:t> </a:t>
-            </a:r>
-            <a:r>
-              <a:rPr lang="en-US" sz="3600" b="0" dirty="0">
-                <a:latin typeface="Consolas" panose="020B0609020204030204" pitchFamily="49" charset="0"/>
-              </a:rPr>
-              <a:t>= conn;</a:t>
-            </a:r>
-          </a:p>
-          <a:p>
-            <a:pPr algn="l"/>
-            <a:r>
-              <a:rPr lang="en-US" sz="3600" b="0" dirty="0" smtClean="0">
-                <a:latin typeface="Consolas" panose="020B0609020204030204" pitchFamily="49" charset="0"/>
-              </a:rPr>
-              <a:t>SqlDataReader </a:t>
-            </a:r>
-            <a:r>
-              <a:rPr lang="en-US" sz="3600" b="0" dirty="0">
-                <a:latin typeface="Consolas" panose="020B0609020204030204" pitchFamily="49" charset="0"/>
-              </a:rPr>
-              <a:t>reader = </a:t>
-            </a:r>
-            <a:r>
-              <a:rPr lang="en-US" sz="3600" b="0" dirty="0" err="1">
-                <a:latin typeface="Consolas" panose="020B0609020204030204" pitchFamily="49" charset="0"/>
-              </a:rPr>
-              <a:t>cmd.ExecuteReader</a:t>
-            </a:r>
-            <a:r>
-              <a:rPr lang="en-US" sz="3600" b="0" dirty="0">
-                <a:latin typeface="Consolas" panose="020B0609020204030204" pitchFamily="49" charset="0"/>
-              </a:rPr>
-              <a:t>();</a:t>
-            </a:r>
-          </a:p>
-          <a:p>
-            <a:pPr algn="l"/>
-            <a:r>
-              <a:rPr lang="en-US" sz="3600" b="0" dirty="0" smtClean="0">
-                <a:solidFill>
-                  <a:srgbClr val="0000FF"/>
-                </a:solidFill>
-                <a:latin typeface="Consolas" panose="020B0609020204030204" pitchFamily="49" charset="0"/>
-              </a:rPr>
-              <a:t>while</a:t>
-            </a:r>
-            <a:r>
-              <a:rPr lang="en-US" sz="3600" b="0" dirty="0" smtClean="0">
-                <a:latin typeface="Consolas" panose="020B0609020204030204" pitchFamily="49" charset="0"/>
-              </a:rPr>
-              <a:t> </a:t>
-            </a:r>
-            <a:r>
-              <a:rPr lang="en-US" sz="3600" b="0" dirty="0">
-                <a:latin typeface="Consolas" panose="020B0609020204030204" pitchFamily="49" charset="0"/>
-              </a:rPr>
-              <a:t>(</a:t>
-            </a:r>
-            <a:r>
-              <a:rPr lang="en-US" sz="3600" b="0" dirty="0" err="1">
-                <a:latin typeface="Consolas" panose="020B0609020204030204" pitchFamily="49" charset="0"/>
-              </a:rPr>
-              <a:t>reader.Read</a:t>
-            </a:r>
-            <a:r>
-              <a:rPr lang="en-US" sz="3600" b="0" dirty="0">
-                <a:latin typeface="Consolas" panose="020B0609020204030204" pitchFamily="49" charset="0"/>
-              </a:rPr>
-              <a:t>())</a:t>
-            </a:r>
-          </a:p>
-          <a:p>
-            <a:pPr algn="l"/>
-            <a:r>
-              <a:rPr lang="en-US" sz="3600" b="0" dirty="0" smtClean="0">
-                <a:latin typeface="Consolas" panose="020B0609020204030204" pitchFamily="49" charset="0"/>
-              </a:rPr>
-              <a:t>{</a:t>
-            </a:r>
-            <a:endParaRPr lang="en-US" sz="3600" b="0" dirty="0">
+            <a:pPr marL="571500" indent="-571500" algn="l">
+              <a:lnSpc>
+                <a:spcPct val="150000"/>
+              </a:lnSpc>
+              <a:buFont typeface="Arial" panose="020B0604020202020204" pitchFamily="34" charset="0"/>
+              <a:buChar char="•"/>
+            </a:pPr>
+            <a:r>
+              <a:rPr lang="en-US" sz="4400" b="0" dirty="0" smtClean="0">
+                <a:latin typeface="Calibri" panose="020F0502020204030204" pitchFamily="34" charset="0"/>
+                <a:cs typeface="Calibri" panose="020F0502020204030204" pitchFamily="34" charset="0"/>
+              </a:rPr>
+              <a:t>Read </a:t>
+            </a:r>
+            <a:r>
+              <a:rPr lang="en-US" sz="4400" b="0" dirty="0">
+                <a:latin typeface="Calibri" panose="020F0502020204030204" pitchFamily="34" charset="0"/>
+                <a:cs typeface="Calibri" panose="020F0502020204030204" pitchFamily="34" charset="0"/>
+              </a:rPr>
+              <a:t>data from a </a:t>
+            </a:r>
+            <a:r>
+              <a:rPr lang="en-US" sz="4400" b="0" dirty="0" smtClean="0">
+                <a:latin typeface="Calibri" panose="020F0502020204030204" pitchFamily="34" charset="0"/>
+                <a:cs typeface="Calibri" panose="020F0502020204030204" pitchFamily="34" charset="0"/>
+              </a:rPr>
+              <a:t>database</a:t>
+            </a:r>
+          </a:p>
+          <a:p>
+            <a:pPr marL="571500" indent="-571500" algn="l">
+              <a:lnSpc>
+                <a:spcPct val="150000"/>
+              </a:lnSpc>
+              <a:buFont typeface="Arial" panose="020B0604020202020204" pitchFamily="34" charset="0"/>
+              <a:buChar char="•"/>
+            </a:pPr>
+            <a:r>
+              <a:rPr lang="en-US" sz="4400" b="0" dirty="0" smtClean="0">
+                <a:latin typeface="Calibri" panose="020F0502020204030204" pitchFamily="34" charset="0"/>
+                <a:cs typeface="Calibri" panose="020F0502020204030204" pitchFamily="34" charset="0"/>
+              </a:rPr>
+              <a:t>Forward Read-only cursor</a:t>
+            </a:r>
+          </a:p>
+        </p:txBody>
+      </p:sp>
+      <p:sp>
+        <p:nvSpPr>
+          <p:cNvPr id="11" name="Rounded Rectangle 10"/>
+          <p:cNvSpPr/>
+          <p:nvPr/>
+        </p:nvSpPr>
+        <p:spPr>
+          <a:xfrm>
+            <a:off x="3845860" y="6990347"/>
+            <a:ext cx="19632706" cy="6278642"/>
+          </a:xfrm>
+          <a:prstGeom prst="roundRect">
+            <a:avLst>
+              <a:gd name="adj" fmla="val 5530"/>
+            </a:avLst>
+          </a:prstGeom>
+          <a:solidFill>
+            <a:schemeClr val="accent3">
+              <a:lumMod val="20000"/>
+              <a:lumOff val="80000"/>
+            </a:schemeClr>
+          </a:solidFill>
+          <a:ln w="12700" cap="flat">
+            <a:noFill/>
+            <a:miter lim="400000"/>
+          </a:ln>
+          <a:effectLst/>
+          <a:sp3d/>
+        </p:spPr>
+        <p:style>
+          <a:lnRef idx="0">
+            <a:scrgbClr r="0" g="0" b="0"/>
+          </a:lnRef>
+          <a:fillRef idx="0">
+            <a:scrgbClr r="0" g="0" b="0"/>
+          </a:fillRef>
+          <a:effectRef idx="0">
+            <a:scrgbClr r="0" g="0" b="0"/>
+          </a:effectRef>
+          <a:fontRef idx="none"/>
+        </p:style>
+        <p:txBody>
+          <a:bodyPr rot="0" spcFirstLastPara="1" vertOverflow="overflow" horzOverflow="overflow" vert="horz" wrap="square" lIns="71437" tIns="71437" rIns="71437" bIns="71437" numCol="1" spcCol="38100" rtlCol="0" anchor="ctr">
+            <a:spAutoFit/>
+          </a:bodyPr>
+          <a:lstStyle/>
+          <a:p>
+            <a:pPr marL="0" marR="0" indent="0" algn="ctr" defTabSz="821531" rtl="0" fontAlgn="auto" latinLnBrk="0" hangingPunct="0">
+              <a:lnSpc>
+                <a:spcPct val="100000"/>
+              </a:lnSpc>
+              <a:spcBef>
+                <a:spcPts val="0"/>
+              </a:spcBef>
+              <a:spcAft>
+                <a:spcPts val="0"/>
+              </a:spcAft>
+              <a:buClrTx/>
+              <a:buSzTx/>
+              <a:buFontTx/>
+              <a:buNone/>
+              <a:tabLst/>
+            </a:pPr>
+            <a:endParaRPr kumimoji="0" lang="en-US" sz="3000" b="0" i="0" u="none" strike="noStrike" cap="none" spc="0" normalizeH="0" baseline="0">
+              <a:ln>
+                <a:noFill/>
+              </a:ln>
+              <a:solidFill>
+                <a:srgbClr val="FFFFFF"/>
+              </a:solidFill>
+              <a:effectLst/>
+              <a:uFillTx/>
+              <a:latin typeface="+mn-lt"/>
+              <a:ea typeface="+mn-ea"/>
+              <a:cs typeface="+mn-cs"/>
+              <a:sym typeface="Helvetica Neue Medium"/>
+            </a:endParaRPr>
+          </a:p>
+        </p:txBody>
+      </p:sp>
+      <p:sp>
+        <p:nvSpPr>
+          <p:cNvPr id="12" name="Rectangle 11"/>
+          <p:cNvSpPr/>
+          <p:nvPr/>
+        </p:nvSpPr>
+        <p:spPr>
+          <a:xfrm>
+            <a:off x="4231250" y="6363935"/>
+            <a:ext cx="19722446" cy="2014911"/>
+          </a:xfrm>
+          <a:prstGeom prst="rect">
+            <a:avLst/>
+          </a:prstGeom>
+        </p:spPr>
+        <p:txBody>
+          <a:bodyPr wrap="square">
+            <a:spAutoFit/>
+          </a:bodyPr>
+          <a:lstStyle/>
+          <a:p>
+            <a:pPr algn="l">
+              <a:lnSpc>
+                <a:spcPct val="150000"/>
+              </a:lnSpc>
+            </a:pPr>
+            <a:endParaRPr lang="en-US" sz="4400" b="0" dirty="0" smtClean="0">
+              <a:solidFill>
+                <a:srgbClr val="0000FF"/>
+              </a:solidFill>
               <a:latin typeface="Consolas" panose="020B0609020204030204" pitchFamily="49" charset="0"/>
             </a:endParaRPr>
           </a:p>
           <a:p>
+            <a:pPr marL="5432425" indent="-5432425" algn="l">
+              <a:lnSpc>
+                <a:spcPct val="150000"/>
+              </a:lnSpc>
+            </a:pPr>
+            <a:r>
+              <a:rPr lang="en-US" sz="4400" b="0" dirty="0">
+                <a:latin typeface="Consolas" panose="020B0609020204030204" pitchFamily="49" charset="0"/>
+              </a:rPr>
+              <a:t> SqlDataReader reader = </a:t>
+            </a:r>
+            <a:r>
+              <a:rPr lang="en-US" sz="4400" b="0" dirty="0" err="1">
+                <a:latin typeface="Consolas" panose="020B0609020204030204" pitchFamily="49" charset="0"/>
+              </a:rPr>
+              <a:t>cmd.ExecuteReader</a:t>
+            </a:r>
+            <a:r>
+              <a:rPr lang="en-US" sz="4400" b="0" dirty="0">
+                <a:latin typeface="Consolas" panose="020B0609020204030204" pitchFamily="49" charset="0"/>
+              </a:rPr>
+              <a:t>();</a:t>
+            </a:r>
+            <a:endParaRPr lang="en-US" sz="4400" b="0" dirty="0" smtClean="0">
+              <a:latin typeface="Consolas" panose="020B0609020204030204" pitchFamily="49" charset="0"/>
+              <a:cs typeface="Calibri" panose="020F0502020204030204" pitchFamily="34" charset="0"/>
+            </a:endParaRPr>
+          </a:p>
+        </p:txBody>
+      </p:sp>
+      <p:sp>
+        <p:nvSpPr>
+          <p:cNvPr id="5" name="Rectangle 4"/>
+          <p:cNvSpPr/>
+          <p:nvPr/>
+        </p:nvSpPr>
+        <p:spPr>
+          <a:xfrm>
+            <a:off x="4643718" y="8522337"/>
+            <a:ext cx="12192000" cy="4154984"/>
+          </a:xfrm>
+          <a:prstGeom prst="rect">
+            <a:avLst/>
+          </a:prstGeom>
+        </p:spPr>
+        <p:txBody>
+          <a:bodyPr>
+            <a:spAutoFit/>
+          </a:bodyPr>
+          <a:lstStyle/>
+          <a:p>
             <a:pPr algn="l"/>
             <a:r>
-              <a:rPr lang="en-US" sz="3600" b="0" dirty="0" smtClean="0">
+              <a:rPr lang="en-US" sz="4400" b="0" dirty="0">
+                <a:solidFill>
+                  <a:srgbClr val="0000FF"/>
+                </a:solidFill>
                 <a:latin typeface="Consolas" panose="020B0609020204030204" pitchFamily="49" charset="0"/>
               </a:rPr>
+              <a:t>while</a:t>
+            </a:r>
+            <a:r>
+              <a:rPr lang="en-US" sz="4400" b="0" dirty="0">
+                <a:latin typeface="Consolas" panose="020B0609020204030204" pitchFamily="49" charset="0"/>
+              </a:rPr>
+              <a:t> (</a:t>
+            </a:r>
+            <a:r>
+              <a:rPr lang="en-US" sz="4400" b="0" dirty="0" err="1">
+                <a:latin typeface="Consolas" panose="020B0609020204030204" pitchFamily="49" charset="0"/>
+              </a:rPr>
+              <a:t>reader.Read</a:t>
+            </a:r>
+            <a:r>
+              <a:rPr lang="en-US" sz="4400" b="0" dirty="0">
+                <a:latin typeface="Consolas" panose="020B0609020204030204" pitchFamily="49" charset="0"/>
+              </a:rPr>
+              <a:t>())</a:t>
+            </a:r>
+          </a:p>
+          <a:p>
+            <a:pPr algn="l"/>
+            <a:r>
+              <a:rPr lang="en-US" sz="4400" b="0" dirty="0">
+                <a:latin typeface="Consolas" panose="020B0609020204030204" pitchFamily="49" charset="0"/>
+              </a:rPr>
+              <a:t>{</a:t>
+            </a:r>
+          </a:p>
+          <a:p>
+            <a:pPr algn="l"/>
+            <a:r>
+              <a:rPr lang="en-US" sz="4400" b="0" dirty="0">
+                <a:latin typeface="Consolas" panose="020B0609020204030204" pitchFamily="49" charset="0"/>
+              </a:rPr>
               <a:t>	</a:t>
             </a:r>
             <a:r>
-              <a:rPr lang="en-US" sz="3600" b="0" dirty="0" err="1" smtClean="0">
+              <a:rPr lang="en-US" sz="4400" b="0" dirty="0" err="1">
                 <a:latin typeface="Consolas" panose="020B0609020204030204" pitchFamily="49" charset="0"/>
               </a:rPr>
               <a:t>lstKey.Items.Add</a:t>
             </a:r>
             <a:r>
-              <a:rPr lang="en-US" sz="3600" b="0" dirty="0" smtClean="0">
+              <a:rPr lang="en-US" sz="4400" b="0" dirty="0">
                 <a:latin typeface="Consolas" panose="020B0609020204030204" pitchFamily="49" charset="0"/>
               </a:rPr>
-              <a:t>(reader[0</a:t>
-            </a:r>
-            <a:r>
-              <a:rPr lang="en-US" sz="3600" b="0" dirty="0">
+              <a:t>(reader[0]);</a:t>
+            </a:r>
+          </a:p>
+          <a:p>
+            <a:pPr algn="l"/>
+            <a:r>
+              <a:rPr lang="en-US" sz="4400" b="0" dirty="0">
                 <a:latin typeface="Consolas" panose="020B0609020204030204" pitchFamily="49" charset="0"/>
               </a:rPr>
-              <a:t>]);</a:t>
+              <a:t>	</a:t>
+            </a:r>
+            <a:r>
+              <a:rPr lang="en-US" sz="4400" b="0" dirty="0" err="1">
+                <a:latin typeface="Consolas" panose="020B0609020204030204" pitchFamily="49" charset="0"/>
+              </a:rPr>
+              <a:t>lstName.Items.Add</a:t>
+            </a:r>
+            <a:r>
+              <a:rPr lang="en-US" sz="4400" b="0" dirty="0">
+                <a:latin typeface="Consolas" panose="020B0609020204030204" pitchFamily="49" charset="0"/>
+              </a:rPr>
+              <a:t>(reader[1]);</a:t>
             </a:r>
           </a:p>
           <a:p>
             <a:pPr algn="l"/>
             <a:r>
-              <a:rPr lang="en-US" sz="3600" b="0" dirty="0" smtClean="0">
+              <a:rPr lang="en-US" sz="4400" b="0" dirty="0">
                 <a:latin typeface="Consolas" panose="020B0609020204030204" pitchFamily="49" charset="0"/>
               </a:rPr>
               <a:t>	</a:t>
             </a:r>
             <a:r>
-              <a:rPr lang="en-US" sz="3600" b="0" dirty="0" err="1" smtClean="0">
+              <a:rPr lang="en-US" sz="4400" b="0" dirty="0" err="1">
                 <a:latin typeface="Consolas" panose="020B0609020204030204" pitchFamily="49" charset="0"/>
               </a:rPr>
-              <a:t>lstName.Items.Add</a:t>
-            </a:r>
-            <a:r>
-              <a:rPr lang="en-US" sz="3600" b="0" dirty="0" smtClean="0">
+              <a:t>lstAlias.Items.Add</a:t>
+            </a:r>
+            <a:r>
+              <a:rPr lang="en-US" sz="4400" b="0" dirty="0">
                 <a:latin typeface="Consolas" panose="020B0609020204030204" pitchFamily="49" charset="0"/>
               </a:rPr>
-              <a:t>(reader[1</a:t>
-            </a:r>
-            <a:r>
-              <a:rPr lang="en-US" sz="3600" b="0" dirty="0">
+              <a:t>(reader[2]);</a:t>
+            </a:r>
+          </a:p>
+          <a:p>
+            <a:pPr algn="l"/>
+            <a:r>
+              <a:rPr lang="en-US" sz="4400" b="0" dirty="0">
                 <a:latin typeface="Consolas" panose="020B0609020204030204" pitchFamily="49" charset="0"/>
               </a:rPr>
-              <a:t>]);</a:t>
-            </a:r>
-          </a:p>
-          <a:p>
-            <a:pPr algn="l"/>
-            <a:r>
-              <a:rPr lang="en-US" sz="3600" b="0" dirty="0" smtClean="0">
-                <a:latin typeface="Consolas" panose="020B0609020204030204" pitchFamily="49" charset="0"/>
-              </a:rPr>
-              <a:t>	</a:t>
-            </a:r>
-            <a:r>
-              <a:rPr lang="en-US" sz="3600" b="0" dirty="0" err="1" smtClean="0">
-                <a:latin typeface="Consolas" panose="020B0609020204030204" pitchFamily="49" charset="0"/>
-              </a:rPr>
-              <a:t>lstAlias.Items.Add</a:t>
-            </a:r>
-            <a:r>
-              <a:rPr lang="en-US" sz="3600" b="0" dirty="0" smtClean="0">
-                <a:latin typeface="Consolas" panose="020B0609020204030204" pitchFamily="49" charset="0"/>
-              </a:rPr>
-              <a:t>(reader[2</a:t>
-            </a:r>
-            <a:r>
-              <a:rPr lang="en-US" sz="3600" b="0" dirty="0">
-                <a:latin typeface="Consolas" panose="020B0609020204030204" pitchFamily="49" charset="0"/>
-              </a:rPr>
-              <a:t>]);</a:t>
-            </a:r>
-          </a:p>
-          <a:p>
-            <a:pPr algn="l"/>
-            <a:r>
-              <a:rPr lang="en-US" sz="3600" b="0" dirty="0" smtClean="0">
-                <a:latin typeface="Consolas" panose="020B0609020204030204" pitchFamily="49" charset="0"/>
-              </a:rPr>
               <a:t>}</a:t>
             </a:r>
-            <a:endParaRPr lang="en-US" sz="3600" b="0" dirty="0">
-              <a:latin typeface="Consolas" panose="020B0609020204030204" pitchFamily="49" charset="0"/>
-            </a:endParaRPr>
-          </a:p>
-          <a:p>
-            <a:pPr algn="l"/>
-            <a:r>
-              <a:rPr lang="en-US" sz="3600" b="0" dirty="0" err="1" smtClean="0">
-                <a:latin typeface="Consolas" panose="020B0609020204030204" pitchFamily="49" charset="0"/>
-              </a:rPr>
-              <a:t>cmd.Dispose</a:t>
-            </a:r>
-            <a:r>
-              <a:rPr lang="en-US" sz="3600" b="0" dirty="0">
-                <a:latin typeface="Consolas" panose="020B0609020204030204" pitchFamily="49" charset="0"/>
-              </a:rPr>
-              <a:t>();</a:t>
-            </a:r>
-          </a:p>
-          <a:p>
-            <a:pPr algn="l"/>
-            <a:r>
-              <a:rPr lang="en-US" sz="3600" b="0" dirty="0" err="1" smtClean="0">
-                <a:latin typeface="Consolas" panose="020B0609020204030204" pitchFamily="49" charset="0"/>
-              </a:rPr>
-              <a:t>conn.Close</a:t>
-            </a:r>
-            <a:r>
-              <a:rPr lang="en-US" sz="3600" b="0" dirty="0">
-                <a:latin typeface="Consolas" panose="020B0609020204030204" pitchFamily="49" charset="0"/>
-              </a:rPr>
-              <a:t>();</a:t>
-            </a:r>
-            <a:endParaRPr lang="en-US" sz="11500" b="0" dirty="0"/>
           </a:p>
         </p:txBody>
       </p:sp>
     </p:spTree>
     <p:extLst>
       <p:ext uri="{BB962C8B-B14F-4D97-AF65-F5344CB8AC3E}">
-        <p14:creationId xmlns:p14="http://schemas.microsoft.com/office/powerpoint/2010/main" val="328396195"/>
+        <p14:creationId xmlns:p14="http://schemas.microsoft.com/office/powerpoint/2010/main" val="2254880857"/>
       </p:ext>
     </p:extLst>
   </p:cSld>
@@ -21385,7 +21075,7 @@
                 <a:cs typeface="Calibri" panose="020F0502020204030204" pitchFamily="34" charset="0"/>
                 <a:sym typeface="Helvetica Neue"/>
               </a:rPr>
-              <a:t>Data Reader</a:t>
+              <a:t>Data Adapter</a:t>
             </a:r>
             <a:endParaRPr kumimoji="0" lang="en-US" sz="4500" b="1" i="0" u="none" strike="noStrike" cap="none" spc="0" normalizeH="0" baseline="0" dirty="0">
               <a:ln>
@@ -21443,7 +21133,7 @@
         <p:spPr>
           <a:xfrm>
             <a:off x="4231250" y="4886884"/>
-            <a:ext cx="20152750" cy="3139321"/>
+            <a:ext cx="20152750" cy="8217634"/>
           </a:xfrm>
           <a:prstGeom prst="rect">
             <a:avLst/>
@@ -21467,21 +21157,21 @@
                 <a:latin typeface="Calibri" panose="020F0502020204030204" pitchFamily="34" charset="0"/>
                 <a:cs typeface="Calibri" panose="020F0502020204030204" pitchFamily="34" charset="0"/>
               </a:rPr>
-              <a:t>Read </a:t>
-            </a:r>
-            <a:r>
-              <a:rPr lang="en-US" sz="4400" b="0" dirty="0">
+              <a:t>Bridge between </a:t>
+            </a:r>
+            <a:r>
+              <a:rPr lang="en-US" sz="4400" b="0" dirty="0" err="1" smtClean="0">
                 <a:latin typeface="Calibri" panose="020F0502020204030204" pitchFamily="34" charset="0"/>
                 <a:cs typeface="Calibri" panose="020F0502020204030204" pitchFamily="34" charset="0"/>
               </a:rPr>
-              <a:t>data from a </a:t>
+              <a:t>DataSet</a:t>
             </a:r>
             <a:r>
               <a:rPr lang="en-US" sz="4400" b="0" dirty="0" smtClean="0">
                 <a:latin typeface="Calibri" panose="020F0502020204030204" pitchFamily="34" charset="0"/>
                 <a:cs typeface="Calibri" panose="020F0502020204030204" pitchFamily="34" charset="0"/>
               </a:rPr>
-              <a:t>database</a:t>
+              <a:t> and Data Source</a:t>
             </a:r>
           </a:p>
           <a:p>
@@ -21493,11 +21183,32 @@
               <a:buChar char="•"/>
             </a:pPr>
             <a:r>
+              <a:rPr lang="en-US" sz="4400" b="0" dirty="0">
+                <a:latin typeface="Calibri" panose="020F0502020204030204" pitchFamily="34" charset="0"/>
+                <a:cs typeface="Calibri" panose="020F0502020204030204" pitchFamily="34" charset="0"/>
+              </a:rPr>
+              <a:t>The </a:t>
+            </a:r>
+            <a:r>
+              <a:rPr lang="en-US" sz="4400" b="0" dirty="0" err="1">
+                <a:latin typeface="Calibri" panose="020F0502020204030204" pitchFamily="34" charset="0"/>
+                <a:cs typeface="Calibri" panose="020F0502020204030204" pitchFamily="34" charset="0"/>
+              </a:rPr>
+              <a:t>DataAdapter</a:t>
+            </a:r>
+            <a:r>
+              <a:rPr lang="en-US" sz="4400" b="0" dirty="0">
+                <a:latin typeface="Calibri" panose="020F0502020204030204" pitchFamily="34" charset="0"/>
+                <a:cs typeface="Calibri" panose="020F0502020204030204" pitchFamily="34" charset="0"/>
+              </a:rPr>
+              <a:t> can perform Select , Insert , Update and Delete SQL operations in the Data </a:t>
+            </a:r>
+            <a:r>
               <a:rPr lang="en-US" sz="4400" b="0" dirty="0" smtClean="0">
                 <a:latin typeface="Calibri" panose="020F0502020204030204" pitchFamily="34" charset="0"/>
                 <a:cs typeface="Calibri" panose="020F0502020204030204" pitchFamily="34" charset="0"/>
               </a:rPr>
-              <a:t>Forward Read-only cursor</a:t>
+              <a:t>Source</a:t>
             </a:r>
           </a:p>
           <a:p>
@@ -21509,159 +21220,135 @@
               <a:buChar char="•"/>
             </a:pPr>
             <a:r>
+              <a:rPr lang="en-US" sz="4400" b="0" dirty="0" smtClean="0">
+                <a:latin typeface="Calibri" panose="020F0502020204030204" pitchFamily="34" charset="0"/>
+                <a:cs typeface="Calibri" panose="020F0502020204030204" pitchFamily="34" charset="0"/>
+              </a:rPr>
+              <a:t>The </a:t>
+            </a:r>
+            <a:r>
+              <a:rPr lang="en-US" sz="4400" b="0" dirty="0" err="1">
+                <a:latin typeface="Calibri" panose="020F0502020204030204" pitchFamily="34" charset="0"/>
+                <a:cs typeface="Calibri" panose="020F0502020204030204" pitchFamily="34" charset="0"/>
+              </a:rPr>
+              <a:t>SelectCommand</a:t>
+            </a:r>
+            <a:r>
               <a:rPr lang="en-US" sz="4400" b="0" dirty="0">
                 <a:latin typeface="Calibri" panose="020F0502020204030204" pitchFamily="34" charset="0"/>
                 <a:cs typeface="Calibri" panose="020F0502020204030204" pitchFamily="34" charset="0"/>
               </a:rPr>
-              <a:t>Allows to parse the data from each </a:t>
+              <a:t> property of the </a:t>
+            </a:r>
+            <a:r>
+              <a:rPr lang="en-US" sz="4400" b="0" dirty="0" err="1">
+                <a:latin typeface="Calibri" panose="020F0502020204030204" pitchFamily="34" charset="0"/>
+                <a:cs typeface="Calibri" panose="020F0502020204030204" pitchFamily="34" charset="0"/>
+              </a:rPr>
+              <a:t>DataAdapter</a:t>
+            </a:r>
+            <a:r>
+              <a:rPr lang="en-US" sz="4400" b="0" dirty="0">
+                <a:latin typeface="Calibri" panose="020F0502020204030204" pitchFamily="34" charset="0"/>
+                <a:cs typeface="Calibri" panose="020F0502020204030204" pitchFamily="34" charset="0"/>
+              </a:rPr>
+              <a:t> is a Command Object that retrieves data from the data source</a:t>
             </a:r>
             <a:r>
               <a:rPr lang="en-US" sz="4400" b="0" dirty="0" smtClean="0">
                 <a:latin typeface="Calibri" panose="020F0502020204030204" pitchFamily="34" charset="0"/>
                 <a:cs typeface="Calibri" panose="020F0502020204030204" pitchFamily="34" charset="0"/>
               </a:rPr>
-              <a:t>column</a:t>
-            </a:r>
-          </a:p>
-        </p:txBody>
-      </p:sp>
-      <p:sp>
-        <p:nvSpPr>
-          <p:cNvPr id="11" name="Rounded Rectangle 10"/>
-          <p:cNvSpPr/>
-          <p:nvPr/>
-        </p:nvSpPr>
-        <p:spPr>
-          <a:xfrm>
-            <a:off x="3845859" y="10325220"/>
-            <a:ext cx="20107837" cy="2055711"/>
-          </a:xfrm>
-          <a:prstGeom prst="roundRect">
-            <a:avLst/>
-          </a:prstGeom>
-          <a:solidFill>
-            <a:schemeClr val="accent3">
-              <a:lumMod val="20000"/>
-              <a:lumOff val="80000"/>
-            </a:schemeClr>
-          </a:solidFill>
-          <a:ln w="12700" cap="flat">
-            <a:noFill/>
-            <a:miter lim="400000"/>
-          </a:ln>
-          <a:effectLst/>
-          <a:sp3d/>
-        </p:spPr>
-        <p:style>
-          <a:lnRef idx="0">
-            <a:scrgbClr r="0" g="0" b="0"/>
-          </a:lnRef>
-          <a:fillRef idx="0">
-            <a:scrgbClr r="0" g="0" b="0"/>
-          </a:fillRef>
-          <a:effectRef idx="0">
-            <a:scrgbClr r="0" g="0" b="0"/>
-          </a:effectRef>
-          <a:fontRef idx="none"/>
-        </p:style>
-        <p:txBody>
-          <a:bodyPr rot="0" spcFirstLastPara="1" vertOverflow="overflow" horzOverflow="overflow" vert="horz" wrap="square" lIns="71437" tIns="71437" rIns="71437" bIns="71437" numCol="1" spcCol="38100" rtlCol="0" anchor="ctr">
-            <a:spAutoFit/>
-          </a:bodyPr>
-          <a:lstStyle/>
-          <a:p>
-            <a:pPr marL="0" marR="0" indent="0" algn="ctr" defTabSz="821531" rtl="0" fontAlgn="auto" latinLnBrk="0" hangingPunct="0">
-              <a:lnSpc>
-                <a:spcPct val="100000"/>
-              </a:lnSpc>
-              <a:spcBef>
-                <a:spcPts val="0"/>
-              </a:spcBef>
-              <a:spcAft>
-                <a:spcPts val="0"/>
-              </a:spcAft>
-              <a:buClrTx/>
-              <a:buSzTx/>
-              <a:buFontTx/>
-              <a:buNone/>
-              <a:tabLst/>
-            </a:pPr>
-            <a:endParaRPr kumimoji="0" lang="en-US" sz="3000" b="0" i="0" u="none" strike="noStrike" cap="none" spc="0" normalizeH="0" baseline="0">
-              <a:ln>
-                <a:noFill/>
-              </a:ln>
-              <a:solidFill>
-                <a:srgbClr val="FFFFFF"/>
-              </a:solidFill>
-              <a:effectLst/>
-              <a:uFillTx/>
-              <a:latin typeface="+mn-lt"/>
-              <a:ea typeface="+mn-ea"/>
-              <a:cs typeface="+mn-cs"/>
-              <a:sym typeface="Helvetica Neue Medium"/>
-            </a:endParaRPr>
-          </a:p>
-        </p:txBody>
-      </p:sp>
-      <p:sp>
-        <p:nvSpPr>
-          <p:cNvPr id="12" name="Rectangle 11"/>
-          <p:cNvSpPr/>
-          <p:nvPr/>
-        </p:nvSpPr>
-        <p:spPr>
-          <a:xfrm>
-            <a:off x="4231250" y="9645020"/>
-            <a:ext cx="19722446" cy="2123658"/>
-          </a:xfrm>
-          <a:prstGeom prst="rect">
-            <a:avLst/>
-          </a:prstGeom>
-        </p:spPr>
-        <p:txBody>
-          <a:bodyPr wrap="square">
-            <a:spAutoFit/>
-          </a:bodyPr>
-          <a:lstStyle/>
-          <a:p>
-            <a:pPr algn="l">
+              <a:t>.</a:t>
+            </a:r>
+          </a:p>
+          <a:p>
+            <a:pPr marL="571500" indent="-571500" algn="l">
               <a:lnSpc>
                 <a:spcPct val="150000"/>
               </a:lnSpc>
+              <a:buFont typeface="Arial" panose="020B0604020202020204" pitchFamily="34" charset="0"/>
+              <a:buChar char="•"/>
             </a:pPr>
+            <a:r>
+              <a:rPr lang="en-US" sz="4400" b="0" dirty="0">
+                <a:latin typeface="Calibri" panose="020F0502020204030204" pitchFamily="34" charset="0"/>
+                <a:cs typeface="Calibri" panose="020F0502020204030204" pitchFamily="34" charset="0"/>
+              </a:rPr>
+              <a:t>The </a:t>
+            </a:r>
+            <a:r>
+              <a:rPr lang="en-US" sz="4400" b="0" dirty="0" err="1">
+                <a:latin typeface="Calibri" panose="020F0502020204030204" pitchFamily="34" charset="0"/>
+                <a:cs typeface="Calibri" panose="020F0502020204030204" pitchFamily="34" charset="0"/>
+              </a:rPr>
+              <a:t>InsertCommand</a:t>
+            </a:r>
+            <a:r>
+              <a:rPr lang="en-US" sz="4400" b="0" dirty="0">
+                <a:latin typeface="Calibri" panose="020F0502020204030204" pitchFamily="34" charset="0"/>
+                <a:cs typeface="Calibri" panose="020F0502020204030204" pitchFamily="34" charset="0"/>
+              </a:rPr>
+              <a:t> , </a:t>
+            </a:r>
+            <a:r>
+              <a:rPr lang="en-US" sz="4400" b="0" dirty="0" err="1">
+                <a:latin typeface="Calibri" panose="020F0502020204030204" pitchFamily="34" charset="0"/>
+                <a:cs typeface="Calibri" panose="020F0502020204030204" pitchFamily="34" charset="0"/>
+              </a:rPr>
+              <a:t>UpdateCommand</a:t>
+            </a:r>
+            <a:r>
+              <a:rPr lang="en-US" sz="4400" b="0" dirty="0">
+                <a:latin typeface="Calibri" panose="020F0502020204030204" pitchFamily="34" charset="0"/>
+                <a:cs typeface="Calibri" panose="020F0502020204030204" pitchFamily="34" charset="0"/>
+              </a:rPr>
+              <a:t> , and </a:t>
+            </a:r>
+            <a:r>
+              <a:rPr lang="en-US" sz="4400" b="0" dirty="0" err="1">
+                <a:latin typeface="Calibri" panose="020F0502020204030204" pitchFamily="34" charset="0"/>
+                <a:cs typeface="Calibri" panose="020F0502020204030204" pitchFamily="34" charset="0"/>
+              </a:rPr>
+              <a:t>DeleteCommand</a:t>
+            </a:r>
+            <a:r>
+              <a:rPr lang="en-US" sz="4400" b="0" dirty="0">
+                <a:latin typeface="Calibri" panose="020F0502020204030204" pitchFamily="34" charset="0"/>
+                <a:cs typeface="Calibri" panose="020F0502020204030204" pitchFamily="34" charset="0"/>
+              </a:rPr>
+              <a:t> properties of the </a:t>
+            </a:r>
+            <a:r>
+              <a:rPr lang="en-US" sz="4400" b="0" dirty="0" err="1">
+                <a:latin typeface="Calibri" panose="020F0502020204030204" pitchFamily="34" charset="0"/>
+                <a:cs typeface="Calibri" panose="020F0502020204030204" pitchFamily="34" charset="0"/>
+              </a:rPr>
+              <a:t>DataAdapter</a:t>
+            </a:r>
+            <a:r>
+              <a:rPr lang="en-US" sz="4400" b="0" dirty="0">
+                <a:latin typeface="Calibri" panose="020F0502020204030204" pitchFamily="34" charset="0"/>
+                <a:cs typeface="Calibri" panose="020F0502020204030204" pitchFamily="34" charset="0"/>
+              </a:rPr>
+              <a:t> are Command objects that manage updates to the data in the data source according to modifications made to the data in the </a:t>
+            </a:r>
+            <a:r>
+              <a:rPr lang="en-US" sz="4400" b="0" dirty="0" err="1">
+                <a:latin typeface="Calibri" panose="020F0502020204030204" pitchFamily="34" charset="0"/>
+                <a:cs typeface="Calibri" panose="020F0502020204030204" pitchFamily="34" charset="0"/>
+              </a:rPr>
+              <a:t>DataSet</a:t>
+            </a:r>
+            <a:r>
+              <a:rPr lang="en-US" sz="4400" b="0" dirty="0">
+                <a:latin typeface="Calibri" panose="020F0502020204030204" pitchFamily="34" charset="0"/>
+                <a:cs typeface="Calibri" panose="020F0502020204030204" pitchFamily="34" charset="0"/>
+              </a:rPr>
+              <a:t>.</a:t>
+            </a:r>
             <a:endParaRPr lang="en-US" sz="4400" b="0" dirty="0" smtClean="0">
-              <a:solidFill>
-                <a:srgbClr val="0000FF"/>
-              </a:solidFill>
-              <a:latin typeface="Consolas" panose="020B0609020204030204" pitchFamily="49" charset="0"/>
-            </a:endParaRPr>
-          </a:p>
-          <a:p>
-            <a:pPr marL="5432425" indent="-5432425" algn="l">
-              <a:lnSpc>
-                <a:spcPct val="150000"/>
-              </a:lnSpc>
-            </a:pPr>
-            <a:r>
-              <a:rPr lang="en-US" sz="4400" dirty="0">
-                <a:latin typeface="Consolas" panose="020B0609020204030204" pitchFamily="49" charset="0"/>
-              </a:rPr>
-              <a:t> SqlDataReader reader = </a:t>
-            </a:r>
-            <a:r>
-              <a:rPr lang="en-US" sz="4400" dirty="0" err="1">
-                <a:latin typeface="Consolas" panose="020B0609020204030204" pitchFamily="49" charset="0"/>
-              </a:rPr>
-              <a:t>cmd.ExecuteReader</a:t>
-            </a:r>
-            <a:r>
-              <a:rPr lang="en-US" sz="4400" dirty="0">
-                <a:latin typeface="Consolas" panose="020B0609020204030204" pitchFamily="49" charset="0"/>
-              </a:rPr>
-              <a:t>();</a:t>
-            </a:r>
-            <a:endParaRPr lang="en-US" sz="4400" dirty="0" smtClean="0">
-              <a:latin typeface="Consolas" panose="020B0609020204030204" pitchFamily="49" charset="0"/>
+              <a:latin typeface="Calibri" panose="020F0502020204030204" pitchFamily="34" charset="0"/>
               <a:cs typeface="Calibri" panose="020F0502020204030204" pitchFamily="34" charset="0"/>
             </a:endParaRPr>
           </a:p>
@@ -21670,7 +21357,7 @@
     </p:spTree>
     <p:extLst>
       <p:ext uri="{BB962C8B-B14F-4D97-AF65-F5344CB8AC3E}">
-        <p14:creationId xmlns:p14="http://schemas.microsoft.com/office/powerpoint/2010/main" val="2254880857"/>
+        <p14:creationId xmlns:p14="http://schemas.microsoft.com/office/powerpoint/2010/main" val="3437310124"/>
       </p:ext>
     </p:extLst>
   </p:cSld>
@@ -22036,6 +21723,2757 @@
         </p:txBody>
       </p:sp>
     </p:spTree>
+  </p:cSld>
+  <p:clrMapOvr>
+    <a:masterClrMapping/>
+  </p:clrMapOvr>
+  <p:transition spd="med"/>
+  <p:timing>
+    <p:tnLst>
+      <p:par>
+        <p:cTn id="1" dur="indefinite" restart="never" nodeType="tmRoot"/>
+      </p:par>
+    </p:tnLst>
+  </p:timing>
+</p:sld>
+</file>
+
+<file path=ppt/slides/slide30.xml><?xml version="1.0" encoding="utf-8"?>
+<p:sld xmlns:a="http://schemas.openxmlformats.org/drawingml/2006/main" xmlns:r="http://schemas.openxmlformats.org/officeDocument/2006/relationships" xmlns:p="http://schemas.openxmlformats.org/presentationml/2006/main">
+  <p:cSld>
+    <p:spTree>
+      <p:nvGrpSpPr>
+        <p:cNvPr id="1" name=""/>
+        <p:cNvGrpSpPr/>
+        <p:nvPr/>
+      </p:nvGrpSpPr>
+      <p:grpSpPr>
+        <a:xfrm>
+          <a:off x="0" y="0"/>
+          <a:ext cx="0" cy="0"/>
+          <a:chOff x="0" y="0"/>
+          <a:chExt cx="0" cy="0"/>
+        </a:xfrm>
+      </p:grpSpPr>
+      <p:sp>
+        <p:nvSpPr>
+          <p:cNvPr id="135" name="Line"/>
+          <p:cNvSpPr/>
+          <p:nvPr/>
+        </p:nvSpPr>
+        <p:spPr>
+          <a:xfrm flipV="1">
+            <a:off x="2885566" y="-124865"/>
+            <a:ext cx="1" cy="13965729"/>
+          </a:xfrm>
+          <a:prstGeom prst="line">
+            <a:avLst/>
+          </a:prstGeom>
+          <a:ln w="57150">
+            <a:solidFill>
+              <a:srgbClr val="183E67"/>
+            </a:solidFill>
+            <a:custDash>
+              <a:ds d="600000" sp="600000"/>
+            </a:custDash>
+            <a:miter lim="400000"/>
+          </a:ln>
+        </p:spPr>
+        <p:txBody>
+          <a:bodyPr lIns="71437" tIns="71437" rIns="71437" bIns="71437" anchor="ctr"/>
+          <a:lstStyle/>
+          <a:p>
+            <a:pPr>
+              <a:defRPr sz="3000" b="0">
+                <a:solidFill>
+                  <a:srgbClr val="FFFFFF"/>
+                </a:solidFill>
+                <a:latin typeface="+mn-lt"/>
+                <a:ea typeface="+mn-ea"/>
+                <a:cs typeface="+mn-cs"/>
+                <a:sym typeface="Helvetica Neue Medium"/>
+              </a:defRPr>
+            </a:pPr>
+            <a:endParaRPr/>
+          </a:p>
+        </p:txBody>
+      </p:sp>
+      <p:sp>
+        <p:nvSpPr>
+          <p:cNvPr id="139" name="Line"/>
+          <p:cNvSpPr/>
+          <p:nvPr/>
+        </p:nvSpPr>
+        <p:spPr>
+          <a:xfrm>
+            <a:off x="2885566" y="2266950"/>
+            <a:ext cx="21498434" cy="0"/>
+          </a:xfrm>
+          <a:prstGeom prst="line">
+            <a:avLst/>
+          </a:prstGeom>
+          <a:ln w="25400">
+            <a:solidFill>
+              <a:schemeClr val="accent1">
+                <a:hueOff val="114395"/>
+                <a:lumOff val="-24975"/>
+              </a:schemeClr>
+            </a:solidFill>
+            <a:miter lim="400000"/>
+          </a:ln>
+          <a:effectLst/>
+        </p:spPr>
+        <p:txBody>
+          <a:bodyPr lIns="71437" tIns="71437" rIns="71437" bIns="71437" anchor="ctr"/>
+          <a:lstStyle/>
+          <a:p>
+            <a:pPr>
+              <a:defRPr sz="3000" b="0">
+                <a:solidFill>
+                  <a:srgbClr val="FFFFFF"/>
+                </a:solidFill>
+                <a:latin typeface="+mn-lt"/>
+                <a:ea typeface="+mn-ea"/>
+                <a:cs typeface="+mn-cs"/>
+                <a:sym typeface="Helvetica Neue Medium"/>
+              </a:defRPr>
+            </a:pPr>
+            <a:endParaRPr/>
+          </a:p>
+        </p:txBody>
+      </p:sp>
+      <p:sp>
+        <p:nvSpPr>
+          <p:cNvPr id="8" name="Constructor"/>
+          <p:cNvSpPr txBox="1"/>
+          <p:nvPr/>
+        </p:nvSpPr>
+        <p:spPr>
+          <a:xfrm rot="16200000">
+            <a:off x="-1392467" y="6047202"/>
+            <a:ext cx="5684248" cy="1621597"/>
+          </a:xfrm>
+          <a:prstGeom prst="rect">
+            <a:avLst/>
+          </a:prstGeom>
+          <a:ln w="12700">
+            <a:miter lim="400000"/>
+          </a:ln>
+          <a:extLst>
+            <a:ext uri="{C572A759-6A51-4108-AA02-DFA0A04FC94B}">
+              <ma14:wrappingTextBoxFlag xmlns="" xmlns:m="http://schemas.openxmlformats.org/officeDocument/2006/math" xmlns:a14="http://schemas.microsoft.com/office/drawing/2010/main" xmlns:ma14="http://schemas.microsoft.com/office/mac/drawingml/2011/main" val="1"/>
+            </a:ext>
+          </a:extLst>
+        </p:spPr>
+        <p:txBody>
+          <a:bodyPr wrap="none" lIns="71437" tIns="71437" rIns="71437" bIns="71437" anchor="ctr">
+            <a:spAutoFit/>
+          </a:bodyPr>
+          <a:lstStyle>
+            <a:lvl1pPr>
+              <a:defRPr sz="10000">
+                <a:solidFill>
+                  <a:srgbClr val="474748"/>
+                </a:solidFill>
+              </a:defRPr>
+            </a:lvl1pPr>
+          </a:lstStyle>
+          <a:p>
+            <a:r>
+              <a:rPr lang="en-US" sz="9600" dirty="0" smtClean="0">
+                <a:solidFill>
+                  <a:schemeClr val="tx2"/>
+                </a:solidFill>
+              </a:rPr>
+              <a:t>ADO.NET</a:t>
+            </a:r>
+            <a:endParaRPr lang="en-US" sz="9600" dirty="0">
+              <a:solidFill>
+                <a:schemeClr val="tx2"/>
+              </a:solidFill>
+            </a:endParaRPr>
+          </a:p>
+        </p:txBody>
+      </p:sp>
+      <p:sp>
+        <p:nvSpPr>
+          <p:cNvPr id="2" name="Rectangle 1"/>
+          <p:cNvSpPr/>
+          <p:nvPr/>
+        </p:nvSpPr>
+        <p:spPr>
+          <a:xfrm>
+            <a:off x="3510681" y="1042306"/>
+            <a:ext cx="5622052" cy="1200329"/>
+          </a:xfrm>
+          <a:prstGeom prst="rect">
+            <a:avLst/>
+          </a:prstGeom>
+        </p:spPr>
+        <p:txBody>
+          <a:bodyPr wrap="none">
+            <a:spAutoFit/>
+          </a:bodyPr>
+          <a:lstStyle/>
+          <a:p>
+            <a:pPr algn="l"/>
+            <a:r>
+              <a:rPr lang="en-US" sz="7200" dirty="0" smtClean="0">
+                <a:latin typeface="+mn-lt"/>
+                <a:cs typeface="Courier New" panose="02070309020205020404" pitchFamily="49" charset="0"/>
+              </a:rPr>
+              <a:t>Architecture</a:t>
+            </a:r>
+            <a:endParaRPr lang="en-US" sz="7200" dirty="0">
+              <a:latin typeface="+mn-lt"/>
+              <a:cs typeface="Courier New" panose="02070309020205020404" pitchFamily="49" charset="0"/>
+            </a:endParaRPr>
+          </a:p>
+        </p:txBody>
+      </p:sp>
+      <p:sp>
+        <p:nvSpPr>
+          <p:cNvPr id="4" name="TextBox 3"/>
+          <p:cNvSpPr txBox="1"/>
+          <p:nvPr/>
+        </p:nvSpPr>
+        <p:spPr>
+          <a:xfrm>
+            <a:off x="3510681" y="3031467"/>
+            <a:ext cx="8671487" cy="1252265"/>
+          </a:xfrm>
+          <a:prstGeom prst="rect">
+            <a:avLst/>
+          </a:prstGeom>
+          <a:noFill/>
+          <a:ln w="12700" cap="flat">
+            <a:noFill/>
+            <a:miter lim="400000"/>
+          </a:ln>
+          <a:effectLst/>
+          <a:sp3d/>
+        </p:spPr>
+        <p:style>
+          <a:lnRef idx="0">
+            <a:scrgbClr r="0" g="0" b="0"/>
+          </a:lnRef>
+          <a:fillRef idx="0">
+            <a:scrgbClr r="0" g="0" b="0"/>
+          </a:fillRef>
+          <a:effectRef idx="0">
+            <a:scrgbClr r="0" g="0" b="0"/>
+          </a:effectRef>
+          <a:fontRef idx="none"/>
+        </p:style>
+        <p:txBody>
+          <a:bodyPr rot="0" spcFirstLastPara="1" vertOverflow="overflow" horzOverflow="overflow" vert="horz" wrap="square" lIns="71437" tIns="71437" rIns="71437" bIns="71437" numCol="1" spcCol="38100" rtlCol="0" anchor="ctr">
+            <a:spAutoFit/>
+          </a:bodyPr>
+          <a:lstStyle/>
+          <a:p>
+            <a:pPr marL="0" marR="0" indent="0" algn="l" defTabSz="821531" rtl="0" fontAlgn="auto" latinLnBrk="0" hangingPunct="0">
+              <a:lnSpc>
+                <a:spcPct val="100000"/>
+              </a:lnSpc>
+              <a:spcBef>
+                <a:spcPts val="0"/>
+              </a:spcBef>
+              <a:spcAft>
+                <a:spcPts val="0"/>
+              </a:spcAft>
+              <a:buClrTx/>
+              <a:buSzTx/>
+              <a:buFontTx/>
+              <a:buNone/>
+              <a:tabLst/>
+            </a:pPr>
+            <a:r>
+              <a:rPr kumimoji="0" lang="en-US" sz="7200" b="1" i="0" u="none" strike="noStrike" cap="none" spc="0" normalizeH="0" baseline="0" dirty="0" smtClean="0">
+                <a:ln>
+                  <a:noFill/>
+                </a:ln>
+                <a:solidFill>
+                  <a:schemeClr val="accent3">
+                    <a:lumMod val="50000"/>
+                  </a:schemeClr>
+                </a:solidFill>
+                <a:effectLst/>
+                <a:uFillTx/>
+                <a:latin typeface="Calibri" panose="020F0502020204030204" pitchFamily="34" charset="0"/>
+                <a:cs typeface="Calibri" panose="020F0502020204030204" pitchFamily="34" charset="0"/>
+                <a:sym typeface="Helvetica Neue"/>
+              </a:rPr>
+              <a:t>Data Adapter</a:t>
+            </a:r>
+            <a:endParaRPr kumimoji="0" lang="en-US" sz="4500" b="1" i="0" u="none" strike="noStrike" cap="none" spc="0" normalizeH="0" baseline="0" dirty="0">
+              <a:ln>
+                <a:noFill/>
+              </a:ln>
+              <a:solidFill>
+                <a:schemeClr val="accent3">
+                  <a:lumMod val="50000"/>
+                </a:schemeClr>
+              </a:solidFill>
+              <a:effectLst/>
+              <a:uFillTx/>
+              <a:latin typeface="Calibri" panose="020F0502020204030204" pitchFamily="34" charset="0"/>
+              <a:cs typeface="Calibri" panose="020F0502020204030204" pitchFamily="34" charset="0"/>
+              <a:sym typeface="Helvetica Neue"/>
+            </a:endParaRPr>
+          </a:p>
+        </p:txBody>
+      </p:sp>
+      <p:sp>
+        <p:nvSpPr>
+          <p:cNvPr id="3" name="Rectangle 2"/>
+          <p:cNvSpPr/>
+          <p:nvPr/>
+        </p:nvSpPr>
+        <p:spPr>
+          <a:xfrm>
+            <a:off x="6096000" y="6319391"/>
+            <a:ext cx="12192000" cy="784830"/>
+          </a:xfrm>
+          <a:prstGeom prst="rect">
+            <a:avLst/>
+          </a:prstGeom>
+        </p:spPr>
+        <p:txBody>
+          <a:bodyPr>
+            <a:spAutoFit/>
+          </a:bodyPr>
+          <a:lstStyle/>
+          <a:p>
+            <a:pPr algn="l"/>
+            <a:endParaRPr lang="en-US" sz="4500" dirty="0">
+              <a:latin typeface="Calibri" panose="020F0502020204030204" pitchFamily="34" charset="0"/>
+              <a:cs typeface="Calibri" panose="020F0502020204030204" pitchFamily="34" charset="0"/>
+            </a:endParaRPr>
+          </a:p>
+        </p:txBody>
+      </p:sp>
+      <p:sp>
+        <p:nvSpPr>
+          <p:cNvPr id="10" name="Rectangle 9"/>
+          <p:cNvSpPr/>
+          <p:nvPr/>
+        </p:nvSpPr>
+        <p:spPr>
+          <a:xfrm>
+            <a:off x="4231250" y="4725520"/>
+            <a:ext cx="20152750" cy="8217634"/>
+          </a:xfrm>
+          <a:prstGeom prst="rect">
+            <a:avLst/>
+          </a:prstGeom>
+        </p:spPr>
+        <p:txBody>
+          <a:bodyPr wrap="square">
+            <a:spAutoFit/>
+          </a:bodyPr>
+          <a:lstStyle/>
+          <a:p>
+            <a:pPr algn="l">
+              <a:lnSpc>
+                <a:spcPct val="150000"/>
+              </a:lnSpc>
+            </a:pPr>
+            <a:r>
+              <a:rPr lang="en-US" sz="4400" dirty="0" smtClean="0">
+                <a:latin typeface="Calibri" panose="020F0502020204030204" pitchFamily="34" charset="0"/>
+                <a:cs typeface="Calibri" panose="020F0502020204030204" pitchFamily="34" charset="0"/>
+              </a:rPr>
+              <a:t>Methods of Data Adapter</a:t>
+            </a:r>
+            <a:r>
+              <a:rPr lang="en-US" sz="4400" b="0" dirty="0" smtClean="0">
+                <a:latin typeface="Calibri" panose="020F0502020204030204" pitchFamily="34" charset="0"/>
+                <a:cs typeface="Calibri" panose="020F0502020204030204" pitchFamily="34" charset="0"/>
+              </a:rPr>
+              <a:t>:</a:t>
+            </a:r>
+          </a:p>
+          <a:p>
+            <a:pPr marL="571500" indent="-571500" algn="l">
+              <a:lnSpc>
+                <a:spcPct val="150000"/>
+              </a:lnSpc>
+              <a:buFont typeface="Arial" panose="020B0604020202020204" pitchFamily="34" charset="0"/>
+              <a:buChar char="•"/>
+            </a:pPr>
+            <a:r>
+              <a:rPr lang="en-US" sz="4400" dirty="0">
+                <a:latin typeface="Calibri" panose="020F0502020204030204" pitchFamily="34" charset="0"/>
+                <a:cs typeface="Calibri" panose="020F0502020204030204" pitchFamily="34" charset="0"/>
+              </a:rPr>
+              <a:t>Dispose</a:t>
+            </a:r>
+            <a:r>
+              <a:rPr lang="en-US" sz="4400" dirty="0" smtClean="0">
+                <a:latin typeface="Calibri" panose="020F0502020204030204" pitchFamily="34" charset="0"/>
+                <a:cs typeface="Calibri" panose="020F0502020204030204" pitchFamily="34" charset="0"/>
+              </a:rPr>
+              <a:t>(): </a:t>
+            </a:r>
+            <a:r>
+              <a:rPr lang="en-US" sz="4400" b="0" dirty="0" smtClean="0">
+                <a:latin typeface="Calibri" panose="020F0502020204030204" pitchFamily="34" charset="0"/>
+                <a:cs typeface="Calibri" panose="020F0502020204030204" pitchFamily="34" charset="0"/>
+              </a:rPr>
+              <a:t>Releases </a:t>
+            </a:r>
+            <a:r>
+              <a:rPr lang="en-US" sz="4400" b="0" dirty="0">
+                <a:latin typeface="Calibri" panose="020F0502020204030204" pitchFamily="34" charset="0"/>
+                <a:cs typeface="Calibri" panose="020F0502020204030204" pitchFamily="34" charset="0"/>
+              </a:rPr>
+              <a:t>all resources used by the Component</a:t>
+            </a:r>
+            <a:r>
+              <a:rPr lang="en-US" sz="4400" b="0" dirty="0" smtClean="0">
+                <a:latin typeface="Calibri" panose="020F0502020204030204" pitchFamily="34" charset="0"/>
+                <a:cs typeface="Calibri" panose="020F0502020204030204" pitchFamily="34" charset="0"/>
+              </a:rPr>
+              <a:t>.</a:t>
+            </a:r>
+          </a:p>
+          <a:p>
+            <a:pPr marL="571500" indent="-571500" algn="l">
+              <a:lnSpc>
+                <a:spcPct val="150000"/>
+              </a:lnSpc>
+              <a:buFont typeface="Arial" panose="020B0604020202020204" pitchFamily="34" charset="0"/>
+              <a:buChar char="•"/>
+            </a:pPr>
+            <a:r>
+              <a:rPr lang="en-US" sz="4400" dirty="0">
+                <a:latin typeface="Calibri" panose="020F0502020204030204" pitchFamily="34" charset="0"/>
+                <a:cs typeface="Calibri" panose="020F0502020204030204" pitchFamily="34" charset="0"/>
+              </a:rPr>
+              <a:t>Fill(</a:t>
+            </a:r>
+            <a:r>
+              <a:rPr lang="en-US" sz="4400" dirty="0" err="1">
+                <a:latin typeface="Calibri" panose="020F0502020204030204" pitchFamily="34" charset="0"/>
+                <a:cs typeface="Calibri" panose="020F0502020204030204" pitchFamily="34" charset="0"/>
+              </a:rPr>
+              <a:t>DataSet</a:t>
+            </a:r>
+            <a:r>
+              <a:rPr lang="en-US" sz="4400" dirty="0" smtClean="0">
+                <a:latin typeface="Calibri" panose="020F0502020204030204" pitchFamily="34" charset="0"/>
+                <a:cs typeface="Calibri" panose="020F0502020204030204" pitchFamily="34" charset="0"/>
+              </a:rPr>
+              <a:t>)</a:t>
+            </a:r>
+            <a:r>
+              <a:rPr lang="en-US" sz="4400" b="0" dirty="0" smtClean="0">
+                <a:latin typeface="Calibri" panose="020F0502020204030204" pitchFamily="34" charset="0"/>
+                <a:cs typeface="Calibri" panose="020F0502020204030204" pitchFamily="34" charset="0"/>
+              </a:rPr>
+              <a:t>: Adds </a:t>
+            </a:r>
+            <a:r>
+              <a:rPr lang="en-US" sz="4400" b="0" dirty="0">
+                <a:latin typeface="Calibri" panose="020F0502020204030204" pitchFamily="34" charset="0"/>
+                <a:cs typeface="Calibri" panose="020F0502020204030204" pitchFamily="34" charset="0"/>
+              </a:rPr>
+              <a:t>or refreshes rows in the </a:t>
+            </a:r>
+            <a:r>
+              <a:rPr lang="en-US" sz="4400" b="0" dirty="0" err="1">
+                <a:latin typeface="Calibri" panose="020F0502020204030204" pitchFamily="34" charset="0"/>
+                <a:cs typeface="Calibri" panose="020F0502020204030204" pitchFamily="34" charset="0"/>
+              </a:rPr>
+              <a:t>DataSet</a:t>
+            </a:r>
+            <a:r>
+              <a:rPr lang="en-US" sz="4400" b="0" dirty="0">
+                <a:latin typeface="Calibri" panose="020F0502020204030204" pitchFamily="34" charset="0"/>
+                <a:cs typeface="Calibri" panose="020F0502020204030204" pitchFamily="34" charset="0"/>
+              </a:rPr>
+              <a:t> to match those in the data source</a:t>
+            </a:r>
+            <a:r>
+              <a:rPr lang="en-US" sz="4400" b="0" dirty="0" smtClean="0">
+                <a:latin typeface="Calibri" panose="020F0502020204030204" pitchFamily="34" charset="0"/>
+                <a:cs typeface="Calibri" panose="020F0502020204030204" pitchFamily="34" charset="0"/>
+              </a:rPr>
+              <a:t>.</a:t>
+            </a:r>
+          </a:p>
+          <a:p>
+            <a:pPr marL="571500" indent="-571500" algn="l">
+              <a:lnSpc>
+                <a:spcPct val="150000"/>
+              </a:lnSpc>
+              <a:buFont typeface="Arial" panose="020B0604020202020204" pitchFamily="34" charset="0"/>
+              <a:buChar char="•"/>
+            </a:pPr>
+            <a:r>
+              <a:rPr lang="en-US" sz="4400" dirty="0" smtClean="0">
+                <a:latin typeface="Calibri" panose="020F0502020204030204" pitchFamily="34" charset="0"/>
+                <a:cs typeface="Calibri" panose="020F0502020204030204" pitchFamily="34" charset="0"/>
+              </a:rPr>
+              <a:t>Fill(</a:t>
+            </a:r>
+            <a:r>
+              <a:rPr lang="en-US" sz="4400" dirty="0" err="1" smtClean="0">
+                <a:latin typeface="Calibri" panose="020F0502020204030204" pitchFamily="34" charset="0"/>
+                <a:cs typeface="Calibri" panose="020F0502020204030204" pitchFamily="34" charset="0"/>
+              </a:rPr>
+              <a:t>DataTable</a:t>
+            </a:r>
+            <a:r>
+              <a:rPr lang="en-US" sz="4400" dirty="0">
+                <a:latin typeface="Calibri" panose="020F0502020204030204" pitchFamily="34" charset="0"/>
+                <a:cs typeface="Calibri" panose="020F0502020204030204" pitchFamily="34" charset="0"/>
+              </a:rPr>
+              <a:t>): </a:t>
+            </a:r>
+            <a:r>
+              <a:rPr lang="en-US" sz="4400" b="0" dirty="0" smtClean="0">
+                <a:latin typeface="Calibri" panose="020F0502020204030204" pitchFamily="34" charset="0"/>
+                <a:cs typeface="Calibri" panose="020F0502020204030204" pitchFamily="34" charset="0"/>
+              </a:rPr>
+              <a:t>Adds </a:t>
+            </a:r>
+            <a:r>
+              <a:rPr lang="en-US" sz="4400" b="0" dirty="0">
+                <a:latin typeface="Calibri" panose="020F0502020204030204" pitchFamily="34" charset="0"/>
+                <a:cs typeface="Calibri" panose="020F0502020204030204" pitchFamily="34" charset="0"/>
+              </a:rPr>
+              <a:t>or refreshes rows in the </a:t>
+            </a:r>
+            <a:r>
+              <a:rPr lang="en-US" sz="4400" b="0" dirty="0" err="1">
+                <a:latin typeface="Calibri" panose="020F0502020204030204" pitchFamily="34" charset="0"/>
+                <a:cs typeface="Calibri" panose="020F0502020204030204" pitchFamily="34" charset="0"/>
+              </a:rPr>
+              <a:t>DataTable</a:t>
+            </a:r>
+            <a:r>
+              <a:rPr lang="en-US" sz="4400" b="0" dirty="0">
+                <a:latin typeface="Calibri" panose="020F0502020204030204" pitchFamily="34" charset="0"/>
+                <a:cs typeface="Calibri" panose="020F0502020204030204" pitchFamily="34" charset="0"/>
+              </a:rPr>
+              <a:t> to match those in the data source using the </a:t>
+            </a:r>
+            <a:r>
+              <a:rPr lang="en-US" sz="4400" b="0" dirty="0" err="1">
+                <a:latin typeface="Calibri" panose="020F0502020204030204" pitchFamily="34" charset="0"/>
+                <a:cs typeface="Calibri" panose="020F0502020204030204" pitchFamily="34" charset="0"/>
+              </a:rPr>
+              <a:t>DataTable</a:t>
+            </a:r>
+            <a:r>
+              <a:rPr lang="en-US" sz="4400" b="0" dirty="0">
+                <a:latin typeface="Calibri" panose="020F0502020204030204" pitchFamily="34" charset="0"/>
+                <a:cs typeface="Calibri" panose="020F0502020204030204" pitchFamily="34" charset="0"/>
+              </a:rPr>
+              <a:t> </a:t>
+            </a:r>
+            <a:r>
+              <a:rPr lang="en-US" sz="4400" b="0" dirty="0" smtClean="0">
+                <a:latin typeface="Calibri" panose="020F0502020204030204" pitchFamily="34" charset="0"/>
+                <a:cs typeface="Calibri" panose="020F0502020204030204" pitchFamily="34" charset="0"/>
+              </a:rPr>
+              <a:t>name</a:t>
+            </a:r>
+          </a:p>
+          <a:p>
+            <a:pPr marL="571500" indent="-571500" algn="l">
+              <a:lnSpc>
+                <a:spcPct val="150000"/>
+              </a:lnSpc>
+              <a:buFont typeface="Arial" panose="020B0604020202020204" pitchFamily="34" charset="0"/>
+              <a:buChar char="•"/>
+            </a:pPr>
+            <a:r>
+              <a:rPr lang="en-US" sz="4400" dirty="0">
+                <a:latin typeface="Calibri" panose="020F0502020204030204" pitchFamily="34" charset="0"/>
+                <a:cs typeface="Calibri" panose="020F0502020204030204" pitchFamily="34" charset="0"/>
+              </a:rPr>
+              <a:t>Update(</a:t>
+            </a:r>
+            <a:r>
+              <a:rPr lang="en-US" sz="4400" dirty="0" err="1">
+                <a:latin typeface="Calibri" panose="020F0502020204030204" pitchFamily="34" charset="0"/>
+                <a:cs typeface="Calibri" panose="020F0502020204030204" pitchFamily="34" charset="0"/>
+              </a:rPr>
+              <a:t>DataSet</a:t>
+            </a:r>
+            <a:r>
+              <a:rPr lang="en-US" sz="4400" dirty="0" smtClean="0">
+                <a:latin typeface="Calibri" panose="020F0502020204030204" pitchFamily="34" charset="0"/>
+                <a:cs typeface="Calibri" panose="020F0502020204030204" pitchFamily="34" charset="0"/>
+              </a:rPr>
+              <a:t>): </a:t>
+            </a:r>
+            <a:r>
+              <a:rPr lang="en-US" sz="4400" b="0" dirty="0" smtClean="0">
+                <a:latin typeface="Calibri" panose="020F0502020204030204" pitchFamily="34" charset="0"/>
+                <a:cs typeface="Calibri" panose="020F0502020204030204" pitchFamily="34" charset="0"/>
+              </a:rPr>
+              <a:t>Calls </a:t>
+            </a:r>
+            <a:r>
+              <a:rPr lang="en-US" sz="4400" b="0" dirty="0">
+                <a:latin typeface="Calibri" panose="020F0502020204030204" pitchFamily="34" charset="0"/>
+                <a:cs typeface="Calibri" panose="020F0502020204030204" pitchFamily="34" charset="0"/>
+              </a:rPr>
+              <a:t>the respective INSERT, UPDATE, or DELETE statements for each inserted, updated, or deleted row in the specified </a:t>
+            </a:r>
+            <a:r>
+              <a:rPr lang="en-US" sz="4400" b="0" dirty="0" err="1" smtClean="0">
+                <a:latin typeface="Calibri" panose="020F0502020204030204" pitchFamily="34" charset="0"/>
+                <a:cs typeface="Calibri" panose="020F0502020204030204" pitchFamily="34" charset="0"/>
+              </a:rPr>
+              <a:t>DataSet</a:t>
+            </a:r>
+            <a:r>
+              <a:rPr lang="en-US" sz="4400" b="0" dirty="0" smtClean="0">
+                <a:latin typeface="Calibri" panose="020F0502020204030204" pitchFamily="34" charset="0"/>
+                <a:cs typeface="Calibri" panose="020F0502020204030204" pitchFamily="34" charset="0"/>
+              </a:rPr>
+              <a:t>.</a:t>
+            </a:r>
+          </a:p>
+        </p:txBody>
+      </p:sp>
+    </p:spTree>
+    <p:extLst>
+      <p:ext uri="{BB962C8B-B14F-4D97-AF65-F5344CB8AC3E}">
+        <p14:creationId xmlns:p14="http://schemas.microsoft.com/office/powerpoint/2010/main" val="2411812812"/>
+      </p:ext>
+    </p:extLst>
+  </p:cSld>
+  <p:clrMapOvr>
+    <a:masterClrMapping/>
+  </p:clrMapOvr>
+  <p:transition spd="med"/>
+  <p:timing>
+    <p:tnLst>
+      <p:par>
+        <p:cTn id="1" dur="indefinite" restart="never" nodeType="tmRoot"/>
+      </p:par>
+    </p:tnLst>
+  </p:timing>
+</p:sld>
+</file>
+
+<file path=ppt/slides/slide31.xml><?xml version="1.0" encoding="utf-8"?>
+<p:sld xmlns:a="http://schemas.openxmlformats.org/drawingml/2006/main" xmlns:r="http://schemas.openxmlformats.org/officeDocument/2006/relationships" xmlns:p="http://schemas.openxmlformats.org/presentationml/2006/main">
+  <p:cSld>
+    <p:spTree>
+      <p:nvGrpSpPr>
+        <p:cNvPr id="1" name=""/>
+        <p:cNvGrpSpPr/>
+        <p:nvPr/>
+      </p:nvGrpSpPr>
+      <p:grpSpPr>
+        <a:xfrm>
+          <a:off x="0" y="0"/>
+          <a:ext cx="0" cy="0"/>
+          <a:chOff x="0" y="0"/>
+          <a:chExt cx="0" cy="0"/>
+        </a:xfrm>
+      </p:grpSpPr>
+      <p:sp>
+        <p:nvSpPr>
+          <p:cNvPr id="135" name="Line"/>
+          <p:cNvSpPr/>
+          <p:nvPr/>
+        </p:nvSpPr>
+        <p:spPr>
+          <a:xfrm flipV="1">
+            <a:off x="2885566" y="-124865"/>
+            <a:ext cx="1" cy="13965729"/>
+          </a:xfrm>
+          <a:prstGeom prst="line">
+            <a:avLst/>
+          </a:prstGeom>
+          <a:ln w="57150">
+            <a:solidFill>
+              <a:srgbClr val="183E67"/>
+            </a:solidFill>
+            <a:custDash>
+              <a:ds d="600000" sp="600000"/>
+            </a:custDash>
+            <a:miter lim="400000"/>
+          </a:ln>
+        </p:spPr>
+        <p:txBody>
+          <a:bodyPr lIns="71437" tIns="71437" rIns="71437" bIns="71437" anchor="ctr"/>
+          <a:lstStyle/>
+          <a:p>
+            <a:pPr>
+              <a:defRPr sz="3000" b="0">
+                <a:solidFill>
+                  <a:srgbClr val="FFFFFF"/>
+                </a:solidFill>
+                <a:latin typeface="+mn-lt"/>
+                <a:ea typeface="+mn-ea"/>
+                <a:cs typeface="+mn-cs"/>
+                <a:sym typeface="Helvetica Neue Medium"/>
+              </a:defRPr>
+            </a:pPr>
+            <a:endParaRPr/>
+          </a:p>
+        </p:txBody>
+      </p:sp>
+      <p:sp>
+        <p:nvSpPr>
+          <p:cNvPr id="139" name="Line"/>
+          <p:cNvSpPr/>
+          <p:nvPr/>
+        </p:nvSpPr>
+        <p:spPr>
+          <a:xfrm>
+            <a:off x="2885566" y="2266950"/>
+            <a:ext cx="21498434" cy="0"/>
+          </a:xfrm>
+          <a:prstGeom prst="line">
+            <a:avLst/>
+          </a:prstGeom>
+          <a:ln w="25400">
+            <a:solidFill>
+              <a:schemeClr val="accent1">
+                <a:hueOff val="114395"/>
+                <a:lumOff val="-24975"/>
+              </a:schemeClr>
+            </a:solidFill>
+            <a:miter lim="400000"/>
+          </a:ln>
+          <a:effectLst/>
+        </p:spPr>
+        <p:txBody>
+          <a:bodyPr lIns="71437" tIns="71437" rIns="71437" bIns="71437" anchor="ctr"/>
+          <a:lstStyle/>
+          <a:p>
+            <a:pPr>
+              <a:defRPr sz="3000" b="0">
+                <a:solidFill>
+                  <a:srgbClr val="FFFFFF"/>
+                </a:solidFill>
+                <a:latin typeface="+mn-lt"/>
+                <a:ea typeface="+mn-ea"/>
+                <a:cs typeface="+mn-cs"/>
+                <a:sym typeface="Helvetica Neue Medium"/>
+              </a:defRPr>
+            </a:pPr>
+            <a:endParaRPr/>
+          </a:p>
+        </p:txBody>
+      </p:sp>
+      <p:sp>
+        <p:nvSpPr>
+          <p:cNvPr id="8" name="Constructor"/>
+          <p:cNvSpPr txBox="1"/>
+          <p:nvPr/>
+        </p:nvSpPr>
+        <p:spPr>
+          <a:xfrm rot="16200000">
+            <a:off x="-1392467" y="6047202"/>
+            <a:ext cx="5684248" cy="1621597"/>
+          </a:xfrm>
+          <a:prstGeom prst="rect">
+            <a:avLst/>
+          </a:prstGeom>
+          <a:ln w="12700">
+            <a:miter lim="400000"/>
+          </a:ln>
+          <a:extLst>
+            <a:ext uri="{C572A759-6A51-4108-AA02-DFA0A04FC94B}">
+              <ma14:wrappingTextBoxFlag xmlns="" xmlns:m="http://schemas.openxmlformats.org/officeDocument/2006/math" xmlns:a14="http://schemas.microsoft.com/office/drawing/2010/main" xmlns:ma14="http://schemas.microsoft.com/office/mac/drawingml/2011/main" val="1"/>
+            </a:ext>
+          </a:extLst>
+        </p:spPr>
+        <p:txBody>
+          <a:bodyPr wrap="none" lIns="71437" tIns="71437" rIns="71437" bIns="71437" anchor="ctr">
+            <a:spAutoFit/>
+          </a:bodyPr>
+          <a:lstStyle>
+            <a:lvl1pPr>
+              <a:defRPr sz="10000">
+                <a:solidFill>
+                  <a:srgbClr val="474748"/>
+                </a:solidFill>
+              </a:defRPr>
+            </a:lvl1pPr>
+          </a:lstStyle>
+          <a:p>
+            <a:r>
+              <a:rPr lang="en-US" sz="9600" dirty="0" smtClean="0">
+                <a:solidFill>
+                  <a:schemeClr val="tx2"/>
+                </a:solidFill>
+              </a:rPr>
+              <a:t>ADO.NET</a:t>
+            </a:r>
+            <a:endParaRPr lang="en-US" sz="9600" dirty="0">
+              <a:solidFill>
+                <a:schemeClr val="tx2"/>
+              </a:solidFill>
+            </a:endParaRPr>
+          </a:p>
+        </p:txBody>
+      </p:sp>
+      <p:sp>
+        <p:nvSpPr>
+          <p:cNvPr id="2" name="Rectangle 1"/>
+          <p:cNvSpPr/>
+          <p:nvPr/>
+        </p:nvSpPr>
+        <p:spPr>
+          <a:xfrm>
+            <a:off x="3510681" y="1042306"/>
+            <a:ext cx="5622052" cy="1200329"/>
+          </a:xfrm>
+          <a:prstGeom prst="rect">
+            <a:avLst/>
+          </a:prstGeom>
+        </p:spPr>
+        <p:txBody>
+          <a:bodyPr wrap="none">
+            <a:spAutoFit/>
+          </a:bodyPr>
+          <a:lstStyle/>
+          <a:p>
+            <a:pPr algn="l"/>
+            <a:r>
+              <a:rPr lang="en-US" sz="7200" dirty="0" smtClean="0">
+                <a:latin typeface="+mn-lt"/>
+                <a:cs typeface="Courier New" panose="02070309020205020404" pitchFamily="49" charset="0"/>
+              </a:rPr>
+              <a:t>Architecture</a:t>
+            </a:r>
+            <a:endParaRPr lang="en-US" sz="7200" dirty="0">
+              <a:latin typeface="+mn-lt"/>
+              <a:cs typeface="Courier New" panose="02070309020205020404" pitchFamily="49" charset="0"/>
+            </a:endParaRPr>
+          </a:p>
+        </p:txBody>
+      </p:sp>
+      <p:sp>
+        <p:nvSpPr>
+          <p:cNvPr id="4" name="TextBox 3"/>
+          <p:cNvSpPr txBox="1"/>
+          <p:nvPr/>
+        </p:nvSpPr>
+        <p:spPr>
+          <a:xfrm>
+            <a:off x="3510681" y="3031467"/>
+            <a:ext cx="8671487" cy="1252265"/>
+          </a:xfrm>
+          <a:prstGeom prst="rect">
+            <a:avLst/>
+          </a:prstGeom>
+          <a:noFill/>
+          <a:ln w="12700" cap="flat">
+            <a:noFill/>
+            <a:miter lim="400000"/>
+          </a:ln>
+          <a:effectLst/>
+          <a:sp3d/>
+        </p:spPr>
+        <p:style>
+          <a:lnRef idx="0">
+            <a:scrgbClr r="0" g="0" b="0"/>
+          </a:lnRef>
+          <a:fillRef idx="0">
+            <a:scrgbClr r="0" g="0" b="0"/>
+          </a:fillRef>
+          <a:effectRef idx="0">
+            <a:scrgbClr r="0" g="0" b="0"/>
+          </a:effectRef>
+          <a:fontRef idx="none"/>
+        </p:style>
+        <p:txBody>
+          <a:bodyPr rot="0" spcFirstLastPara="1" vertOverflow="overflow" horzOverflow="overflow" vert="horz" wrap="square" lIns="71437" tIns="71437" rIns="71437" bIns="71437" numCol="1" spcCol="38100" rtlCol="0" anchor="ctr">
+            <a:spAutoFit/>
+          </a:bodyPr>
+          <a:lstStyle/>
+          <a:p>
+            <a:pPr marL="0" marR="0" indent="0" algn="l" defTabSz="821531" rtl="0" fontAlgn="auto" latinLnBrk="0" hangingPunct="0">
+              <a:lnSpc>
+                <a:spcPct val="100000"/>
+              </a:lnSpc>
+              <a:spcBef>
+                <a:spcPts val="0"/>
+              </a:spcBef>
+              <a:spcAft>
+                <a:spcPts val="0"/>
+              </a:spcAft>
+              <a:buClrTx/>
+              <a:buSzTx/>
+              <a:buFontTx/>
+              <a:buNone/>
+              <a:tabLst/>
+            </a:pPr>
+            <a:r>
+              <a:rPr kumimoji="0" lang="en-US" sz="7200" b="1" i="0" u="none" strike="noStrike" cap="none" spc="0" normalizeH="0" baseline="0" dirty="0" smtClean="0">
+                <a:ln>
+                  <a:noFill/>
+                </a:ln>
+                <a:solidFill>
+                  <a:schemeClr val="accent3">
+                    <a:lumMod val="50000"/>
+                  </a:schemeClr>
+                </a:solidFill>
+                <a:effectLst/>
+                <a:uFillTx/>
+                <a:latin typeface="Calibri" panose="020F0502020204030204" pitchFamily="34" charset="0"/>
+                <a:cs typeface="Calibri" panose="020F0502020204030204" pitchFamily="34" charset="0"/>
+                <a:sym typeface="Helvetica Neue"/>
+              </a:rPr>
+              <a:t>Data Adapter</a:t>
+            </a:r>
+            <a:endParaRPr kumimoji="0" lang="en-US" sz="4500" b="1" i="0" u="none" strike="noStrike" cap="none" spc="0" normalizeH="0" baseline="0" dirty="0">
+              <a:ln>
+                <a:noFill/>
+              </a:ln>
+              <a:solidFill>
+                <a:schemeClr val="accent3">
+                  <a:lumMod val="50000"/>
+                </a:schemeClr>
+              </a:solidFill>
+              <a:effectLst/>
+              <a:uFillTx/>
+              <a:latin typeface="Calibri" panose="020F0502020204030204" pitchFamily="34" charset="0"/>
+              <a:cs typeface="Calibri" panose="020F0502020204030204" pitchFamily="34" charset="0"/>
+              <a:sym typeface="Helvetica Neue"/>
+            </a:endParaRPr>
+          </a:p>
+        </p:txBody>
+      </p:sp>
+      <p:sp>
+        <p:nvSpPr>
+          <p:cNvPr id="3" name="Rectangle 2"/>
+          <p:cNvSpPr/>
+          <p:nvPr/>
+        </p:nvSpPr>
+        <p:spPr>
+          <a:xfrm>
+            <a:off x="6096000" y="6319391"/>
+            <a:ext cx="12192000" cy="784830"/>
+          </a:xfrm>
+          <a:prstGeom prst="rect">
+            <a:avLst/>
+          </a:prstGeom>
+        </p:spPr>
+        <p:txBody>
+          <a:bodyPr>
+            <a:spAutoFit/>
+          </a:bodyPr>
+          <a:lstStyle/>
+          <a:p>
+            <a:pPr algn="l"/>
+            <a:endParaRPr lang="en-US" sz="4500" dirty="0">
+              <a:latin typeface="Calibri" panose="020F0502020204030204" pitchFamily="34" charset="0"/>
+              <a:cs typeface="Calibri" panose="020F0502020204030204" pitchFamily="34" charset="0"/>
+            </a:endParaRPr>
+          </a:p>
+        </p:txBody>
+      </p:sp>
+      <p:sp>
+        <p:nvSpPr>
+          <p:cNvPr id="6" name="Rectangle 5"/>
+          <p:cNvSpPr/>
+          <p:nvPr/>
+        </p:nvSpPr>
+        <p:spPr>
+          <a:xfrm>
+            <a:off x="3510677" y="4509058"/>
+            <a:ext cx="17866659" cy="8217634"/>
+          </a:xfrm>
+          <a:prstGeom prst="rect">
+            <a:avLst/>
+          </a:prstGeom>
+        </p:spPr>
+        <p:txBody>
+          <a:bodyPr wrap="square">
+            <a:spAutoFit/>
+          </a:bodyPr>
+          <a:lstStyle/>
+          <a:p>
+            <a:pPr algn="l">
+              <a:lnSpc>
+                <a:spcPct val="150000"/>
+              </a:lnSpc>
+            </a:pPr>
+            <a:r>
+              <a:rPr lang="en-US" sz="4400" b="0" dirty="0" err="1" smtClean="0">
+                <a:latin typeface="Consolas" panose="020B0609020204030204" pitchFamily="49" charset="0"/>
+              </a:rPr>
+              <a:t>SqlCommand</a:t>
+            </a:r>
+            <a:r>
+              <a:rPr lang="en-US" sz="4400" b="0" dirty="0" smtClean="0">
+                <a:latin typeface="Consolas" panose="020B0609020204030204" pitchFamily="49" charset="0"/>
+              </a:rPr>
+              <a:t> </a:t>
+            </a:r>
+            <a:r>
+              <a:rPr lang="en-US" sz="4400" b="0" dirty="0" err="1">
+                <a:latin typeface="Consolas" panose="020B0609020204030204" pitchFamily="49" charset="0"/>
+              </a:rPr>
+              <a:t>cmd</a:t>
+            </a:r>
+            <a:r>
+              <a:rPr lang="en-US" sz="4400" b="0" dirty="0">
+                <a:latin typeface="Consolas" panose="020B0609020204030204" pitchFamily="49" charset="0"/>
+              </a:rPr>
+              <a:t> = </a:t>
+            </a:r>
+            <a:r>
+              <a:rPr lang="en-US" sz="4400" b="0" dirty="0">
+                <a:solidFill>
+                  <a:srgbClr val="0000FF"/>
+                </a:solidFill>
+                <a:latin typeface="Consolas" panose="020B0609020204030204" pitchFamily="49" charset="0"/>
+              </a:rPr>
+              <a:t>new</a:t>
+            </a:r>
+            <a:r>
+              <a:rPr lang="en-US" sz="4400" b="0" dirty="0">
+                <a:latin typeface="Consolas" panose="020B0609020204030204" pitchFamily="49" charset="0"/>
+              </a:rPr>
+              <a:t> </a:t>
+            </a:r>
+            <a:r>
+              <a:rPr lang="en-US" sz="4400" b="0" dirty="0" err="1">
+                <a:latin typeface="Consolas" panose="020B0609020204030204" pitchFamily="49" charset="0"/>
+              </a:rPr>
+              <a:t>SqlCommand</a:t>
+            </a:r>
+            <a:r>
+              <a:rPr lang="en-US" sz="4400" b="0" dirty="0">
+                <a:latin typeface="Consolas" panose="020B0609020204030204" pitchFamily="49" charset="0"/>
+              </a:rPr>
+              <a:t>();</a:t>
+            </a:r>
+          </a:p>
+          <a:p>
+            <a:pPr algn="l">
+              <a:lnSpc>
+                <a:spcPct val="150000"/>
+              </a:lnSpc>
+            </a:pPr>
+            <a:r>
+              <a:rPr lang="en-US" sz="4400" b="0" dirty="0" err="1" smtClean="0">
+                <a:latin typeface="Consolas" panose="020B0609020204030204" pitchFamily="49" charset="0"/>
+              </a:rPr>
+              <a:t>cmd.Connection</a:t>
+            </a:r>
+            <a:r>
+              <a:rPr lang="en-US" sz="4400" b="0" dirty="0" smtClean="0">
+                <a:latin typeface="Consolas" panose="020B0609020204030204" pitchFamily="49" charset="0"/>
+              </a:rPr>
+              <a:t> </a:t>
+            </a:r>
+            <a:r>
+              <a:rPr lang="en-US" sz="4400" b="0" dirty="0">
+                <a:latin typeface="Consolas" panose="020B0609020204030204" pitchFamily="49" charset="0"/>
+              </a:rPr>
+              <a:t>= conn;</a:t>
+            </a:r>
+          </a:p>
+          <a:p>
+            <a:pPr algn="l">
+              <a:lnSpc>
+                <a:spcPct val="150000"/>
+              </a:lnSpc>
+            </a:pPr>
+            <a:r>
+              <a:rPr lang="en-US" sz="4400" b="0" dirty="0" err="1" smtClean="0">
+                <a:latin typeface="Consolas" panose="020B0609020204030204" pitchFamily="49" charset="0"/>
+              </a:rPr>
+              <a:t>cmd.CommandText</a:t>
+            </a:r>
+            <a:r>
+              <a:rPr lang="en-US" sz="4400" b="0" dirty="0" smtClean="0">
+                <a:latin typeface="Consolas" panose="020B0609020204030204" pitchFamily="49" charset="0"/>
+              </a:rPr>
+              <a:t> </a:t>
+            </a:r>
+            <a:r>
+              <a:rPr lang="en-US" sz="4400" b="0" dirty="0">
+                <a:latin typeface="Consolas" panose="020B0609020204030204" pitchFamily="49" charset="0"/>
+              </a:rPr>
+              <a:t>= </a:t>
+            </a:r>
+            <a:r>
+              <a:rPr lang="en-US" sz="4400" b="0" dirty="0">
+                <a:solidFill>
+                  <a:srgbClr val="A31515"/>
+                </a:solidFill>
+                <a:latin typeface="Consolas" panose="020B0609020204030204" pitchFamily="49" charset="0"/>
+              </a:rPr>
+              <a:t>"Select * from </a:t>
+            </a:r>
+            <a:r>
+              <a:rPr lang="en-US" sz="4400" b="0" dirty="0" err="1">
+                <a:solidFill>
+                  <a:srgbClr val="A31515"/>
+                </a:solidFill>
+                <a:latin typeface="Consolas" panose="020B0609020204030204" pitchFamily="49" charset="0"/>
+              </a:rPr>
+              <a:t>tblBranch</a:t>
+            </a:r>
+            <a:r>
+              <a:rPr lang="en-US" sz="4400" b="0" dirty="0">
+                <a:solidFill>
+                  <a:srgbClr val="A31515"/>
+                </a:solidFill>
+                <a:latin typeface="Consolas" panose="020B0609020204030204" pitchFamily="49" charset="0"/>
+              </a:rPr>
+              <a:t>"</a:t>
+            </a:r>
+            <a:r>
+              <a:rPr lang="en-US" sz="4400" b="0" dirty="0">
+                <a:latin typeface="Consolas" panose="020B0609020204030204" pitchFamily="49" charset="0"/>
+              </a:rPr>
+              <a:t>;</a:t>
+            </a:r>
+          </a:p>
+          <a:p>
+            <a:pPr algn="l">
+              <a:lnSpc>
+                <a:spcPct val="150000"/>
+              </a:lnSpc>
+            </a:pPr>
+            <a:r>
+              <a:rPr lang="en-US" sz="4400" b="0" dirty="0" err="1" smtClean="0">
+                <a:latin typeface="Consolas" panose="020B0609020204030204" pitchFamily="49" charset="0"/>
+              </a:rPr>
+              <a:t>cmd.CommandType</a:t>
+            </a:r>
+            <a:r>
+              <a:rPr lang="en-US" sz="4400" b="0" dirty="0" smtClean="0">
+                <a:latin typeface="Consolas" panose="020B0609020204030204" pitchFamily="49" charset="0"/>
+              </a:rPr>
+              <a:t> </a:t>
+            </a:r>
+            <a:r>
+              <a:rPr lang="en-US" sz="4400" b="0" dirty="0">
+                <a:latin typeface="Consolas" panose="020B0609020204030204" pitchFamily="49" charset="0"/>
+              </a:rPr>
+              <a:t>= </a:t>
+            </a:r>
+            <a:r>
+              <a:rPr lang="en-US" sz="4400" b="0" dirty="0" err="1">
+                <a:latin typeface="Consolas" panose="020B0609020204030204" pitchFamily="49" charset="0"/>
+              </a:rPr>
+              <a:t>CommandType.Text</a:t>
+            </a:r>
+            <a:r>
+              <a:rPr lang="en-US" sz="4400" b="0" dirty="0" smtClean="0">
+                <a:latin typeface="Consolas" panose="020B0609020204030204" pitchFamily="49" charset="0"/>
+              </a:rPr>
+              <a:t>;</a:t>
+            </a:r>
+          </a:p>
+          <a:p>
+            <a:pPr algn="l">
+              <a:lnSpc>
+                <a:spcPct val="150000"/>
+              </a:lnSpc>
+            </a:pPr>
+            <a:r>
+              <a:rPr lang="en-US" sz="4400" b="0" dirty="0" err="1" smtClean="0">
+                <a:latin typeface="Consolas" panose="020B0609020204030204" pitchFamily="49" charset="0"/>
+              </a:rPr>
+              <a:t>conn.Open</a:t>
+            </a:r>
+            <a:r>
+              <a:rPr lang="en-US" sz="4400" b="0" dirty="0" smtClean="0">
+                <a:latin typeface="Consolas" panose="020B0609020204030204" pitchFamily="49" charset="0"/>
+              </a:rPr>
+              <a:t>();</a:t>
+            </a:r>
+          </a:p>
+          <a:p>
+            <a:pPr algn="l">
+              <a:lnSpc>
+                <a:spcPct val="150000"/>
+              </a:lnSpc>
+            </a:pPr>
+            <a:r>
+              <a:rPr lang="en-US" sz="4400" b="0" dirty="0" err="1" smtClean="0">
+                <a:latin typeface="Consolas" panose="020B0609020204030204" pitchFamily="49" charset="0"/>
+              </a:rPr>
+              <a:t>SqlDataAdapter</a:t>
+            </a:r>
+            <a:r>
+              <a:rPr lang="en-US" sz="4400" b="0" dirty="0" smtClean="0">
+                <a:latin typeface="Consolas" panose="020B0609020204030204" pitchFamily="49" charset="0"/>
+              </a:rPr>
+              <a:t> </a:t>
+            </a:r>
+            <a:r>
+              <a:rPr lang="en-US" sz="4400" b="0" dirty="0">
+                <a:latin typeface="Consolas" panose="020B0609020204030204" pitchFamily="49" charset="0"/>
+              </a:rPr>
+              <a:t>adapter = </a:t>
+            </a:r>
+            <a:r>
+              <a:rPr lang="en-US" sz="4400" b="0" dirty="0">
+                <a:solidFill>
+                  <a:srgbClr val="0000FF"/>
+                </a:solidFill>
+                <a:latin typeface="Consolas" panose="020B0609020204030204" pitchFamily="49" charset="0"/>
+              </a:rPr>
+              <a:t>new</a:t>
+            </a:r>
+            <a:r>
+              <a:rPr lang="en-US" sz="4400" b="0" dirty="0">
+                <a:latin typeface="Consolas" panose="020B0609020204030204" pitchFamily="49" charset="0"/>
+              </a:rPr>
+              <a:t> </a:t>
+            </a:r>
+            <a:r>
+              <a:rPr lang="en-US" sz="4400" b="0" dirty="0" err="1">
+                <a:latin typeface="Consolas" panose="020B0609020204030204" pitchFamily="49" charset="0"/>
+              </a:rPr>
+              <a:t>SqlDataAdapter</a:t>
+            </a:r>
+            <a:r>
+              <a:rPr lang="en-US" sz="4400" b="0" dirty="0">
+                <a:latin typeface="Consolas" panose="020B0609020204030204" pitchFamily="49" charset="0"/>
+              </a:rPr>
+              <a:t>(</a:t>
+            </a:r>
+            <a:r>
+              <a:rPr lang="en-US" sz="4400" b="0" dirty="0" err="1">
+                <a:latin typeface="Consolas" panose="020B0609020204030204" pitchFamily="49" charset="0"/>
+              </a:rPr>
+              <a:t>cmd</a:t>
+            </a:r>
+            <a:r>
+              <a:rPr lang="en-US" sz="4400" b="0" dirty="0">
+                <a:latin typeface="Consolas" panose="020B0609020204030204" pitchFamily="49" charset="0"/>
+              </a:rPr>
+              <a:t>);</a:t>
+            </a:r>
+          </a:p>
+          <a:p>
+            <a:pPr algn="l">
+              <a:lnSpc>
+                <a:spcPct val="150000"/>
+              </a:lnSpc>
+            </a:pPr>
+            <a:r>
+              <a:rPr lang="en-US" sz="4400" b="0" dirty="0" err="1" smtClean="0">
+                <a:latin typeface="Consolas" panose="020B0609020204030204" pitchFamily="49" charset="0"/>
+              </a:rPr>
+              <a:t>DataSet</a:t>
+            </a:r>
+            <a:r>
+              <a:rPr lang="en-US" sz="4400" b="0" dirty="0" smtClean="0">
+                <a:latin typeface="Consolas" panose="020B0609020204030204" pitchFamily="49" charset="0"/>
+              </a:rPr>
+              <a:t> </a:t>
+            </a:r>
+            <a:r>
+              <a:rPr lang="en-US" sz="4400" b="0" dirty="0">
+                <a:latin typeface="Consolas" panose="020B0609020204030204" pitchFamily="49" charset="0"/>
+              </a:rPr>
+              <a:t>ds = </a:t>
+            </a:r>
+            <a:r>
+              <a:rPr lang="en-US" sz="4400" b="0" dirty="0">
+                <a:solidFill>
+                  <a:srgbClr val="0000FF"/>
+                </a:solidFill>
+                <a:latin typeface="Consolas" panose="020B0609020204030204" pitchFamily="49" charset="0"/>
+              </a:rPr>
+              <a:t>new</a:t>
+            </a:r>
+            <a:r>
+              <a:rPr lang="en-US" sz="4400" b="0" dirty="0">
+                <a:latin typeface="Consolas" panose="020B0609020204030204" pitchFamily="49" charset="0"/>
+              </a:rPr>
+              <a:t> </a:t>
+            </a:r>
+            <a:r>
+              <a:rPr lang="en-US" sz="4400" b="0" dirty="0" err="1">
+                <a:latin typeface="Consolas" panose="020B0609020204030204" pitchFamily="49" charset="0"/>
+              </a:rPr>
+              <a:t>DataSet</a:t>
+            </a:r>
+            <a:r>
+              <a:rPr lang="en-US" sz="4400" b="0" dirty="0">
+                <a:latin typeface="Consolas" panose="020B0609020204030204" pitchFamily="49" charset="0"/>
+              </a:rPr>
+              <a:t>();</a:t>
+            </a:r>
+          </a:p>
+          <a:p>
+            <a:pPr algn="l">
+              <a:lnSpc>
+                <a:spcPct val="150000"/>
+              </a:lnSpc>
+            </a:pPr>
+            <a:r>
+              <a:rPr lang="en-US" sz="4400" b="0" dirty="0" err="1" smtClean="0">
+                <a:latin typeface="Consolas" panose="020B0609020204030204" pitchFamily="49" charset="0"/>
+              </a:rPr>
+              <a:t>adapter.Fill</a:t>
+            </a:r>
+            <a:r>
+              <a:rPr lang="en-US" sz="4400" b="0" dirty="0" smtClean="0">
+                <a:latin typeface="Consolas" panose="020B0609020204030204" pitchFamily="49" charset="0"/>
+              </a:rPr>
+              <a:t>(ds</a:t>
+            </a:r>
+            <a:r>
+              <a:rPr lang="en-US" sz="4400" b="0" dirty="0">
+                <a:latin typeface="Consolas" panose="020B0609020204030204" pitchFamily="49" charset="0"/>
+              </a:rPr>
+              <a:t>);</a:t>
+            </a:r>
+            <a:endParaRPr lang="en-US" sz="16600" b="0" dirty="0"/>
+          </a:p>
+        </p:txBody>
+      </p:sp>
+    </p:spTree>
+    <p:extLst>
+      <p:ext uri="{BB962C8B-B14F-4D97-AF65-F5344CB8AC3E}">
+        <p14:creationId xmlns:p14="http://schemas.microsoft.com/office/powerpoint/2010/main" val="1363103999"/>
+      </p:ext>
+    </p:extLst>
+  </p:cSld>
+  <p:clrMapOvr>
+    <a:masterClrMapping/>
+  </p:clrMapOvr>
+  <p:transition spd="med"/>
+  <p:timing>
+    <p:tnLst>
+      <p:par>
+        <p:cTn id="1" dur="indefinite" restart="never" nodeType="tmRoot"/>
+      </p:par>
+    </p:tnLst>
+  </p:timing>
+</p:sld>
+</file>
+
+<file path=ppt/slides/slide32.xml><?xml version="1.0" encoding="utf-8"?>
+<p:sld xmlns:a="http://schemas.openxmlformats.org/drawingml/2006/main" xmlns:r="http://schemas.openxmlformats.org/officeDocument/2006/relationships" xmlns:p="http://schemas.openxmlformats.org/presentationml/2006/main">
+  <p:cSld>
+    <p:spTree>
+      <p:nvGrpSpPr>
+        <p:cNvPr id="1" name=""/>
+        <p:cNvGrpSpPr/>
+        <p:nvPr/>
+      </p:nvGrpSpPr>
+      <p:grpSpPr>
+        <a:xfrm>
+          <a:off x="0" y="0"/>
+          <a:ext cx="0" cy="0"/>
+          <a:chOff x="0" y="0"/>
+          <a:chExt cx="0" cy="0"/>
+        </a:xfrm>
+      </p:grpSpPr>
+      <p:sp>
+        <p:nvSpPr>
+          <p:cNvPr id="135" name="Line"/>
+          <p:cNvSpPr/>
+          <p:nvPr/>
+        </p:nvSpPr>
+        <p:spPr>
+          <a:xfrm flipV="1">
+            <a:off x="2885566" y="-124865"/>
+            <a:ext cx="1" cy="13965729"/>
+          </a:xfrm>
+          <a:prstGeom prst="line">
+            <a:avLst/>
+          </a:prstGeom>
+          <a:ln w="57150">
+            <a:solidFill>
+              <a:srgbClr val="183E67"/>
+            </a:solidFill>
+            <a:custDash>
+              <a:ds d="600000" sp="600000"/>
+            </a:custDash>
+            <a:miter lim="400000"/>
+          </a:ln>
+        </p:spPr>
+        <p:txBody>
+          <a:bodyPr lIns="71437" tIns="71437" rIns="71437" bIns="71437" anchor="ctr"/>
+          <a:lstStyle/>
+          <a:p>
+            <a:pPr>
+              <a:defRPr sz="3000" b="0">
+                <a:solidFill>
+                  <a:srgbClr val="FFFFFF"/>
+                </a:solidFill>
+                <a:latin typeface="+mn-lt"/>
+                <a:ea typeface="+mn-ea"/>
+                <a:cs typeface="+mn-cs"/>
+                <a:sym typeface="Helvetica Neue Medium"/>
+              </a:defRPr>
+            </a:pPr>
+            <a:endParaRPr/>
+          </a:p>
+        </p:txBody>
+      </p:sp>
+      <p:sp>
+        <p:nvSpPr>
+          <p:cNvPr id="139" name="Line"/>
+          <p:cNvSpPr/>
+          <p:nvPr/>
+        </p:nvSpPr>
+        <p:spPr>
+          <a:xfrm>
+            <a:off x="2885566" y="2266950"/>
+            <a:ext cx="21498434" cy="0"/>
+          </a:xfrm>
+          <a:prstGeom prst="line">
+            <a:avLst/>
+          </a:prstGeom>
+          <a:ln w="25400">
+            <a:solidFill>
+              <a:schemeClr val="accent1">
+                <a:hueOff val="114395"/>
+                <a:lumOff val="-24975"/>
+              </a:schemeClr>
+            </a:solidFill>
+            <a:miter lim="400000"/>
+          </a:ln>
+          <a:effectLst/>
+        </p:spPr>
+        <p:txBody>
+          <a:bodyPr lIns="71437" tIns="71437" rIns="71437" bIns="71437" anchor="ctr"/>
+          <a:lstStyle/>
+          <a:p>
+            <a:pPr>
+              <a:defRPr sz="3000" b="0">
+                <a:solidFill>
+                  <a:srgbClr val="FFFFFF"/>
+                </a:solidFill>
+                <a:latin typeface="+mn-lt"/>
+                <a:ea typeface="+mn-ea"/>
+                <a:cs typeface="+mn-cs"/>
+                <a:sym typeface="Helvetica Neue Medium"/>
+              </a:defRPr>
+            </a:pPr>
+            <a:endParaRPr/>
+          </a:p>
+        </p:txBody>
+      </p:sp>
+      <p:sp>
+        <p:nvSpPr>
+          <p:cNvPr id="8" name="Constructor"/>
+          <p:cNvSpPr txBox="1"/>
+          <p:nvPr/>
+        </p:nvSpPr>
+        <p:spPr>
+          <a:xfrm rot="16200000">
+            <a:off x="-1392467" y="6047202"/>
+            <a:ext cx="5684248" cy="1621597"/>
+          </a:xfrm>
+          <a:prstGeom prst="rect">
+            <a:avLst/>
+          </a:prstGeom>
+          <a:ln w="12700">
+            <a:miter lim="400000"/>
+          </a:ln>
+          <a:extLst>
+            <a:ext uri="{C572A759-6A51-4108-AA02-DFA0A04FC94B}">
+              <ma14:wrappingTextBoxFlag xmlns="" xmlns:m="http://schemas.openxmlformats.org/officeDocument/2006/math" xmlns:a14="http://schemas.microsoft.com/office/drawing/2010/main" xmlns:ma14="http://schemas.microsoft.com/office/mac/drawingml/2011/main" val="1"/>
+            </a:ext>
+          </a:extLst>
+        </p:spPr>
+        <p:txBody>
+          <a:bodyPr wrap="none" lIns="71437" tIns="71437" rIns="71437" bIns="71437" anchor="ctr">
+            <a:spAutoFit/>
+          </a:bodyPr>
+          <a:lstStyle>
+            <a:lvl1pPr>
+              <a:defRPr sz="10000">
+                <a:solidFill>
+                  <a:srgbClr val="474748"/>
+                </a:solidFill>
+              </a:defRPr>
+            </a:lvl1pPr>
+          </a:lstStyle>
+          <a:p>
+            <a:r>
+              <a:rPr lang="en-US" sz="9600" dirty="0" smtClean="0">
+                <a:solidFill>
+                  <a:schemeClr val="tx2"/>
+                </a:solidFill>
+              </a:rPr>
+              <a:t>ADO.NET</a:t>
+            </a:r>
+            <a:endParaRPr lang="en-US" sz="9600" dirty="0">
+              <a:solidFill>
+                <a:schemeClr val="tx2"/>
+              </a:solidFill>
+            </a:endParaRPr>
+          </a:p>
+        </p:txBody>
+      </p:sp>
+      <p:sp>
+        <p:nvSpPr>
+          <p:cNvPr id="2" name="Rectangle 1"/>
+          <p:cNvSpPr/>
+          <p:nvPr/>
+        </p:nvSpPr>
+        <p:spPr>
+          <a:xfrm>
+            <a:off x="3510681" y="1042306"/>
+            <a:ext cx="5622052" cy="1200329"/>
+          </a:xfrm>
+          <a:prstGeom prst="rect">
+            <a:avLst/>
+          </a:prstGeom>
+        </p:spPr>
+        <p:txBody>
+          <a:bodyPr wrap="none">
+            <a:spAutoFit/>
+          </a:bodyPr>
+          <a:lstStyle/>
+          <a:p>
+            <a:pPr algn="l"/>
+            <a:r>
+              <a:rPr lang="en-US" sz="7200" dirty="0" smtClean="0">
+                <a:latin typeface="+mn-lt"/>
+                <a:cs typeface="Courier New" panose="02070309020205020404" pitchFamily="49" charset="0"/>
+              </a:rPr>
+              <a:t>Architecture</a:t>
+            </a:r>
+            <a:endParaRPr lang="en-US" sz="7200" dirty="0">
+              <a:latin typeface="+mn-lt"/>
+              <a:cs typeface="Courier New" panose="02070309020205020404" pitchFamily="49" charset="0"/>
+            </a:endParaRPr>
+          </a:p>
+        </p:txBody>
+      </p:sp>
+      <p:sp>
+        <p:nvSpPr>
+          <p:cNvPr id="4" name="TextBox 3"/>
+          <p:cNvSpPr txBox="1"/>
+          <p:nvPr/>
+        </p:nvSpPr>
+        <p:spPr>
+          <a:xfrm>
+            <a:off x="3510681" y="3031467"/>
+            <a:ext cx="8671487" cy="1252265"/>
+          </a:xfrm>
+          <a:prstGeom prst="rect">
+            <a:avLst/>
+          </a:prstGeom>
+          <a:noFill/>
+          <a:ln w="12700" cap="flat">
+            <a:noFill/>
+            <a:miter lim="400000"/>
+          </a:ln>
+          <a:effectLst/>
+          <a:sp3d/>
+        </p:spPr>
+        <p:style>
+          <a:lnRef idx="0">
+            <a:scrgbClr r="0" g="0" b="0"/>
+          </a:lnRef>
+          <a:fillRef idx="0">
+            <a:scrgbClr r="0" g="0" b="0"/>
+          </a:fillRef>
+          <a:effectRef idx="0">
+            <a:scrgbClr r="0" g="0" b="0"/>
+          </a:effectRef>
+          <a:fontRef idx="none"/>
+        </p:style>
+        <p:txBody>
+          <a:bodyPr rot="0" spcFirstLastPara="1" vertOverflow="overflow" horzOverflow="overflow" vert="horz" wrap="square" lIns="71437" tIns="71437" rIns="71437" bIns="71437" numCol="1" spcCol="38100" rtlCol="0" anchor="ctr">
+            <a:spAutoFit/>
+          </a:bodyPr>
+          <a:lstStyle/>
+          <a:p>
+            <a:pPr marL="0" marR="0" indent="0" algn="l" defTabSz="821531" rtl="0" fontAlgn="auto" latinLnBrk="0" hangingPunct="0">
+              <a:lnSpc>
+                <a:spcPct val="100000"/>
+              </a:lnSpc>
+              <a:spcBef>
+                <a:spcPts val="0"/>
+              </a:spcBef>
+              <a:spcAft>
+                <a:spcPts val="0"/>
+              </a:spcAft>
+              <a:buClrTx/>
+              <a:buSzTx/>
+              <a:buFontTx/>
+              <a:buNone/>
+              <a:tabLst/>
+            </a:pPr>
+            <a:r>
+              <a:rPr kumimoji="0" lang="en-US" sz="7200" b="1" i="0" u="none" strike="noStrike" cap="none" spc="0" normalizeH="0" baseline="0" dirty="0" smtClean="0">
+                <a:ln>
+                  <a:noFill/>
+                </a:ln>
+                <a:solidFill>
+                  <a:schemeClr val="accent3">
+                    <a:lumMod val="50000"/>
+                  </a:schemeClr>
+                </a:solidFill>
+                <a:effectLst/>
+                <a:uFillTx/>
+                <a:latin typeface="Calibri" panose="020F0502020204030204" pitchFamily="34" charset="0"/>
+                <a:cs typeface="Calibri" panose="020F0502020204030204" pitchFamily="34" charset="0"/>
+                <a:sym typeface="Helvetica Neue"/>
+              </a:rPr>
+              <a:t>Data Set</a:t>
+            </a:r>
+            <a:endParaRPr kumimoji="0" lang="en-US" sz="4500" b="1" i="0" u="none" strike="noStrike" cap="none" spc="0" normalizeH="0" baseline="0" dirty="0">
+              <a:ln>
+                <a:noFill/>
+              </a:ln>
+              <a:solidFill>
+                <a:schemeClr val="accent3">
+                  <a:lumMod val="50000"/>
+                </a:schemeClr>
+              </a:solidFill>
+              <a:effectLst/>
+              <a:uFillTx/>
+              <a:latin typeface="Calibri" panose="020F0502020204030204" pitchFamily="34" charset="0"/>
+              <a:cs typeface="Calibri" panose="020F0502020204030204" pitchFamily="34" charset="0"/>
+              <a:sym typeface="Helvetica Neue"/>
+            </a:endParaRPr>
+          </a:p>
+        </p:txBody>
+      </p:sp>
+      <p:sp>
+        <p:nvSpPr>
+          <p:cNvPr id="3" name="Rectangle 2"/>
+          <p:cNvSpPr/>
+          <p:nvPr/>
+        </p:nvSpPr>
+        <p:spPr>
+          <a:xfrm>
+            <a:off x="6096000" y="6319391"/>
+            <a:ext cx="12192000" cy="784830"/>
+          </a:xfrm>
+          <a:prstGeom prst="rect">
+            <a:avLst/>
+          </a:prstGeom>
+        </p:spPr>
+        <p:txBody>
+          <a:bodyPr>
+            <a:spAutoFit/>
+          </a:bodyPr>
+          <a:lstStyle/>
+          <a:p>
+            <a:pPr algn="l"/>
+            <a:endParaRPr lang="en-US" sz="4500" dirty="0">
+              <a:latin typeface="Calibri" panose="020F0502020204030204" pitchFamily="34" charset="0"/>
+              <a:cs typeface="Calibri" panose="020F0502020204030204" pitchFamily="34" charset="0"/>
+            </a:endParaRPr>
+          </a:p>
+        </p:txBody>
+      </p:sp>
+      <p:sp>
+        <p:nvSpPr>
+          <p:cNvPr id="6" name="Rectangle 5"/>
+          <p:cNvSpPr/>
+          <p:nvPr/>
+        </p:nvSpPr>
+        <p:spPr>
+          <a:xfrm>
+            <a:off x="3510677" y="4509058"/>
+            <a:ext cx="20873323" cy="7571303"/>
+          </a:xfrm>
+          <a:prstGeom prst="rect">
+            <a:avLst/>
+          </a:prstGeom>
+        </p:spPr>
+        <p:txBody>
+          <a:bodyPr wrap="square">
+            <a:spAutoFit/>
+          </a:bodyPr>
+          <a:lstStyle/>
+          <a:p>
+            <a:pPr marL="571500" indent="-571500" algn="l">
+              <a:lnSpc>
+                <a:spcPct val="150000"/>
+              </a:lnSpc>
+              <a:buFont typeface="Arial" panose="020B0604020202020204" pitchFamily="34" charset="0"/>
+              <a:buChar char="•"/>
+            </a:pPr>
+            <a:r>
+              <a:rPr lang="en-US" sz="3600" b="0" dirty="0"/>
+              <a:t>The </a:t>
+            </a:r>
+            <a:r>
+              <a:rPr lang="en-US" sz="3600" b="0" dirty="0" err="1"/>
+              <a:t>DataSet</a:t>
+            </a:r>
+            <a:r>
+              <a:rPr lang="en-US" sz="3600" b="0" dirty="0"/>
+              <a:t>, which is an </a:t>
+            </a:r>
+            <a:r>
+              <a:rPr lang="en-US" sz="3600" dirty="0"/>
+              <a:t>in-memory cache </a:t>
+            </a:r>
+            <a:r>
+              <a:rPr lang="en-US" sz="3600" b="0" dirty="0"/>
+              <a:t>of data retrieved from a data source, is a major component of the ADO.NET architecture. </a:t>
+            </a:r>
+            <a:endParaRPr lang="en-US" sz="3600" b="0" dirty="0" smtClean="0"/>
+          </a:p>
+          <a:p>
+            <a:pPr marL="571500" indent="-571500" algn="l">
+              <a:lnSpc>
+                <a:spcPct val="150000"/>
+              </a:lnSpc>
+              <a:buFont typeface="Arial" panose="020B0604020202020204" pitchFamily="34" charset="0"/>
+              <a:buChar char="•"/>
+            </a:pPr>
+            <a:r>
+              <a:rPr lang="en-US" sz="3600" b="0" dirty="0" smtClean="0"/>
+              <a:t>The </a:t>
+            </a:r>
+            <a:r>
+              <a:rPr lang="en-US" sz="3600" b="0" dirty="0" err="1"/>
+              <a:t>DataSet</a:t>
+            </a:r>
+            <a:r>
+              <a:rPr lang="en-US" sz="3600" b="0" dirty="0"/>
+              <a:t> consists of </a:t>
+            </a:r>
+            <a:r>
+              <a:rPr lang="en-US" sz="3600" dirty="0"/>
+              <a:t>a collection of </a:t>
+            </a:r>
+            <a:r>
+              <a:rPr lang="en-US" sz="3600" dirty="0" err="1"/>
+              <a:t>DataTable</a:t>
+            </a:r>
+            <a:r>
+              <a:rPr lang="en-US" sz="3600" dirty="0"/>
+              <a:t> </a:t>
+            </a:r>
+            <a:r>
+              <a:rPr lang="en-US" sz="3600" b="0" dirty="0"/>
+              <a:t>objects that you can relate to each other with </a:t>
+            </a:r>
+            <a:r>
+              <a:rPr lang="en-US" sz="3600" b="0" dirty="0" err="1"/>
+              <a:t>DataRelation</a:t>
+            </a:r>
+            <a:r>
+              <a:rPr lang="en-US" sz="3600" b="0" dirty="0"/>
+              <a:t> objects. </a:t>
+            </a:r>
+            <a:endParaRPr lang="en-US" sz="3600" b="0" dirty="0" smtClean="0"/>
+          </a:p>
+          <a:p>
+            <a:pPr marL="571500" indent="-571500" algn="l">
+              <a:lnSpc>
+                <a:spcPct val="150000"/>
+              </a:lnSpc>
+              <a:buFont typeface="Arial" panose="020B0604020202020204" pitchFamily="34" charset="0"/>
+              <a:buChar char="•"/>
+            </a:pPr>
+            <a:r>
+              <a:rPr lang="en-US" sz="3600" b="0" dirty="0" smtClean="0"/>
+              <a:t>You </a:t>
+            </a:r>
+            <a:r>
+              <a:rPr lang="en-US" sz="3600" b="0" dirty="0"/>
+              <a:t>can also enforce data integrity in the </a:t>
+            </a:r>
+            <a:r>
+              <a:rPr lang="en-US" sz="3600" b="0" dirty="0" err="1"/>
+              <a:t>DataSet</a:t>
+            </a:r>
+            <a:r>
+              <a:rPr lang="en-US" sz="3600" b="0" dirty="0"/>
+              <a:t> by using the </a:t>
+            </a:r>
+            <a:r>
+              <a:rPr lang="en-US" sz="3600" dirty="0" err="1"/>
+              <a:t>UniqueConstraint</a:t>
+            </a:r>
+            <a:r>
+              <a:rPr lang="en-US" sz="3600" dirty="0"/>
+              <a:t> and </a:t>
+            </a:r>
+            <a:r>
+              <a:rPr lang="en-US" sz="3600" dirty="0" err="1"/>
+              <a:t>ForeignKeyConstraint</a:t>
+            </a:r>
+            <a:r>
+              <a:rPr lang="en-US" sz="3600" dirty="0"/>
+              <a:t> </a:t>
+            </a:r>
+            <a:r>
+              <a:rPr lang="en-US" sz="3600" b="0" dirty="0"/>
+              <a:t>objects. </a:t>
+            </a:r>
+            <a:endParaRPr lang="en-US" sz="3600" b="0" dirty="0" smtClean="0"/>
+          </a:p>
+          <a:p>
+            <a:pPr marL="571500" indent="-571500" algn="l">
+              <a:lnSpc>
+                <a:spcPct val="150000"/>
+              </a:lnSpc>
+              <a:buFont typeface="Arial" panose="020B0604020202020204" pitchFamily="34" charset="0"/>
+              <a:buChar char="•"/>
+            </a:pPr>
+            <a:r>
+              <a:rPr lang="en-US" sz="3600" b="0" dirty="0"/>
+              <a:t>Whereas </a:t>
+            </a:r>
+            <a:r>
+              <a:rPr lang="en-US" sz="3600" b="0" dirty="0" err="1"/>
+              <a:t>DataTable</a:t>
+            </a:r>
+            <a:r>
+              <a:rPr lang="en-US" sz="3600" b="0" dirty="0"/>
+              <a:t> objects contain the data, the </a:t>
+            </a:r>
+            <a:r>
+              <a:rPr lang="en-US" sz="3600" dirty="0" err="1"/>
+              <a:t>DataRelationCollection</a:t>
+            </a:r>
+            <a:r>
+              <a:rPr lang="en-US" sz="3600" b="0" dirty="0"/>
+              <a:t> allows you to navigate though the table hierarchy</a:t>
+            </a:r>
+            <a:r>
+              <a:rPr lang="en-US" sz="3600" b="0" dirty="0" smtClean="0"/>
+              <a:t>.</a:t>
+            </a:r>
+          </a:p>
+          <a:p>
+            <a:pPr marL="571500" indent="-571500" algn="l">
+              <a:lnSpc>
+                <a:spcPct val="150000"/>
+              </a:lnSpc>
+              <a:buFont typeface="Arial" panose="020B0604020202020204" pitchFamily="34" charset="0"/>
+              <a:buChar char="•"/>
+            </a:pPr>
+            <a:r>
+              <a:rPr lang="en-US" sz="3600" b="0" dirty="0"/>
+              <a:t>The tables are contained in a </a:t>
+            </a:r>
+            <a:r>
+              <a:rPr lang="en-US" sz="3600" b="0" dirty="0" err="1"/>
+              <a:t>DataTableCollection</a:t>
+            </a:r>
+            <a:r>
+              <a:rPr lang="en-US" sz="3600" b="0" dirty="0"/>
+              <a:t> accessed through the Tables property.</a:t>
+            </a:r>
+            <a:endParaRPr lang="en-US" sz="3600" b="0" dirty="0" smtClean="0"/>
+          </a:p>
+        </p:txBody>
+      </p:sp>
+    </p:spTree>
+    <p:extLst>
+      <p:ext uri="{BB962C8B-B14F-4D97-AF65-F5344CB8AC3E}">
+        <p14:creationId xmlns:p14="http://schemas.microsoft.com/office/powerpoint/2010/main" val="670247745"/>
+      </p:ext>
+    </p:extLst>
+  </p:cSld>
+  <p:clrMapOvr>
+    <a:masterClrMapping/>
+  </p:clrMapOvr>
+  <p:transition spd="med"/>
+  <p:timing>
+    <p:tnLst>
+      <p:par>
+        <p:cTn id="1" dur="indefinite" restart="never" nodeType="tmRoot"/>
+      </p:par>
+    </p:tnLst>
+  </p:timing>
+</p:sld>
+</file>
+
+<file path=ppt/slides/slide33.xml><?xml version="1.0" encoding="utf-8"?>
+<p:sld xmlns:a="http://schemas.openxmlformats.org/drawingml/2006/main" xmlns:r="http://schemas.openxmlformats.org/officeDocument/2006/relationships" xmlns:p="http://schemas.openxmlformats.org/presentationml/2006/main">
+  <p:cSld>
+    <p:spTree>
+      <p:nvGrpSpPr>
+        <p:cNvPr id="1" name=""/>
+        <p:cNvGrpSpPr/>
+        <p:nvPr/>
+      </p:nvGrpSpPr>
+      <p:grpSpPr>
+        <a:xfrm>
+          <a:off x="0" y="0"/>
+          <a:ext cx="0" cy="0"/>
+          <a:chOff x="0" y="0"/>
+          <a:chExt cx="0" cy="0"/>
+        </a:xfrm>
+      </p:grpSpPr>
+      <p:sp>
+        <p:nvSpPr>
+          <p:cNvPr id="135" name="Line"/>
+          <p:cNvSpPr/>
+          <p:nvPr/>
+        </p:nvSpPr>
+        <p:spPr>
+          <a:xfrm flipV="1">
+            <a:off x="2885566" y="-124865"/>
+            <a:ext cx="1" cy="13965729"/>
+          </a:xfrm>
+          <a:prstGeom prst="line">
+            <a:avLst/>
+          </a:prstGeom>
+          <a:ln w="57150">
+            <a:solidFill>
+              <a:srgbClr val="183E67"/>
+            </a:solidFill>
+            <a:custDash>
+              <a:ds d="600000" sp="600000"/>
+            </a:custDash>
+            <a:miter lim="400000"/>
+          </a:ln>
+        </p:spPr>
+        <p:txBody>
+          <a:bodyPr lIns="71437" tIns="71437" rIns="71437" bIns="71437" anchor="ctr"/>
+          <a:lstStyle/>
+          <a:p>
+            <a:pPr>
+              <a:defRPr sz="3000" b="0">
+                <a:solidFill>
+                  <a:srgbClr val="FFFFFF"/>
+                </a:solidFill>
+                <a:latin typeface="+mn-lt"/>
+                <a:ea typeface="+mn-ea"/>
+                <a:cs typeface="+mn-cs"/>
+                <a:sym typeface="Helvetica Neue Medium"/>
+              </a:defRPr>
+            </a:pPr>
+            <a:endParaRPr/>
+          </a:p>
+        </p:txBody>
+      </p:sp>
+      <p:sp>
+        <p:nvSpPr>
+          <p:cNvPr id="139" name="Line"/>
+          <p:cNvSpPr/>
+          <p:nvPr/>
+        </p:nvSpPr>
+        <p:spPr>
+          <a:xfrm>
+            <a:off x="2885566" y="2266950"/>
+            <a:ext cx="21498434" cy="0"/>
+          </a:xfrm>
+          <a:prstGeom prst="line">
+            <a:avLst/>
+          </a:prstGeom>
+          <a:ln w="25400">
+            <a:solidFill>
+              <a:schemeClr val="accent1">
+                <a:hueOff val="114395"/>
+                <a:lumOff val="-24975"/>
+              </a:schemeClr>
+            </a:solidFill>
+            <a:miter lim="400000"/>
+          </a:ln>
+          <a:effectLst/>
+        </p:spPr>
+        <p:txBody>
+          <a:bodyPr lIns="71437" tIns="71437" rIns="71437" bIns="71437" anchor="ctr"/>
+          <a:lstStyle/>
+          <a:p>
+            <a:pPr>
+              <a:defRPr sz="3000" b="0">
+                <a:solidFill>
+                  <a:srgbClr val="FFFFFF"/>
+                </a:solidFill>
+                <a:latin typeface="+mn-lt"/>
+                <a:ea typeface="+mn-ea"/>
+                <a:cs typeface="+mn-cs"/>
+                <a:sym typeface="Helvetica Neue Medium"/>
+              </a:defRPr>
+            </a:pPr>
+            <a:endParaRPr/>
+          </a:p>
+        </p:txBody>
+      </p:sp>
+      <p:sp>
+        <p:nvSpPr>
+          <p:cNvPr id="8" name="Constructor"/>
+          <p:cNvSpPr txBox="1"/>
+          <p:nvPr/>
+        </p:nvSpPr>
+        <p:spPr>
+          <a:xfrm rot="16200000">
+            <a:off x="-1392467" y="6047202"/>
+            <a:ext cx="5684248" cy="1621597"/>
+          </a:xfrm>
+          <a:prstGeom prst="rect">
+            <a:avLst/>
+          </a:prstGeom>
+          <a:ln w="12700">
+            <a:miter lim="400000"/>
+          </a:ln>
+          <a:extLst>
+            <a:ext uri="{C572A759-6A51-4108-AA02-DFA0A04FC94B}">
+              <ma14:wrappingTextBoxFlag xmlns="" xmlns:m="http://schemas.openxmlformats.org/officeDocument/2006/math" xmlns:a14="http://schemas.microsoft.com/office/drawing/2010/main" xmlns:ma14="http://schemas.microsoft.com/office/mac/drawingml/2011/main" val="1"/>
+            </a:ext>
+          </a:extLst>
+        </p:spPr>
+        <p:txBody>
+          <a:bodyPr wrap="none" lIns="71437" tIns="71437" rIns="71437" bIns="71437" anchor="ctr">
+            <a:spAutoFit/>
+          </a:bodyPr>
+          <a:lstStyle>
+            <a:lvl1pPr>
+              <a:defRPr sz="10000">
+                <a:solidFill>
+                  <a:srgbClr val="474748"/>
+                </a:solidFill>
+              </a:defRPr>
+            </a:lvl1pPr>
+          </a:lstStyle>
+          <a:p>
+            <a:r>
+              <a:rPr lang="en-US" sz="9600" dirty="0" smtClean="0">
+                <a:solidFill>
+                  <a:schemeClr val="tx2"/>
+                </a:solidFill>
+              </a:rPr>
+              <a:t>ADO.NET</a:t>
+            </a:r>
+            <a:endParaRPr lang="en-US" sz="9600" dirty="0">
+              <a:solidFill>
+                <a:schemeClr val="tx2"/>
+              </a:solidFill>
+            </a:endParaRPr>
+          </a:p>
+        </p:txBody>
+      </p:sp>
+      <p:sp>
+        <p:nvSpPr>
+          <p:cNvPr id="2" name="Rectangle 1"/>
+          <p:cNvSpPr/>
+          <p:nvPr/>
+        </p:nvSpPr>
+        <p:spPr>
+          <a:xfrm>
+            <a:off x="3510681" y="1042306"/>
+            <a:ext cx="5622052" cy="1200329"/>
+          </a:xfrm>
+          <a:prstGeom prst="rect">
+            <a:avLst/>
+          </a:prstGeom>
+        </p:spPr>
+        <p:txBody>
+          <a:bodyPr wrap="none">
+            <a:spAutoFit/>
+          </a:bodyPr>
+          <a:lstStyle/>
+          <a:p>
+            <a:pPr algn="l"/>
+            <a:r>
+              <a:rPr lang="en-US" sz="7200" dirty="0" smtClean="0">
+                <a:latin typeface="+mn-lt"/>
+                <a:cs typeface="Courier New" panose="02070309020205020404" pitchFamily="49" charset="0"/>
+              </a:rPr>
+              <a:t>Architecture</a:t>
+            </a:r>
+            <a:endParaRPr lang="en-US" sz="7200" dirty="0">
+              <a:latin typeface="+mn-lt"/>
+              <a:cs typeface="Courier New" panose="02070309020205020404" pitchFamily="49" charset="0"/>
+            </a:endParaRPr>
+          </a:p>
+        </p:txBody>
+      </p:sp>
+      <p:sp>
+        <p:nvSpPr>
+          <p:cNvPr id="4" name="TextBox 3"/>
+          <p:cNvSpPr txBox="1"/>
+          <p:nvPr/>
+        </p:nvSpPr>
+        <p:spPr>
+          <a:xfrm>
+            <a:off x="3510681" y="3031467"/>
+            <a:ext cx="8671487" cy="1252265"/>
+          </a:xfrm>
+          <a:prstGeom prst="rect">
+            <a:avLst/>
+          </a:prstGeom>
+          <a:noFill/>
+          <a:ln w="12700" cap="flat">
+            <a:noFill/>
+            <a:miter lim="400000"/>
+          </a:ln>
+          <a:effectLst/>
+          <a:sp3d/>
+        </p:spPr>
+        <p:style>
+          <a:lnRef idx="0">
+            <a:scrgbClr r="0" g="0" b="0"/>
+          </a:lnRef>
+          <a:fillRef idx="0">
+            <a:scrgbClr r="0" g="0" b="0"/>
+          </a:fillRef>
+          <a:effectRef idx="0">
+            <a:scrgbClr r="0" g="0" b="0"/>
+          </a:effectRef>
+          <a:fontRef idx="none"/>
+        </p:style>
+        <p:txBody>
+          <a:bodyPr rot="0" spcFirstLastPara="1" vertOverflow="overflow" horzOverflow="overflow" vert="horz" wrap="square" lIns="71437" tIns="71437" rIns="71437" bIns="71437" numCol="1" spcCol="38100" rtlCol="0" anchor="ctr">
+            <a:spAutoFit/>
+          </a:bodyPr>
+          <a:lstStyle/>
+          <a:p>
+            <a:pPr marL="0" marR="0" indent="0" algn="l" defTabSz="821531" rtl="0" fontAlgn="auto" latinLnBrk="0" hangingPunct="0">
+              <a:lnSpc>
+                <a:spcPct val="100000"/>
+              </a:lnSpc>
+              <a:spcBef>
+                <a:spcPts val="0"/>
+              </a:spcBef>
+              <a:spcAft>
+                <a:spcPts val="0"/>
+              </a:spcAft>
+              <a:buClrTx/>
+              <a:buSzTx/>
+              <a:buFontTx/>
+              <a:buNone/>
+              <a:tabLst/>
+            </a:pPr>
+            <a:r>
+              <a:rPr kumimoji="0" lang="en-US" sz="7200" b="1" i="0" u="none" strike="noStrike" cap="none" spc="0" normalizeH="0" baseline="0" dirty="0" smtClean="0">
+                <a:ln>
+                  <a:noFill/>
+                </a:ln>
+                <a:solidFill>
+                  <a:schemeClr val="accent3">
+                    <a:lumMod val="50000"/>
+                  </a:schemeClr>
+                </a:solidFill>
+                <a:effectLst/>
+                <a:uFillTx/>
+                <a:latin typeface="Calibri" panose="020F0502020204030204" pitchFamily="34" charset="0"/>
+                <a:cs typeface="Calibri" panose="020F0502020204030204" pitchFamily="34" charset="0"/>
+                <a:sym typeface="Helvetica Neue"/>
+              </a:rPr>
+              <a:t>Data Set</a:t>
+            </a:r>
+            <a:endParaRPr kumimoji="0" lang="en-US" sz="4500" b="1" i="0" u="none" strike="noStrike" cap="none" spc="0" normalizeH="0" baseline="0" dirty="0">
+              <a:ln>
+                <a:noFill/>
+              </a:ln>
+              <a:solidFill>
+                <a:schemeClr val="accent3">
+                  <a:lumMod val="50000"/>
+                </a:schemeClr>
+              </a:solidFill>
+              <a:effectLst/>
+              <a:uFillTx/>
+              <a:latin typeface="Calibri" panose="020F0502020204030204" pitchFamily="34" charset="0"/>
+              <a:cs typeface="Calibri" panose="020F0502020204030204" pitchFamily="34" charset="0"/>
+              <a:sym typeface="Helvetica Neue"/>
+            </a:endParaRPr>
+          </a:p>
+        </p:txBody>
+      </p:sp>
+      <p:sp>
+        <p:nvSpPr>
+          <p:cNvPr id="3" name="Rectangle 2"/>
+          <p:cNvSpPr/>
+          <p:nvPr/>
+        </p:nvSpPr>
+        <p:spPr>
+          <a:xfrm>
+            <a:off x="6096000" y="6319391"/>
+            <a:ext cx="12192000" cy="784830"/>
+          </a:xfrm>
+          <a:prstGeom prst="rect">
+            <a:avLst/>
+          </a:prstGeom>
+        </p:spPr>
+        <p:txBody>
+          <a:bodyPr>
+            <a:spAutoFit/>
+          </a:bodyPr>
+          <a:lstStyle/>
+          <a:p>
+            <a:pPr algn="l"/>
+            <a:endParaRPr lang="en-US" sz="4500" dirty="0">
+              <a:latin typeface="Calibri" panose="020F0502020204030204" pitchFamily="34" charset="0"/>
+              <a:cs typeface="Calibri" panose="020F0502020204030204" pitchFamily="34" charset="0"/>
+            </a:endParaRPr>
+          </a:p>
+        </p:txBody>
+      </p:sp>
+      <p:graphicFrame>
+        <p:nvGraphicFramePr>
+          <p:cNvPr id="9" name="Table 8"/>
+          <p:cNvGraphicFramePr>
+            <a:graphicFrameLocks noGrp="1"/>
+          </p:cNvGraphicFramePr>
+          <p:nvPr>
+            <p:extLst>
+              <p:ext uri="{D42A27DB-BD31-4B8C-83A1-F6EECF244321}">
+                <p14:modId xmlns:p14="http://schemas.microsoft.com/office/powerpoint/2010/main" val="1126258460"/>
+              </p:ext>
+            </p:extLst>
+          </p:nvPr>
+        </p:nvGraphicFramePr>
+        <p:xfrm>
+          <a:off x="3612687" y="4271193"/>
+          <a:ext cx="20565125" cy="8896651"/>
+        </p:xfrm>
+        <a:graphic>
+          <a:graphicData uri="http://schemas.openxmlformats.org/drawingml/2006/table">
+            <a:tbl>
+              <a:tblPr firstRow="1">
+                <a:tableStyleId>{0E3FDE45-AF77-4B5C-9715-49D594BDF05E}</a:tableStyleId>
+              </a:tblPr>
+              <a:tblGrid>
+                <a:gridCol w="4665355">
+                  <a:extLst>
+                    <a:ext uri="{9D8B030D-6E8A-4147-A177-3AD203B41FA5}">
+                      <a16:colId xmlns:a16="http://schemas.microsoft.com/office/drawing/2014/main" val="467629134"/>
+                    </a:ext>
+                  </a:extLst>
+                </a:gridCol>
+                <a:gridCol w="15899770">
+                  <a:extLst>
+                    <a:ext uri="{9D8B030D-6E8A-4147-A177-3AD203B41FA5}">
+                      <a16:colId xmlns:a16="http://schemas.microsoft.com/office/drawing/2014/main" val="1933368085"/>
+                    </a:ext>
+                  </a:extLst>
+                </a:gridCol>
+              </a:tblGrid>
+              <a:tr h="633925">
+                <a:tc>
+                  <a:txBody>
+                    <a:bodyPr/>
+                    <a:lstStyle/>
+                    <a:p>
+                      <a:pPr algn="l"/>
+                      <a:r>
+                        <a:rPr lang="en-US" sz="3600" dirty="0" smtClean="0">
+                          <a:effectLst/>
+                        </a:rPr>
+                        <a:t>Methods</a:t>
+                      </a:r>
+                      <a:endParaRPr lang="en-US" sz="3600" dirty="0">
+                        <a:effectLst/>
+                      </a:endParaRPr>
+                    </a:p>
+                  </a:txBody>
+                  <a:tcPr marL="32663" marR="32663" marT="21775" marB="21775" anchor="ctr"/>
+                </a:tc>
+                <a:tc>
+                  <a:txBody>
+                    <a:bodyPr/>
+                    <a:lstStyle/>
+                    <a:p>
+                      <a:pPr algn="l"/>
+                      <a:r>
+                        <a:rPr lang="en-US" sz="3600" dirty="0">
+                          <a:effectLst/>
+                        </a:rPr>
+                        <a:t>Description</a:t>
+                      </a:r>
+                    </a:p>
+                  </a:txBody>
+                  <a:tcPr marL="32663" marR="32663" marT="21775" marB="21775" anchor="ctr"/>
+                </a:tc>
+                <a:extLst>
+                  <a:ext uri="{0D108BD9-81ED-4DB2-BD59-A6C34878D82A}">
+                    <a16:rowId xmlns:a16="http://schemas.microsoft.com/office/drawing/2014/main" val="161540190"/>
+                  </a:ext>
+                </a:extLst>
+              </a:tr>
+              <a:tr h="1549470">
+                <a:tc>
+                  <a:txBody>
+                    <a:bodyPr/>
+                    <a:lstStyle/>
+                    <a:p>
+                      <a:pPr algn="l"/>
+                      <a:r>
+                        <a:rPr lang="en-US" sz="3600" b="0" i="0" u="none" strike="noStrike" cap="none" spc="0" baseline="0" dirty="0" err="1" smtClean="0">
+                          <a:ln>
+                            <a:noFill/>
+                          </a:ln>
+                          <a:solidFill>
+                            <a:schemeClr val="tx1"/>
+                          </a:solidFill>
+                          <a:effectLst/>
+                          <a:uFillTx/>
+                          <a:latin typeface="+mn-lt"/>
+                          <a:ea typeface="+mn-ea"/>
+                          <a:cs typeface="+mn-cs"/>
+                          <a:sym typeface="Helvetica Neue Light"/>
+                        </a:rPr>
+                        <a:t>AcceptChanges</a:t>
+                      </a:r>
+                      <a:r>
+                        <a:rPr lang="en-US" sz="3600" b="0" i="0" u="none" strike="noStrike" cap="none" spc="0" baseline="0" dirty="0" smtClean="0">
+                          <a:ln>
+                            <a:noFill/>
+                          </a:ln>
+                          <a:solidFill>
+                            <a:schemeClr val="tx1"/>
+                          </a:solidFill>
+                          <a:effectLst/>
+                          <a:uFillTx/>
+                          <a:latin typeface="+mn-lt"/>
+                          <a:ea typeface="+mn-ea"/>
+                          <a:cs typeface="+mn-cs"/>
+                          <a:sym typeface="Helvetica Neue Light"/>
+                        </a:rPr>
+                        <a:t>()	</a:t>
+                      </a:r>
+                      <a:endParaRPr lang="en-US" sz="3600" b="0" i="0" u="none" strike="noStrike" cap="none" spc="0" baseline="0" dirty="0">
+                        <a:ln>
+                          <a:noFill/>
+                        </a:ln>
+                        <a:solidFill>
+                          <a:schemeClr val="tx1"/>
+                        </a:solidFill>
+                        <a:effectLst/>
+                        <a:uFillTx/>
+                        <a:latin typeface="+mn-lt"/>
+                        <a:ea typeface="+mn-ea"/>
+                        <a:cs typeface="+mn-cs"/>
+                        <a:sym typeface="Helvetica Neue Light"/>
+                      </a:endParaRPr>
+                    </a:p>
+                  </a:txBody>
+                  <a:tcPr marL="68580" marR="68580" anchor="ctr">
+                    <a:solidFill>
+                      <a:schemeClr val="bg1">
+                        <a:lumMod val="95000"/>
+                      </a:schemeClr>
+                    </a:solidFill>
+                  </a:tcPr>
+                </a:tc>
+                <a:tc>
+                  <a:txBody>
+                    <a:bodyPr/>
+                    <a:lstStyle/>
+                    <a:p>
+                      <a:pPr algn="l"/>
+                      <a:r>
+                        <a:rPr lang="en-US" sz="3600" b="0" i="0" u="none" strike="noStrike" cap="none" spc="0" baseline="0" smtClean="0">
+                          <a:ln>
+                            <a:noFill/>
+                          </a:ln>
+                          <a:solidFill>
+                            <a:schemeClr val="tx1"/>
+                          </a:solidFill>
+                          <a:effectLst/>
+                          <a:uFillTx/>
+                          <a:latin typeface="+mn-lt"/>
+                          <a:ea typeface="+mn-ea"/>
+                          <a:cs typeface="+mn-cs"/>
+                          <a:sym typeface="Helvetica Neue Light"/>
+                        </a:rPr>
+                        <a:t>Commits all the changes made to the DataSet since it was loaded or since the last time AcceptChanges() was called.</a:t>
+                      </a:r>
+                      <a:endParaRPr lang="en-US" sz="3600" b="0" i="0" u="none" strike="noStrike" cap="none" spc="0" baseline="0" dirty="0">
+                        <a:ln>
+                          <a:noFill/>
+                        </a:ln>
+                        <a:solidFill>
+                          <a:schemeClr val="tx1"/>
+                        </a:solidFill>
+                        <a:effectLst/>
+                        <a:uFillTx/>
+                        <a:latin typeface="+mn-lt"/>
+                        <a:ea typeface="+mn-ea"/>
+                        <a:cs typeface="+mn-cs"/>
+                        <a:sym typeface="Helvetica Neue Light"/>
+                      </a:endParaRPr>
+                    </a:p>
+                  </a:txBody>
+                  <a:tcPr marL="68580" marR="68580" anchor="ctr">
+                    <a:solidFill>
+                      <a:schemeClr val="bg1">
+                        <a:lumMod val="95000"/>
+                      </a:schemeClr>
+                    </a:solidFill>
+                  </a:tcPr>
+                </a:tc>
+                <a:extLst>
+                  <a:ext uri="{0D108BD9-81ED-4DB2-BD59-A6C34878D82A}">
+                    <a16:rowId xmlns:a16="http://schemas.microsoft.com/office/drawing/2014/main" val="9395707"/>
+                  </a:ext>
+                </a:extLst>
+              </a:tr>
+              <a:tr h="1694330">
+                <a:tc>
+                  <a:txBody>
+                    <a:bodyPr/>
+                    <a:lstStyle/>
+                    <a:p>
+                      <a:pPr algn="l"/>
+                      <a:r>
+                        <a:rPr lang="en-US" sz="3600" b="0" i="0" u="none" strike="noStrike" cap="none" spc="0" baseline="0" dirty="0" smtClean="0">
+                          <a:ln>
+                            <a:noFill/>
+                          </a:ln>
+                          <a:solidFill>
+                            <a:schemeClr val="tx1"/>
+                          </a:solidFill>
+                          <a:effectLst/>
+                          <a:uFillTx/>
+                          <a:latin typeface="+mn-lt"/>
+                          <a:ea typeface="+mn-ea"/>
+                          <a:cs typeface="+mn-cs"/>
+                          <a:sym typeface="Helvetica Neue Light"/>
+                        </a:rPr>
+                        <a:t>Clear()</a:t>
+                      </a:r>
+                      <a:endParaRPr lang="en-US" sz="3600" b="0" i="0" u="none" strike="noStrike" cap="none" spc="0" baseline="0" dirty="0">
+                        <a:ln>
+                          <a:noFill/>
+                        </a:ln>
+                        <a:solidFill>
+                          <a:schemeClr val="tx1"/>
+                        </a:solidFill>
+                        <a:effectLst/>
+                        <a:uFillTx/>
+                        <a:latin typeface="+mn-lt"/>
+                        <a:ea typeface="+mn-ea"/>
+                        <a:cs typeface="+mn-cs"/>
+                        <a:sym typeface="Helvetica Neue Light"/>
+                      </a:endParaRPr>
+                    </a:p>
+                  </a:txBody>
+                  <a:tcPr marL="68580" marR="68580" anchor="ctr">
+                    <a:solidFill>
+                      <a:schemeClr val="accent3">
+                        <a:lumMod val="20000"/>
+                        <a:lumOff val="80000"/>
+                      </a:schemeClr>
+                    </a:solidFill>
+                  </a:tcPr>
+                </a:tc>
+                <a:tc>
+                  <a:txBody>
+                    <a:bodyPr/>
+                    <a:lstStyle/>
+                    <a:p>
+                      <a:pPr algn="l"/>
+                      <a:r>
+                        <a:rPr lang="en-US" sz="3600" b="0" i="0" u="none" strike="noStrike" cap="none" spc="0" baseline="0" smtClean="0">
+                          <a:ln>
+                            <a:noFill/>
+                          </a:ln>
+                          <a:solidFill>
+                            <a:schemeClr val="tx1"/>
+                          </a:solidFill>
+                          <a:effectLst/>
+                          <a:uFillTx/>
+                          <a:latin typeface="+mn-lt"/>
+                          <a:ea typeface="+mn-ea"/>
+                          <a:cs typeface="+mn-cs"/>
+                          <a:sym typeface="Helvetica Neue Light"/>
+                        </a:rPr>
+                        <a:t>Clears the DataSet of any data by removing all rows in all tables.</a:t>
+                      </a:r>
+                      <a:endParaRPr lang="en-US" sz="3600" b="0" i="0" u="none" strike="noStrike" cap="none" spc="0" baseline="0" dirty="0">
+                        <a:ln>
+                          <a:noFill/>
+                        </a:ln>
+                        <a:solidFill>
+                          <a:schemeClr val="tx1"/>
+                        </a:solidFill>
+                        <a:effectLst/>
+                        <a:uFillTx/>
+                        <a:latin typeface="+mn-lt"/>
+                        <a:ea typeface="+mn-ea"/>
+                        <a:cs typeface="+mn-cs"/>
+                        <a:sym typeface="Helvetica Neue Light"/>
+                      </a:endParaRPr>
+                    </a:p>
+                  </a:txBody>
+                  <a:tcPr marL="68580" marR="68580" anchor="ctr">
+                    <a:solidFill>
+                      <a:schemeClr val="accent3">
+                        <a:lumMod val="20000"/>
+                        <a:lumOff val="80000"/>
+                      </a:schemeClr>
+                    </a:solidFill>
+                  </a:tcPr>
+                </a:tc>
+                <a:extLst>
+                  <a:ext uri="{0D108BD9-81ED-4DB2-BD59-A6C34878D82A}">
+                    <a16:rowId xmlns:a16="http://schemas.microsoft.com/office/drawing/2014/main" val="2644856811"/>
+                  </a:ext>
+                </a:extLst>
+              </a:tr>
+              <a:tr h="2333697">
+                <a:tc>
+                  <a:txBody>
+                    <a:bodyPr/>
+                    <a:lstStyle/>
+                    <a:p>
+                      <a:pPr algn="l"/>
+                      <a:r>
+                        <a:rPr lang="en-US" sz="3600" b="0" i="0" u="none" strike="noStrike" cap="none" spc="0" baseline="0" dirty="0" smtClean="0">
+                          <a:ln>
+                            <a:noFill/>
+                          </a:ln>
+                          <a:solidFill>
+                            <a:schemeClr val="tx1"/>
+                          </a:solidFill>
+                          <a:effectLst/>
+                          <a:uFillTx/>
+                          <a:latin typeface="+mn-lt"/>
+                          <a:ea typeface="+mn-ea"/>
+                          <a:cs typeface="+mn-cs"/>
+                          <a:sym typeface="Helvetica Neue Light"/>
+                        </a:rPr>
+                        <a:t>Clone()</a:t>
+                      </a:r>
+                      <a:endParaRPr lang="en-US" sz="3600" b="0" i="0" u="none" strike="noStrike" cap="none" spc="0" baseline="0" dirty="0">
+                        <a:ln>
+                          <a:noFill/>
+                        </a:ln>
+                        <a:solidFill>
+                          <a:schemeClr val="tx1"/>
+                        </a:solidFill>
+                        <a:effectLst/>
+                        <a:uFillTx/>
+                        <a:latin typeface="+mn-lt"/>
+                        <a:ea typeface="+mn-ea"/>
+                        <a:cs typeface="+mn-cs"/>
+                        <a:sym typeface="Helvetica Neue Light"/>
+                      </a:endParaRPr>
+                    </a:p>
+                  </a:txBody>
+                  <a:tcPr marL="68580" marR="68580" anchor="ctr">
+                    <a:solidFill>
+                      <a:schemeClr val="bg1">
+                        <a:lumMod val="95000"/>
+                      </a:schemeClr>
+                    </a:solidFill>
+                  </a:tcPr>
+                </a:tc>
+                <a:tc>
+                  <a:txBody>
+                    <a:bodyPr/>
+                    <a:lstStyle/>
+                    <a:p>
+                      <a:pPr algn="l"/>
+                      <a:r>
+                        <a:rPr lang="en-US" sz="3600" b="0" i="0" u="none" strike="noStrike" cap="none" spc="0" baseline="0" smtClean="0">
+                          <a:ln>
+                            <a:noFill/>
+                          </a:ln>
+                          <a:solidFill>
+                            <a:schemeClr val="tx1"/>
+                          </a:solidFill>
+                          <a:effectLst/>
+                          <a:uFillTx/>
+                          <a:latin typeface="+mn-lt"/>
+                          <a:ea typeface="+mn-ea"/>
+                          <a:cs typeface="+mn-cs"/>
+                          <a:sym typeface="Helvetica Neue Light"/>
+                        </a:rPr>
+                        <a:t>Copies the structure of the DataSet, including all DataTable schemas, relations, and constraints. Does not copy any data.</a:t>
+                      </a:r>
+                      <a:endParaRPr lang="en-US" sz="3600" b="0" i="0" u="none" strike="noStrike" cap="none" spc="0" baseline="0" dirty="0">
+                        <a:ln>
+                          <a:noFill/>
+                        </a:ln>
+                        <a:solidFill>
+                          <a:schemeClr val="tx1"/>
+                        </a:solidFill>
+                        <a:effectLst/>
+                        <a:uFillTx/>
+                        <a:latin typeface="+mn-lt"/>
+                        <a:ea typeface="+mn-ea"/>
+                        <a:cs typeface="+mn-cs"/>
+                        <a:sym typeface="Helvetica Neue Light"/>
+                      </a:endParaRPr>
+                    </a:p>
+                  </a:txBody>
+                  <a:tcPr marL="68580" marR="68580" anchor="ctr">
+                    <a:solidFill>
+                      <a:schemeClr val="bg1">
+                        <a:lumMod val="95000"/>
+                      </a:schemeClr>
+                    </a:solidFill>
+                  </a:tcPr>
+                </a:tc>
+                <a:extLst>
+                  <a:ext uri="{0D108BD9-81ED-4DB2-BD59-A6C34878D82A}">
+                    <a16:rowId xmlns:a16="http://schemas.microsoft.com/office/drawing/2014/main" val="805172727"/>
+                  </a:ext>
+                </a:extLst>
+              </a:tr>
+              <a:tr h="2685229">
+                <a:tc>
+                  <a:txBody>
+                    <a:bodyPr/>
+                    <a:lstStyle/>
+                    <a:p>
+                      <a:pPr algn="l"/>
+                      <a:r>
+                        <a:rPr lang="en-US" sz="3600" b="0" i="0" u="none" strike="noStrike" cap="none" spc="0" baseline="0" dirty="0" err="1" smtClean="0">
+                          <a:ln>
+                            <a:noFill/>
+                          </a:ln>
+                          <a:solidFill>
+                            <a:schemeClr val="tx1"/>
+                          </a:solidFill>
+                          <a:effectLst/>
+                          <a:uFillTx/>
+                          <a:latin typeface="+mn-lt"/>
+                          <a:ea typeface="+mn-ea"/>
+                          <a:cs typeface="+mn-cs"/>
+                          <a:sym typeface="Helvetica Neue Light"/>
+                        </a:rPr>
+                        <a:t>getXml</a:t>
+                      </a:r>
+                      <a:r>
+                        <a:rPr lang="en-US" sz="3600" b="0" i="0" u="none" strike="noStrike" cap="none" spc="0" baseline="0" dirty="0" smtClean="0">
+                          <a:ln>
+                            <a:noFill/>
+                          </a:ln>
+                          <a:solidFill>
+                            <a:schemeClr val="tx1"/>
+                          </a:solidFill>
+                          <a:effectLst/>
+                          <a:uFillTx/>
+                          <a:latin typeface="+mn-lt"/>
+                          <a:ea typeface="+mn-ea"/>
+                          <a:cs typeface="+mn-cs"/>
+                          <a:sym typeface="Helvetica Neue Light"/>
+                        </a:rPr>
+                        <a:t>()</a:t>
+                      </a:r>
+                      <a:endParaRPr lang="en-US" sz="3600" b="0" i="0" u="none" strike="noStrike" cap="none" spc="0" baseline="0" dirty="0">
+                        <a:ln>
+                          <a:noFill/>
+                        </a:ln>
+                        <a:solidFill>
+                          <a:schemeClr val="tx1"/>
+                        </a:solidFill>
+                        <a:effectLst/>
+                        <a:uFillTx/>
+                        <a:latin typeface="+mn-lt"/>
+                        <a:ea typeface="+mn-ea"/>
+                        <a:cs typeface="+mn-cs"/>
+                        <a:sym typeface="Helvetica Neue Light"/>
+                      </a:endParaRPr>
+                    </a:p>
+                  </a:txBody>
+                  <a:tcPr marL="68580" marR="68580" anchor="ctr">
+                    <a:solidFill>
+                      <a:schemeClr val="accent3">
+                        <a:lumMod val="20000"/>
+                        <a:lumOff val="80000"/>
+                      </a:schemeClr>
+                    </a:solidFill>
+                  </a:tcPr>
+                </a:tc>
+                <a:tc>
+                  <a:txBody>
+                    <a:bodyPr/>
+                    <a:lstStyle/>
+                    <a:p>
+                      <a:pPr algn="l"/>
+                      <a:r>
+                        <a:rPr lang="en-US" sz="3600" b="0" i="0" u="none" strike="noStrike" cap="none" spc="0" baseline="0" dirty="0" smtClean="0">
+                          <a:ln>
+                            <a:noFill/>
+                          </a:ln>
+                          <a:solidFill>
+                            <a:schemeClr val="tx1"/>
+                          </a:solidFill>
+                          <a:effectLst/>
+                          <a:uFillTx/>
+                          <a:latin typeface="+mn-lt"/>
+                          <a:ea typeface="+mn-ea"/>
+                          <a:cs typeface="+mn-cs"/>
+                          <a:sym typeface="Helvetica Neue Light"/>
+                        </a:rPr>
+                        <a:t>Returns the XML representation of the data stored in the </a:t>
+                      </a:r>
+                      <a:r>
+                        <a:rPr lang="en-US" sz="3600" b="0" i="0" u="none" strike="noStrike" cap="none" spc="0" baseline="0" dirty="0" err="1" smtClean="0">
+                          <a:ln>
+                            <a:noFill/>
+                          </a:ln>
+                          <a:solidFill>
+                            <a:schemeClr val="tx1"/>
+                          </a:solidFill>
+                          <a:effectLst/>
+                          <a:uFillTx/>
+                          <a:latin typeface="+mn-lt"/>
+                          <a:ea typeface="+mn-ea"/>
+                          <a:cs typeface="+mn-cs"/>
+                          <a:sym typeface="Helvetica Neue Light"/>
+                        </a:rPr>
+                        <a:t>DataSet</a:t>
+                      </a:r>
+                      <a:r>
+                        <a:rPr lang="en-US" sz="3600" b="0" i="0" u="none" strike="noStrike" cap="none" spc="0" baseline="0" dirty="0" smtClean="0">
+                          <a:ln>
+                            <a:noFill/>
+                          </a:ln>
+                          <a:solidFill>
+                            <a:schemeClr val="tx1"/>
+                          </a:solidFill>
+                          <a:effectLst/>
+                          <a:uFillTx/>
+                          <a:latin typeface="+mn-lt"/>
+                          <a:ea typeface="+mn-ea"/>
+                          <a:cs typeface="+mn-cs"/>
+                          <a:sym typeface="Helvetica Neue Light"/>
+                        </a:rPr>
+                        <a:t>.</a:t>
+                      </a:r>
+                      <a:endParaRPr lang="en-US" sz="3600" b="0" i="0" u="none" strike="noStrike" cap="none" spc="0" baseline="0" dirty="0">
+                        <a:ln>
+                          <a:noFill/>
+                        </a:ln>
+                        <a:solidFill>
+                          <a:schemeClr val="tx1"/>
+                        </a:solidFill>
+                        <a:effectLst/>
+                        <a:uFillTx/>
+                        <a:latin typeface="+mn-lt"/>
+                        <a:ea typeface="+mn-ea"/>
+                        <a:cs typeface="+mn-cs"/>
+                        <a:sym typeface="Helvetica Neue Light"/>
+                      </a:endParaRPr>
+                    </a:p>
+                  </a:txBody>
+                  <a:tcPr marL="68580" marR="68580" anchor="ctr">
+                    <a:solidFill>
+                      <a:schemeClr val="accent3">
+                        <a:lumMod val="20000"/>
+                        <a:lumOff val="80000"/>
+                      </a:schemeClr>
+                    </a:solidFill>
+                  </a:tcPr>
+                </a:tc>
+                <a:extLst>
+                  <a:ext uri="{0D108BD9-81ED-4DB2-BD59-A6C34878D82A}">
+                    <a16:rowId xmlns:a16="http://schemas.microsoft.com/office/drawing/2014/main" val="270872383"/>
+                  </a:ext>
+                </a:extLst>
+              </a:tr>
+            </a:tbl>
+          </a:graphicData>
+        </a:graphic>
+      </p:graphicFrame>
+    </p:spTree>
+    <p:extLst>
+      <p:ext uri="{BB962C8B-B14F-4D97-AF65-F5344CB8AC3E}">
+        <p14:creationId xmlns:p14="http://schemas.microsoft.com/office/powerpoint/2010/main" val="3403104881"/>
+      </p:ext>
+    </p:extLst>
   </p:cSld>
   <p:clrMapOvr>
     <a:masterClrMapping/>
